--- a/day 1/SAC_Training Day 1.pptx
+++ b/day 1/SAC_Training Day 1.pptx
@@ -199,6 +199,301 @@
 </inkml:ink>
 </file>
 
+<file path=ppt/ink/ink3.xml><?xml version="1.0" encoding="utf-8"?>
+<inkml:ink xmlns:inkml="http://www.w3.org/2003/InkML">
+  <inkml:definitions>
+    <inkml:context xml:id="ctx0">
+      <inkml:inkSource xml:id="inkSrc0">
+        <inkml:traceFormat>
+          <inkml:channel name="X" type="integer" max="1920" units="cm"/>
+          <inkml:channel name="Y" type="integer" max="1080" units="cm"/>
+          <inkml:channel name="T" type="integer" max="2.14748E9" units="dev"/>
+        </inkml:traceFormat>
+        <inkml:channelProperties>
+          <inkml:channelProperty channel="X" name="resolution" value="55.81395" units="1/cm"/>
+          <inkml:channelProperty channel="Y" name="resolution" value="55.6701" units="1/cm"/>
+          <inkml:channelProperty channel="T" name="resolution" value="1" units="1/dev"/>
+        </inkml:channelProperties>
+      </inkml:inkSource>
+      <inkml:timestamp xml:id="ts0" timeString="2021-11-15T04:25:56.917"/>
+    </inkml:context>
+    <inkml:brush xml:id="br0">
+      <inkml:brushProperty name="width" value="0.05" units="cm"/>
+      <inkml:brushProperty name="height" value="0.05" units="cm"/>
+      <inkml:brushProperty name="fitToCurve" value="1"/>
+    </inkml:brush>
+  </inkml:definitions>
+  <inkml:trace contextRef="#ctx0" brushRef="#br0">442 156 0,'0'-25'16,"0"-1"-16,0 1 15,0 50 17,0 1-32,0 25 15,0-25-15,0 51 16,0-26-16,0 0 0,0 26 15,0 0-15,0-25 16,26-1-16,-26 0 0,0 1 16,0-1-16</inkml:trace>
+  <inkml:trace contextRef="#ctx0" brushRef="#br0" timeOffset="335">109 567 0,'-26'-51'0,"0"25"16,1-25-16,-1 25 15,26-25-15,0-1 0,0 27 16,26-27-16,25 27 0,0-1 16,1 0-16,-1 26 15,26-25-15,26 25 0,-27 25 16,27-25-16,-26 52 15,26-27-15,-26 27 0,-26-1 16,0 0-16,1 1 0,-52 25 16,0-26-16,0 0 15,-52 1-15,1-27 0,-26 27 16,26-27-16,-26 1 16,0 0-16,0-1 0,0 1 15,26-26-15,-1 0 0,27 0 16,-1 0-16,26-26 15</inkml:trace>
+  <inkml:trace contextRef="#ctx0" brushRef="#br0" timeOffset="1011">1135 362 0,'0'-26'15,"0"0"1,0 1-16,-26 25 16,26 25-1,26 1 1,-26 0-16,26 25 0,-26-25 16,25 25-16,-25 0 15,26 1-15,-26-27 0,0 1 16,26 25-16,-26-25 15,0 0-15,-26-26 16,0-26 0,1 0-16,25 1 0,-26-1 15,0-25-15,1-1 0,25 1 16,0 0-16,-26-26 16,26 25-16,0 1 0,26 0 15,-1-1-15,1 1 16,0 26-16,25-1 0,-25 26 15,25 0-15,0 0 16,-25 0-16,25 0 0,-25 26 16,25-26-16,-51 25 15,26 1-15,-26-1 0,0 1 16,-26 0-16,0-1 0,1 1 16,-1 0-16,-25-26 15,25 25-15,-25 1 0,25-26 16,1 0-16,-1 0 0,52 0 31,-1 0-31,26 0 16,1 0-16,-1 26 15,26-26-15,-26 25 0,26-25 16,-25 26-16,-1 0 16,0-1-16,-25 1 0,0 0 15,-26-1-15,0 1 0,-26 0 16,-25-1-16,25 1 15,-51-26-15,26 26 0,-26-26 16,0 25-16,25-25 0,1 0 16,0 0-16,0 0 15,25 0-15</inkml:trace>
+  <inkml:trace contextRef="#ctx0" brushRef="#br0" timeOffset="1672">1956 233 0,'0'-25'15,"0"50"32,0 1-47,0 0 16,0 25-16,0-25 15,0 25-15,0 0 16,26-25-16,-26 25 0,25-25 16,-25 0-16,0 25 0,0-25 15,0-1 1,0-50 0,-25 25-16,25-26 15,0 0-15,0-25 16,-26 25-16,26-25 0,0 0 15,0-26-15,0 25 0,0 1 16,26-26-16,-1 51 16,-25-25-16,26 26 0,0-1 15,-1 26-15,1 0 16,-1 26-16,1-26 0,0 51 16,-1-26-16,1 1 0,0 25 15,-26-25-15,25 25 16,-25-25-16,26 0 0,-26-1 15,0 1-15,0 0 16,0-52 15,0 0-31,0 1 16,0-1-16,26 0 0,-26-25 16,25 0-16,1 25 15,0-25-15,-1 25 0,1 1 16,25 25-16,-25 0 0,0 0 15,-1 25-15,1 1 16,0 25-16,-26-25 0,25 25 16,-25 0-16,26 26 15,-26-25-15,0-1 0,0-25 16,0 25-16,0-25 0,-26-1 16,26 1-16</inkml:trace>
+  <inkml:trace contextRef="#ctx0" brushRef="#br0" timeOffset="2081">3085 105 0,'25'-25'0,"1"-1"16,0 26-16,-1-26 0,-25 1 15,-25 25-15,-1 0 16,-25 0-16,25 0 15,-25 0-15,0 25 0,-1-25 16,27 26-16,-1-26 16,0 26-16,1-1 0,25 1 15,25-1-15,1 1 16,0 0-16,25-1 16,0 1-16,26 0 0,-26-1 15,26 1-15,0 0 16,-25 25-16,-1-25 0,-25-1 15,25 27-15,-51-27 0,0 1 16,0 0-16,-26-1 16,1 1-16,-27 0 0,1-26 15,0 25-15,-1-25 16,1 0-16,-77 0 16,77-25-16,25 25 0,0-26 15,-25 0-15,25 1 16,1 25-16</inkml:trace>
+</inkml:ink>
+</file>
+
+<file path=ppt/ink/ink4.xml><?xml version="1.0" encoding="utf-8"?>
+<inkml:ink xmlns:inkml="http://www.w3.org/2003/InkML">
+  <inkml:definitions>
+    <inkml:context xml:id="ctx0">
+      <inkml:inkSource xml:id="inkSrc0">
+        <inkml:traceFormat>
+          <inkml:channel name="X" type="integer" max="1920" units="cm"/>
+          <inkml:channel name="Y" type="integer" max="1080" units="cm"/>
+          <inkml:channel name="T" type="integer" max="2.14748E9" units="dev"/>
+        </inkml:traceFormat>
+        <inkml:channelProperties>
+          <inkml:channelProperty channel="X" name="resolution" value="55.81395" units="1/cm"/>
+          <inkml:channelProperty channel="Y" name="resolution" value="55.6701" units="1/cm"/>
+          <inkml:channelProperty channel="T" name="resolution" value="1" units="1/dev"/>
+        </inkml:channelProperties>
+      </inkml:inkSource>
+      <inkml:timestamp xml:id="ts0" timeString="2021-11-15T04:25:53.575"/>
+    </inkml:context>
+    <inkml:brush xml:id="br0">
+      <inkml:brushProperty name="width" value="0.05" units="cm"/>
+      <inkml:brushProperty name="height" value="0.05" units="cm"/>
+      <inkml:brushProperty name="fitToCurve" value="1"/>
+    </inkml:brush>
+  </inkml:definitions>
+  <inkml:trace contextRef="#ctx0" brushRef="#br0">25836 4951 0,'0'-25'0,"0"-1"16,0 0 0,0 52-1,0 0 1,0 25-16,26-25 15,-26 25-15,0 0 16,0 1-16,25-1 0,-25 0 16,0 1-16,26-1 0,-26 0 15,26-25-15,-26 25 16,0-25-16,25 0 0</inkml:trace>
+  <inkml:trace contextRef="#ctx0" brushRef="#br0" timeOffset="205">25913 5259 0,'-26'0'15,"26"-25"1,26 25 0,0 0-1,-1 0-15,27-26 0,-1 26 16,0 0-16,1 0 0,24 0 15,1-26-15,-25 26 16,-1 0-16,0 0 0</inkml:trace>
+  <inkml:trace contextRef="#ctx0" brushRef="#br0" timeOffset="402">26477 5080 0,'-25'-26'0,"-1"0"16,0 1-16,1-1 15,-1 0-15,26 1 0,-26 25 16,26 25-1,26 1 1,-26 0-16,26 25 0,-26-25 16,25 25-16,1 0 0,0 1 15,-26-1-15,25 0 0,-25 1 16,26-1-16,-26-25 16,26-1-16,-26 1 0,0 0 15,25-1-15</inkml:trace>
+  <inkml:trace contextRef="#ctx0" brushRef="#br0" timeOffset="650">27042 4977 0,'0'-26'16,"0"52"15,0 0-31,0-1 16,0 1-16,25 25 0,-25 1 15,0-1-15,26 0 0,0 1 16,-26-27-16,25 27 16,-25-1-16,0-25 0,26-1 15</inkml:trace>
+  <inkml:trace contextRef="#ctx0" brushRef="#br0" timeOffset="970">26811 5003 0,'-26'-52'0,"26"27"16,26-1-16,0 26 0,-1-26 15,27 26-15,-1 0 16,26 0-16,0 0 0,0 26 16,0 0-16,25-26 0,-25 51 15,0-25-15,-25-1 16,25 27-16,-52-1 0,1-25 16,-26 25-16,-26 0 15,-25-25-15,0 25 16,-78 26-16,27-51 0,25 0 15,0-26-15,0 25 16,25-25-16,1 26 0,0-26 16,25 0-16,26-26 15</inkml:trace>
+  <inkml:trace contextRef="#ctx0" brushRef="#br0" timeOffset="1243">27863 5003 0,'0'-26'16,"0"0"0,0 52 15,0 0-31,26-1 15,-26 27-15,25-27 0,-25 27 16,26-1-16,-1 0 0,-25 1 16,26-27-16,-26 27 15,26-27-15,-26 27 0,25-52 16</inkml:trace>
+  <inkml:trace contextRef="#ctx0" brushRef="#br0" timeOffset="1542">27760 4926 0,'0'-26'16,"0"0"-16,0 1 16,26 25-16,25-26 0,1 26 15,24 0-15,1 0 16,26 26-16,0-26 0,25 25 15,-25 1-15,25 25 16,-25 1-16,-27-1 0,1 0 16,-25 1-16,-52-27 0,0 27 15,-52-1-15,-25 0 16,1-25-16,-53 0 0,1-1 16,-26 1-16,0-26 0,26 0 15,-26 0-15,51 0 16,1 0-16</inkml:trace>
+  <inkml:trace contextRef="#ctx0" brushRef="#br0" timeOffset="53018">26426 6055 0,'-26'0'0,"26"-26"15,-25 26-15,-1-26 16,26 1 0,26 25-1,-1 0 1,1 0 0,0 0-16,-1 25 0,1-25 15,0 26-15,-1 0 0,1 25 16,25-25-16,-51-1 15,26 27-15,0-27 0,-1 1 16,-25 25-16,0-25 16,0 0-16,0-1 0,-25 1 15,-1-26 1,0 26-16,1-26 16,-1-26-16,26 0 15,0 1-15,0-1 16,26-25-16,-26 25 0,25-25 15,1-1-15,25 1 0,-25 0 16,25-1-16,-25 1 16,0 25-16,25 1 0,-51-1 15,26 0-15,-1 26 16,-50 26 0</inkml:trace>
+  <inkml:trace contextRef="#ctx0" brushRef="#br0" timeOffset="53587">27119 5901 0,'0'-26'0,"0"0"16,0 52 15,0 0-31,0-1 0,0 27 16,0-1-16,0 0 0,25 26 16,-25 0-16,26 0 15,-26 0-15,0 0 0,26 0 16,-26 0-16,25-26 15,-25 1-15,0-1 0,0 0 16,0-25-16,0 0 16,0-52 15,-25-25-31,25 25 16,0-51-16,-26 26 0,26-26 15,-26 25-15,26-24 0,0-1 16,0 0-16,0 25 15,0 1-15,26 0 0,0 25 16,-26 0-16,25 1 16,1 25-16,25 0 0,-25 0 15,0 0-15,-1 0 0,1 25 16,0-25-16,-1 26 16,-25 0-16,26-26 0,-26 25 15,0 1-15,-26-26 0,1 26 16,-1-1-16,0-25 15,-25 0-15,25 26 0,1-26 16,-1 0-16,0 0 16</inkml:trace>
+  <inkml:trace contextRef="#ctx0" brushRef="#br0" timeOffset="54231">27632 6055 0,'0'-26'0,"0"0"15,0 1 1,0-1-16,0 0 16,26 26-16,-1 26 15,1-26 1,0 26-16,-26 25 0,25-25 15,1 25-15,-26-25 16,0 25-16,26-25 0,-26-1 16,0 27-16,0-27 0,-26 1 15,26 0 1,-26-26 0,26-26-1,0 0-15,0 1 16,0-27-16,0 27 0,0-27 15,26 1-15,-26 25 16,26-25-16,-1 25 0,-25 1 16,26-1-16,0 0 15,-1 26-15,1 0 16,-1 26-16,1 0 16,-26-1-16,26-25 15,-26 26-15,0 0 16,25-1-16,-25 1 15,0 0 1,0-52 15,0 0-31,0 1 16,0-1-16,0 0 0,26 1 16,0-1-1,-1 0-15,1 26 16,0 0-16,-1 26 15,1 0-15,-26-1 0,26 1 16,-26 0-16,25 25 0,-25-25 16,0 25-16,0-25 15,0-1-15</inkml:trace>
+  <inkml:trace contextRef="#ctx0" brushRef="#br0" timeOffset="73143">51 5157 0,'-26'0'0,"1"0"15,25-26 64,0 0-64,25 26 1,-25-25-16,26-1 15,-26 0-15,26 1 0,-1-1 16,-25 0-16,26 1 16,0-1-16,-1 0 0,1 1 15,0-1-15,-1 0 0,1 1 16,0 25 0,-1 0-16,1 0 15,0 25 1,-1 1-16,1-26 15,0 26-15,-1-1 16,1 1-16,0 0 0,-1-1 16,-25 1-16,26 0 0,0-1 15,-1 1 1,-25 0-16,0-1 16,0 1-16</inkml:trace>
+  <inkml:trace contextRef="#ctx0" brushRef="#br0" timeOffset="73582">385 5157 0,'25'0'62,"1"25"-46,0-25-1,-1 0-15,1 26 0,0-26 16,-1 0-16,1 26 16,0-26-16,-1 0 15,1 25-15,0-25 16,-26-25-1,25 25 1,-25-26-16,0 0 16,26 1-16,-26-27 15,0 27-15,0-1 0,26 0 16,-26 1-16,0-1 16,0 0-1,0 52 16,0 0-15,0-1 0</inkml:trace>
+  <inkml:trace contextRef="#ctx0" brushRef="#br0" timeOffset="74145">282 5567 0,'0'-25'15,"0"-1"1,0 0 0,-26 26-16,1 0 31,-1 0-31,0 0 16,1 0-16,-1-25 15,0 25-15,1 0 16,-1 0-16,0 0 15,26-26 1,-25 26-16,25 26 63,0-1-48,25-25-15,-25 26 16,26 0-16,0-1 15,-1 1-15,-25 0 16,26-1-16,0 1 0,-1-1 16,-25 1-16,26-26 15,25 77 1,-51-51 0,26-26-16,-26 25 0</inkml:trace>
+  <inkml:trace contextRef="#ctx0" brushRef="#br0" timeOffset="74674">128 5567 0,'0'-25'0,"-26"25"0,26 25 63,26-25-63,-26 26 0,26-26 15,-26 26-15,25-1 0,-25 1 16,26-26-16,-26 25 16,26 1-16,-1 0 0,1-26 15,-26 25-15,26 1 16,-1 0-16,27-1 0,-27-25 15,1 26-15,0-26 0,-1 26 16,27-26-16,-27 0 16,1 0-16,0 0 0,-1-26 15,27 26-15,-52-26 16,25 26-16,1-25 0,0-1 16,-26 0-16,25 26 15,-25-25-15,0-1 16,0 0-16,0 1 15,-25 25-15,25-26 16,-26 1-16,26-1 16,-26 26-1,26-26-15,0 52 78</inkml:trace>
+  <inkml:trace contextRef="#ctx0" brushRef="#br0" timeOffset="-14140">333 2771 0,'-25'-26'0,"25"0"16,0 1-16,-26 25 15,26-26-15,0 0 16,0 1-16,0-1 15,0 0 1,0 1 0,0 50 46,0 1-62,0 0 16,0-1-16,0 27 15,0-27-15,0 27 16,0-1-16,-26 0 0,26 1 16,0-1-16,-25 0 0,25 26 15,-26-26-15,26 1 16,0 25-16,-26-26 0,26 26 16,0-26-16,-25 1 15,25 25-15,0-26 0,0 0 16,0 1-16,0-1 15,0 0-15,0 1 0,-26-1 16,26 0-16,0 0 0,0 1 16,-26-1-16,26 0 15,0-25-15,0 25 0,0-25 16,0 0-16,0-1 16,0 1-1,26-26 1,0 0 15,-26-26-31,25 26 0,1 0 16,0 0-16,-1-25 15,1 25-15,0 0 0,25 0 16,0 0-16,-25 0 16,25-26-16,26 26 0,-25 0 15,25 0-15,0 0 16,-1 0-16,1-26 0,26 26 15,25 0-15,-25 0 0,25-25 16,1 25-16,-1 0 16,0 0-16,0 0 0,-25 0 15,0 0-15,-1 25 0,-25-25 16,26 0-16,-26 26 16,-26-26-16,26 0 0,0 0 15,-26 0-15,26 0 16,-25 26-16,-1-26 0,0 0 15,1 0-15,-27 0 0,1 0 16,0 0-16,-1 0 16,1 0-16,-26-26 15,26 26 1,-26-26 0,0 1 15,0-1-16,0 0-15,0 1 16,0-1 0,0 0-16,-26 26 0,26-51 15,0 25-15,0 1 16,0-27-16,-26 1 0,26 0 16,0 0-16,-25-26 15,25 0-15,0 0 0,-26 0 16,26-26-16,0 26 0,0 0 15,-26-26-15,26 27 16,0-1-16,0 0 0,0 0 16,0 0-16,0 0 0,0 25 15,0-25-15,0 26 16,0 0-16,0 25 0,0-25 16,0 25-16,0 0 15,-25 1-15,25-1 16,-26 0-1,0 26 32,1-25-31,-1 25 0,0 0-16,26-26 15,-25 26-15,-1 0 0,-25 0 16,25 0-16,-25 0 15,-26 26-15,0-26 0,0 0 16,-26 25-16,1-25 16,-1 0-16,-25 26 0,-1-26 15,1 0-15,0 26 0,0-26 16,-1 25-16,1-25 16,25 26-16,1-26 0,-1 26 15,26-26-15,-25 25 0,25 1 16,0-26-16,0 26 15,25-1-15,-25-25 0,26 26 16,0-26-16,-1 26 16,1-26-16,25 0 0,1 25 15,-1-25-15,0 0 0,1 0 16,25 26 15,-26-26-31,26 26 31,-26-26-15,52 25 15</inkml:trace>
+  <inkml:trace contextRef="#ctx0" brushRef="#br0" timeOffset="-13681">846 3155 0,'-25'0'0,"-1"0"16,1 0-16,-1 0 15,0 26-15,1 0 16,-1-1-16,0 1 0,1 0 16,-1-1-16,0 27 15,26-27-15,-25 27 0,25-1 16,0-25-16,0 25 0,25-25 16,1-1-16,0 27 15,-1-27-15,27 1 0,-1-26 16,-25 26-16,25-26 15,0 0-15,0 0 0,1 0 16</inkml:trace>
+  <inkml:trace contextRef="#ctx0" brushRef="#br0" timeOffset="-13171">1129 3232 0,'0'-25'0,"0"50"31,0 1-31,0 0 16,25-1-16,-25 1 16,0 25-16,26-25 0,-26 25 15,0-25-15,26 0 16,-26 25-16,0-25 0,0-1 15,0 1-15,25 0 16,-25-1 0,0-50-1,0-1-15,0 0 0,-25 1 16,25-1-16,-26-25 16,26-1-16,-26 1 0,26-26 15,-25 0-15,25 26 16,0-26-16,0 26 0,0-1 15,25 1-15,-25 25 16,26 1-16,0 25 0,-1 0 16,1 25-16,0-25 0,-26 26 15,25 0-15,1 25 16,0-25-16,-26-1 0,0 26 16,0-25-16,-26 0 15,0-1-15,1 1 0,-27 0 16,27-1-1,-1-25-15,0 0 16</inkml:trace>
+  <inkml:trace contextRef="#ctx0" brushRef="#br0" timeOffset="-12726">1744 2976 0,'0'-26'0,"0"52"62,0 0-62,0-1 0,0 1 16,0 25-16,0 0 15,26 1-15,-26-1 0,26 0 16,-1 1-16,1-27 0,0 27 16,-1-27-16,1 1 15,0 0-15,25-1 0,-25-25 16,-1 0-16,27 0 16,-27-25-16,27-1 0,-27 0 15,1 1-15,0-27 0,-1 1 16,-25 0-16,0-1 15,0-25-15,0 26 0,-25-26 16,-1 26-16,0 0 16,1-1-16,-1 27 0,0-27 15,1 27-15,25 50 47</inkml:trace>
+  <inkml:trace contextRef="#ctx0" brushRef="#br0" timeOffset="-7717">8364 2155 0,'0'26'31,"-26"-1"-15,26 1-16,0 25 16,0 0-16,0 1 0,0-1 15,0 0-15,0 26 0,26 26 16,-26-26-16,0 0 15,26 26-15,-26-26 0,25 0 16,-25-1-16,0-24 16,26 25-16,-26-26 0,0 26 15,0-26-15,0 1 0,0-1 16,0 0-16,0-25 16,0 25-16,0-25 0,-26 0 15,26-1-15,0 1 0,0 0 16,26-52 15,-1 26-15,1-26-16,0 26 15,-26-25-15,25 25 0,27-26 16,-27 26-16,1 0 16,25-26-16,1 26 0,-27 0 15,27 0-15,-1 0 16,0 0-16,26 0 0,-25 0 15,-1-25-15,26 25 16,-26 0-16,0 0 0,1 0 16,-1 0-16,0 0 0,1 0 15,-1 0-15,-25 0 16,25 0-16,0 0 0,-25 0 16,0 0-16,25 25 0,-25-25 15,-1 0-15,1 0 16,0 0-16,-1 0 0,1 0 15,0 0 1,-1 0 15,-25-25-15,0-1 46,26 26-62,-26-26 16,26 26-16,-26-25 16,25 25-16,1-26 15,-26 0-15,26 26 0,-26-25 16,25 25-16,1-26 0,-26 0 16,25 26-16,1 0 15,-26-25-15,26 25 0,-1 0 16,1 0-1,0 25-15,-1-25 16,-25 26-16,26 0 16,-26-1-1,26 1-15,-26 0 16,25-1-16,-25 1 16,26-26-16,-26 26 15,26-1 1,-26 1-1,-26-26 1,26 26 15,26-26 1,-1 0-17,1 0 1,0 0-16,25 0 0,-25 0 15,-1 0-15,27 0 0,-27 0 16,27 0-16,-1 0 16,0 0-16,1 0 0,24 0 15,1 0-15,-25 0 16,25 0-16,0 0 0,0 0 16,0 0-16,0 0 0,0 0 15,0 0-15,0 0 16,-1 0-16,-24 0 0,25 0 15,0 0-15,0 0 16,0 0-16,0 0 0,-26 0 16,26 0-16,0 0 0,-26 0 15,26 0-15,-25 0 16,-1 0-16,0 0 0,-25 25 16,25-25-16,-25 0 0,25 0 15,-25 0-15,-1 0 16,1 0-16,0 0 0,-1 0 15,1 0-15,0 0 16,25 0-16,-25 0 0,-1 0 16,1 0-16,25 0 0,-25 0 15,0 0-15,-1-25 16,1 25-16,0 0 0,-1 0 16,1 0-1,0 0 1,-1 0 62,-25-26-47,0 0-15,26 26-16,-26-25 15,0-1-15,25 0 16,-25 1-16,26-1 16,0 0-1,-1 26-15,1-25 16,0 25-16,-1 0 16,27 0-16,-27 0 0,1 0 15,0 0-15,-1 0 16,1 0-16,0 0 0,-1 0 15,1 25-15,0-25 16,-26 26 0,0 0-1,0-1-15,25-25 16,-25 26-16,0 0 16,26-1-1,-26 1 1,26-26-1,-26 26-15,0-1 32,25-25-17,1 0 1,0 0 0,-1 0-16,1-25 0,0 25 15,-1 0-15,27 0 16,-27 0-16,1 0 0,-1 0 15,27 0-15,-27 0 16,1 0-16,25 25 0,1-25 16,-1 0-16,0 0 0,1 0 15,25 0-15,0 0 16,0-25-16,0 25 0,0 0 16,25 0-16,-25 0 15,0 0-15,0 0 0,-26 0 16,26 0-16,-25 0 0,-27 0 15,27 0-15,-1 0 16,-25 0-16,25 0 0,-25 0 16,-1 0-16,1 0 0,0 0 15,-1 0 1,1 0 0,-26-26 62,0 0-63,-26 1 1,26-1-16,0 0 0,0 1 16,-25-1-16,25-25 15,0 25-15,-26-25 0,26-1 16,-26-25-16,26 26 15,0-26-15,0 0 0,-25 0 16,25 0-16,0-25 0,-26 25 16,26-26-16,0 0 15,-26 26-15,26-25 0,-25 25 16,-1 0-16,26 0 16,-26 0-16,26 26 0,-25-1 15,25 27-15,-26-27 0,26 27 16,-26-1-16,26 0 15,-25 26-15,25-25 16,0-1 47,-26 26-32,26-26-16,-26 26 17,1 0-17,-1 0 1,0 0-16,-25 0 0,25 0 16,-51 0-16,26 0 0,-26 0 15,-25 26-15,-1-26 16,0 0-16,-25 26 0,-26-26 15,0 0-15,0 0 0,0 25 16,-25-25-16,25 0 16,0 26-16,0-26 0,0 0 15,26 26-15,-1-26 16,1 0-16,0 0 0,-1 0 16,27 25-16,-26-25 0,25 0 15,0 0-15,1 0 16,-1 26-16,0-26 0,1 0 15,-1 0-15,1 0 16,-1 26-16,26-26 0,-26 0 16,26 0-16,0 0 0,-25 0 15,25 25-15,-26-25 16,26 0-16,-25 0 0,25 0 16,-26 0-16,26 0 15,-26 0-15,26 26 0,0-26 16,-25 0-16,25 0 0,26 0 15,-26 0-15,0 0 16,0 26-16,25-26 0,-25 0 16,26 0-16,0 0 15,-1 0-15,-25 25 0,26-25 16,0 0-16,-1 0 0,1 0 16,0 0-16,0 0 15,25 0-15,-25 0 0,-1 0 16,1 0-16,25 0 15,-25 0-15,25 0 0,-25 0 16,25 0-16,1 0 0,-27 0 16,27 0-16,-1 0 15,0 0-15,1 0 16,-1 0-16,0 0 0,1 0 0,-1 0 16,0 0-1,1 0 16,-1 0 1,26 26-32,-25-26 15,-1 0 1,26 26 15</inkml:trace>
+  <inkml:trace contextRef="#ctx0" brushRef="#br0" timeOffset="-7103">10647 2488 0,'0'-25'0,"-25"-1"15,50 26 16,-25 26-31,26-1 0,-26 1 16,26 25-16,-1 1 0,-25-1 16,26 0-16,0 1 15,-1-1-15,-25-25 0,0 25 16,26-25-16,-26 25 16,0-25-16,0-1 0,0 1 15</inkml:trace>
+  <inkml:trace contextRef="#ctx0" brushRef="#br0" timeOffset="-6672">10750 2719 0,'-26'-51'15,"1"0"-15,25-1 16,-26 1-16,0 0 0,26-1 15,0 1-15,26 25 0,0 1 16,-1-1-16,27 0 16,25 26-16,-26 0 0,0 0 15,0 0-15,26 26 0,-51 25 16,25-25-16,-25 25 16,0 1-16,-26-1 15,0 0-15,-26 1 0,0-1 16,-25 0-16,25-25 15,-25 25-15,0-25 0,25-26 0,-25 26 16,25-26-16,1 25 16,-1-25-16,0 0 0,26-25 31,26 25-31,0 0 0,25 0 16,-25 25-16,25-25 15,0 26-15,0 0 0,1-26 16,-1 25-16,0 1 0,-25 0 15,25-1-15,1 1 16,-27 0-16,1-26 0</inkml:trace>
+  <inkml:trace contextRef="#ctx0" brushRef="#br0" timeOffset="-6228">11674 2565 0,'-26'-25'0,"26"-1"16,-26 26-16,26-26 15,-25 26-15,25 26 0,0 25 16,0-25-16,0 25 16,0 1-16,0-1 15,25 0-15,-25 1 0,26-1 16,-26 0-16,26 1 0,-26-27 15,25 1-15,-25 0 16,0-1-16,26-25 0,-26-25 16,0-1-1,0 0-15,0-25 0,0 25 16,-26-51-16,26 0 0,0 26 16,0-26-16,0-26 15,0 52-15,0-26 16,26 26-16,0-1 0,-1 27 15,1 25-15,25 0 0,-25 0 16,25 25-16,-25 27 16,-1-1-16,27 0 0,-1 1 15,-25-1-15,25 26 0,-25-26 16,-1 1-16,1 25 16,0-26-16,-1 0 0,-25-25 15</inkml:trace>
+  <inkml:trace contextRef="#ctx0" brushRef="#br0" timeOffset="-6028">11930 2899 0,'-51'-26'0,"25"26"15,0-25-15,1 25 16,25-26-16,25 26 15,1-26-15,0 26 16,25-25-16,0 25 0,1 0 16,-1-26-16,26 0 0</inkml:trace>
+  <inkml:trace contextRef="#ctx0" brushRef="#br0" timeOffset="-5478">12469 2617 0,'0'-26'0,"0"0"16,-26 26-16,26-25 0,-25-1 15,25 52 17,25-1-32,-25 27 15,26-27-15,-26 27 16,26-1-16,-1 26 0,-25-26 16,26 1-16,0-1 0,-26 0 15,25-25-15,-25 25 16,0-25-16,0-1 0,26-25 15,-26-25 1,0-1-16,-26 1 16,26-27-16,0 1 15,0 0-15,-25-26 0,25 0 16,0 0-16,0 0 0,25 0 16,-25 25-16,26 1 15,0 25-15,-1 1 0,26 25 16,-25 0-16,0 25 15,25 1-15,-25 25 0,-1 1 16,1-27-16,0 27 0,-1-1 16,-25 0-16,26 1 15,-26-27-15,0 1 0,0 0 16,-26-1-16,1-25 16,-1-25-1,0-1-15,26-25 0,0-1 16,0 1-16,0 0 15,0-26-15,26 25 0,0 1 16,25 25-16,-25 1 16,-1 25-16,27 25 0,-1 1 15,-25 25-15,25 1 0,-25 25 16,-1 0-16,1 0 16,0 25-16,-26-25 0,0 26 15</inkml:trace>
+  <inkml:trace contextRef="#ctx0" brushRef="#br0" timeOffset="-3011">23860 1462 0,'0'-26'16,"0"1"-16,0 50 31,0 1-16,0 0-15,0 25 16,0 0-16,0 26 0,0 0 16,0 0-16,26 26 15,-26 25-15,0-25 0,0 25 16,0 0-16,0 1 0,26-1 16,-26 0-16,0 1 15,0-1-15,25-26 0,-25 1 16,0 0-16,26-26 0,-26 0 15,0 0-15,26 0 16,-26 0-16,0-26 0,0 0 16,0 1-16,0-1 15,0 0-15,0 0 0,0-25 16,0 25-16,0-25 16,0 0-16,0-1 15,25-25 1,1 0-1,0 0-15,-1-25 0,1 25 16,25 0-16,-25-26 0,51 26 16,-26 0-16,26 0 15,0 0-15,0 0 0,26 0 16,25 0-16,0 0 0,1 0 16,25 0-16,25-26 15,1 26-15,-1 0 0,27 0 16,-27 0-16,26 0 15,1 26-15,-1-26 0,0 0 16,-25 26-16,-1-26 16,1 25-16,0-25 0,-26 26 15,-1-26-15,-24 0 0,-1 0 16,0 26-16,-25-26 16,0 0-16,-1 0 0,-25 0 15,-26 0-15,1 0 0,-27 0 16,1 0-16,0 0 15,-1 0-15,-25-26 16,-25 26 0,-1-26-16,26 1 0,-26 25 15,26-26-15,-25 0 16,25 1-16,-26-1 0,26-25 16,-26 25-16,26-25 0,-25-26 15,-1 26-15,26-26 16,-25 0-16,-1 0 0,26-26 15,-26 0-15,1 1 0,25-27 16,0 1-16,-26 26 16,26-27-16,0 1 0,0 0 15,26-1-15,-26 27 16,25-26-16,-25 25 0,26 26 16,-26-26-16,0 26 0,0 0 15,0 0-15,0 26 16,0 0-16,0-1 15,0 1-15,0 25 0,-26 1 16,26-1-16,-25 1 0,25-1 16,0 0-16,-26 1 15,26-1 1,0 0-16,-26 26 16,26-25-1,-25-1 1,-1 26-1,0-26-15,1 26 16,-1 0-16,-25-25 0,-1 25 16,1-26-16,-26 26 15,26 0-15,-52-26 0,26 26 16,-25-25-16,-1 25 0,0 0 16,1 0-16,-27-26 15,1 26-15,0 0 0,-26 0 16,0 0-16,-26 0 15,1 0-15,-1 0 0,-25 0 16,25 0-16,1 0 0,-1 0 16,0 0-16,27 0 15,-1 0-15,0 0 0,25 0 16,27 0-16,-1 0 16,0 0-16,27 26 0,-1-26 15,25 0-15,-25 0 0,26 25 16,25-25-16,-25 0 15,0 0-15,25 26 0,-25-26 16,25 0-16,0 0 0,1 26 16,-1-26-16,0 0 15,1 0-15,25 25 0,-26-25 16,0 0-16,1 0 16,-1 26-16,0-26 0,1 26 15,-1-26 1,1 25-16,-1-25 15,26 26-15,0 0 16,0-1 0,26 1-1,-26 0 1,25-26-16,-25 25 16,26-25-16,-1 26 0,-25-1 15,26-25 1,-26 26-16,26-26 0,-26 26 15,0-1 1,25 1-16,-25 0 0,0-1 16,26 1-16,-26 0 15,0-1-15,26-25 16</inkml:trace>
+  <inkml:trace contextRef="#ctx0" brushRef="#br0" timeOffset="-2281">24091 2848 0,'0'-26'16,"0"0"-1,0 1 1,0-1-1,0 0-15,26 26 0,0-25 16,-1-1-16,27 26 0,-1-26 16,26 26-16,-26 0 15,26 0-15,0 26 0,0-26 16,0 26-16,0 25 16,26 0-16,-52 1 0,26-1 15,0 26-15,-26-26 0,1 26 16,-1 0-16,-25 0 15,25 0-15,-25 0 0,-26 0 16,25-26-16,-25 26 16,0 0-16,0-25 0,-25-1 15,25 0-15,-26 26 16,0-26-16,1 1 0,-1-27 16,0 27-16,1-27 15,-1 1-15,0 0 0,1-26 16,-1 25-16,0-25 15,1 0 1,-1 0 0,26-25-16</inkml:trace>
+  <inkml:trace contextRef="#ctx0" brushRef="#br0" timeOffset="-1500">23809 1873 0,'0'-26'0,"0"0"16,0 1-1,0-1-15,0 0 16,26 1-16,-1 25 15,27-26-15,-1 26 0,0-26 16,26 26-16,26-25 0,0 25 16,-1 0-16,26 0 15,1 0-15,-1 0 0,26 25 16,-26 1-16,1 0 16,-1-1-16,-26 1 0,27 25 15,-27 1-15,1-1 16,0 26-16,-26 0 0,25 0 15,-25 0-15,0 25 0,0 1 16,0 0-16,-26-1 16,26 78-16,-25-77 15,-27-1-15,1-25 0,0 26 16,-1-26-16,-25 0 16,0 0-16,26 0 0,-26-26 15,0 26-15,-26-26 0,26 26 16,-25-25-16,25-1 15,-26 0-15,26 0 0,-26 1 16,1-1-16,25-25 16,-26 25-16,0-25 0,1-1 15,25 27-15,-26-27 16,0 1-16,1 0 0,-1-1 16,26 1-16,-26 0 0,1-1 15,-1 1-15,0 0 16,26-1-1,-25-25-15,25-25 32,0-1-17,0 0-15,0 1 16,0-1-16,0 0 0</inkml:trace>
+  <inkml:trace contextRef="#ctx0" brushRef="#br0" timeOffset="6076">29710 51 0,'0'-26'0,"0"1"16,26 25-1,-26 25 17,0 1-32,0 0 0,25-1 15,-25 27-15,0-27 0,26 27 16,-26-1-16,0 0 15,0 26-15,0-25 0,0-1 16,0 26-16,0-26 16,-26 26-16,1-26 0,-1 1 15,0-1-15,1 0 16,-1-25-16,-25 0 0,25-1 16,1 1-16,-1 0 0,-25-26 15,25 0-15,26 25 0,-26-25 16,1 0-16,-1 0 15,0 0-15,1-25 16</inkml:trace>
+  <inkml:trace contextRef="#ctx0" brushRef="#br0" timeOffset="6389">29300 872 0,'-26'0'32,"26"26"-1,0-1-15,0 1-16,0 0 15,0-1-15,0 1 16,0 0-16,0-1 0,0 1 15,-26 0-15,26-1 16,0 1-16,0 0 16,26-26-16,0 0 15,-1 0-15,1 0 0,25 25 16,1-25-16,-27 0 0,27 0 16,-1 0-16</inkml:trace>
+  <inkml:trace contextRef="#ctx0" brushRef="#br0" timeOffset="40002">23912 2232 0,'-26'0'31,"26"-26"-15,-26 26 15,1 0-15,-1 0-1,0 0 1,1 0-16,-1 0 0,0 0 16,-25 0-16,0 0 15,0-25-15,-26 25 0,25 0 16,-25 0-16,-25 0 0,25-26 16,-26 26-16,0 0 15,-25 0-15,26-26 0,-27 26 16,1 0-16,0 0 15,-1 0-15,1 0 0,-26-25 16,26 25-16,-26 0 16,26 0-16,-26 0 0,25 0 15,-24 0-15,24 0 0,-25-26 16,26 26-16,0 0 16,-1 0-16,27 0 0,-1 0 15,-25 0-15,51 0 0,-26 0 16,1 0-16,-1 0 15,26 0-15,-26 0 0,1 0 16,25 0-16,-26 0 16,1 0-16,-1 0 0,0 0 15,26 0-15,-25 0 0,25 26 16,-26-26-16,26 0 16,0 0-16,-25 0 0,25 0 15,0 0-15,0 0 16,25 0-16,-25 0 0,0 0 15,26 0-15,0 0 16,0 0-16,-1 0 0,1 0 16,-26 25-16,26-25 0,-1 0 15,1 0-15,0 0 16,-78 0-16,78 0 16,0 26-16,-1-26 15,1 0-15,0 0 0,-1 0 16,1 0-16,0 0 0,0 0 15,-1 26-15,1-26 16,25 0-16,-25 0 0,25 0 16,-25 0-16,25 0 0,-25 0 15,25 0-15,1 0 16,-27 0-16,27 0 0,-1 0 16,0 0-16,1 0 15,-1 0-15,0 0 16,1 0-1,50 0 48</inkml:trace>
+  <inkml:trace contextRef="#ctx0" brushRef="#br0" timeOffset="40418">16497 1873 0,'0'25'47,"-26"-25"-47,1 26 16,-1 0-1,0-1-15,1 1 0,-27 0 16,27-1-16,-27 1 16,1-26-16,25 26 0,-25-1 15,25 1-15,-25-26 16,26 26-16,-1-26 0,0 0 15,26 25-15,0 1 16,26-1 0,0-25-16,25 26 15,-26 0-15,27-1 0,-1-25 16,0 26-16,1 0 16,-1-1-16,0 1 0,-25 25 15,51 1 1,-51-27-16</inkml:trace>
+  <inkml:trace contextRef="#ctx0" brushRef="#br0" timeOffset="41565">11366 718 0,'0'-26'0,"-26"1"16,0-1 0,1 26-16,-1 0 0,26 26 15,-26-1 1,26 27-16,0-1 0,0 0 16,0 1-16,0 25 0,26-26 15,-26 26-15,26-26 16,-26 1-16,25-1 0,-25 0 15,0 1-15,26-27 16</inkml:trace>
+  <inkml:trace contextRef="#ctx0" brushRef="#br0" timeOffset="41891">10904 590 0,'-51'-51'0,"51"-26"16,0 25-16,0 1 15,25 25-15,1-25 0,25 25 16,26 1-16,-26 25 0,26 0 16,0 0-16,0 25 15,0 1-15,0 0 0,0-1 16,-25 27-16,-27-1 15,1 0-15,-26 1 0,0-1 16,-26 0-16,-25 0 16,0 1-16,-26 25 0,25-52 15,-25 27-15,0-27 0,0 27 16,26-52-16,0 25 16,25-25-16,0 0 0</inkml:trace>
+  <inkml:trace contextRef="#ctx0" brushRef="#br0" timeOffset="42291">11674 872 0,'0'-26'46,"25"26"-30,1 26-16,0 0 16,-1-1-16,1 27 0,-1-27 15,1 27-15,-26-1 0,26-25 16,-26 25-16,0 0 16,0-25-16,0 0 0,0-1 15,0 1-15,-26-26 16,0 0-16,26-26 15,-25 1-15,25-1 0,0 0 16,0-25-16,0 0 16,0-1-16,25 1 0,-25 0 15,26-1-15,0 1 16,25 25-16,-25 1 0,-1-1 16,1 26-16,25 0 15,-25 0-15,0 0 0,-1 26 16</inkml:trace>
+  <inkml:trace contextRef="#ctx0" brushRef="#br0" timeOffset="42484">12212 923 0,'-25'0'0,"25"-25"16,0-1-16,25 26 31,-25 26-15,26-1-16,-26 1 15,26 25-15,-26-25 16,25 25-16,1-25 0,-26 25 16,26-25-16,-26 25 15,0-25-15</inkml:trace>
+  <inkml:trace contextRef="#ctx0" brushRef="#br0" timeOffset="42653">12110 487 0,'0'-25'0,"-26"25"16,26 25 0,0 1-1</inkml:trace>
+  <inkml:trace contextRef="#ctx0" brushRef="#br0" timeOffset="43227">12264 744 0,'25'25'16,"1"1"-1,0 0 1,-1-1-16,1 1 15,-26 0-15,26 25 0,-1-25 16,1-1-16,-26 27 16,26-27-16,-1 27 0,-25-27 15,0 1-15,26 0 0,-26-1 16,0 1-16,-26-26 31,26-26-15,0 1-16,0-1 0,0-25 15,0-1-15,0-25 16,26 26-16,-26-26 0,26 26 16,-1-1-16,1 27 0,0-1 15,-1 0-15,1 26 16,25 26-16,-51 25 16,26-25-16,-26 25 0,25 1 15,-25-1-15,26-25 16,-26 25-16,0-25 0,0-1 15,0 1-15,0 0 16,-26-26 0,26-26-16,0 0 15,0 1-15,26-27 16,0 1-16,-26 0 0,25 25 16,1-25-16,0 25 15,-1 26-15,1 0 0,0 0 16,-1 26-16,-25-1 0,26 27 15,0-1-15,-26 0 16,25 26-16,-25-25 0,26-1 16,-26 0-16,26 1 15,-1-27-15</inkml:trace>
+  <inkml:trace contextRef="#ctx0" brushRef="#br0" timeOffset="43684">13598 769 0,'-26'-25'0,"0"-1"16,1 26-16,-1-26 15,-25 1-15,25 25 0,1-26 16,-27 26-16,27-26 16,-1 26-16,0 0 0,1 0 15,-1 26-15,0 0 0,1-1 16,25 27-16,-26-27 15,26 27-15,0-1 0,0 0 16,0 1-16,0-1 16,0 0-16,26-25 0,-26 25 15,25-25-15,1 0 0,0-26 16,-1 0-16,1 0 16,0 0-16,-1 0 15,1-26-15,0 0 0,-1 1 16,1-27-16,-26 27 0,26-27 15,-26 1-15,25 25 0,-25-25 16,0 25-16,26 1 16,-26-1-16,25 52 15,-25-1-15,0 1 16,0 0-16,26-1 16,-26 27-16,26-1 0,-26-25 15,25-1-15,-25 27 16,26-27-16,0 1 0,-1 0 15</inkml:trace>
+  <inkml:trace contextRef="#ctx0" brushRef="#br0" timeOffset="44026">13777 846 0,'-25'-25'0,"-1"-1"0,0 0 15,26 1-15,-25-1 0,25 0 16,25 26 0,1 0-16,0 0 0,-1 0 15,1 26-15,25 0 16,-25-1-16,0 27 0,-1-27 16,1 27-16,0-27 0,-26 1 15,0 0-15,0-1 16,-26 1-16,0-26 15,1 0 1,-1-26-16,26 1 0,0-27 16,0 27-16,0-27 15,26 1-15,-1 0 0,1-1 16,0 1-16,25 25 0,-25-25 16,25 51-16,-25-25 15,25 25-15</inkml:trace>
+  <inkml:trace contextRef="#ctx0" brushRef="#br0" timeOffset="44595">14419 692 0,'-26'0'0,"26"-25"16,-26 25-16,1-26 16,-1 0-16,1 26 15,25 26 16,0 0-31,0-1 0,25 1 16,-25 25-16,26-25 0,-1 25 16,1-25-16,0 0 15,-1-1-15,1 1 0,25 0 16,-25-26-16,0 0 16,-1 0-16,27-26 0,-27 0 15,1 1-15,-26-1 0,26 0 16,-1-25-16,-25 0 15,0-1-15,0 27 0,0-27 16,0 27-16,0 76 31,26 0-31,-26 1 0,26 25 16,-1 25-16,1-25 16,0 26-16,25 0 0,-25-26 15,-1 0-15,1-1 16,0 1-16,-26-25 0,0-1 15,-26 0-15,0-25 16,1 0-16,-27-26 0,-25 0 16,26 0-16,-26-26 0,0-25 15,0-1-15,26 1 16,-1-26-16,27 26 0,-1-26 16,26 26-16,26-1 0,-26 1 15,51 0-15,0 25 16,1-25-16,-1 25 0,26 0 15,-26 26-15,1-25 16,-1 25-16,0 0 0,-25 0 16,0 0-16,-1 0 0</inkml:trace>
+  <inkml:trace contextRef="#ctx0" brushRef="#br0" timeOffset="68431">8261 2565 0,'0'-25'63,"-25"25"-63,-1 0 16,0 0 15,1 0-31,-1 0 15,-25 0-15,25 0 0,-25 0 16,-1 0-16,1 0 16,-26 0-16,0 0 0,0 25 15,0-25-15,-25 0 0,25 0 16,0 0-16,-26 0 16,26 0-16,0 0 0,0 0 15,0 0-15,-26 0 16,26 0-16,1 0 0,-1 0 15,-26 0-15,26 0 16,-26 0-16,26 0 0,-25 0 16,25 26-16,0-26 0,-26 0 15,26 0-15,0 26 16,0-26-16,26 0 0,-26 0 16,26 0-16,-26 0 0,25 25 15,-25-25-15,26 0 16,-26 0-16,26 0 0,-26 26 15,0-26-15,0 0 16,0 0-16,26 0 0,-26 0 16,25 26-16,-25-26 0,0 0 15,26 0-15,-26 0 16,26 0-16,-1 25 16,-24-25-16,24 0 0,-25 0 15,26 26-15,-26-26 0,26 26 16,-26-26-16,25 0 0,1 0 15,-26 25-15,26-25 16,25 0-16,-25 0 0,-1 26 16,27-26-16,-1 0 15,1 0-15,-1 0 16,0 0 0,1 0-1,-1 0 1,0 0-1,1 0 1,-1 0 15</inkml:trace>
+  <inkml:trace contextRef="#ctx0" brushRef="#br0" timeOffset="68977">3489 2488 0,'0'-25'0,"26"25"0,-52 25 78,0 1-63,1 0-15,-1-1 16,0 1-16,1 0 16,-1-1-16,-25 1 0,25-26 15,1 26-15,-1-1 0,0 1 16,1 0 0,-1-26-16,0 25 15,1-25 1,25 26-16,0 0 31,25-26-15,-25 25-16,26-25 0,0 26 15,-1-26 1,-25 26-16,26-26 0,0 25 16,-1 1-16,1 0 15,0-1-15,-1 1 0,1-26 16,-1 26-16,1-1 0,0 1 15,-1-1-15,1-25 16,-26 26-16,26 0 0,-1-26 16,-25 25-16</inkml:trace>
+  <inkml:trace contextRef="#ctx0" brushRef="#br0" timeOffset="75978">3156 4002 0,'-26'0'16,"26"-26"-16,0 1 31,26 25-16,-1 0 1,1 0-16,0-26 16,-1 26-1,27 0-15,-27 0 0,1 0 16,25 0-16,0 0 0,1 0 16,-1 0-16,26 0 15,-26 0-15,1 0 0,25 0 16,0 0-16,0 0 15,0 0-15,0 0 0,25 0 16,1 0-16,25-25 0,0 25 16,1 0-16,-1 0 15,0-26-15,0 26 16,1 0-16,-1 0 0,0 0 0,1 0 16,-27 0-16,27 0 15,-27 0-15,1 0 0,25 0 16,-25 0-16,-1 0 15,27 0-15,-27 0 0,1 0 16,-1 0-16,1 0 16,0 0-16,-1 0 0,-25 0 15,0 0-15,26 0 0,-26 0 16,0 0-16,25 0 16,-25 0-16,0 0 0,26 0 15,-26-26-15,0 26 16,-26 0-16,26 0 0,-25 0 15,-1 0-15,0 0 0,1 0 16,-1 0-16,0 0 16,-25-25-16,-1 25 0,1 0 15,0 0-15,-1 0 0,1 0 16,-52 0 46,1 0-30,-1 0-32,0 0 15</inkml:trace>
+  <inkml:trace contextRef="#ctx0" brushRef="#br0" timeOffset="76277">8236 3643 0,'-26'0'0,"0"0"15,1 0 1,50 0 15,1 0-15,0 0-16,25 26 15,-25-26-15,25 25 0,0-25 16,0 26-16,-25 0 0,0-1 16,-1 1-16,1 0 0,-26-1 15,0 1-15,0 0 16,-26-1-16,-25 1 0,0 25 16,0-25-16,-1-1 15,1 27-15</inkml:trace>
+  <inkml:trace contextRef="#ctx0" brushRef="#br0" timeOffset="77783">15753 3746 0,'0'-26'32,"0"0"-32,26 26 15,25-25-15,-25 25 16,25 0-16,52 0 16,-1 0-16,26 0 0,52-26 15,0 26-15,25 0 16,26 0-16,25-26 0,1 26 15,25 0-15,26-25 16,-26 25-16,0 0 0,1 0 16,-27 0-16,1 0 0,-1 0 15,-50 0-15,-1 0 16,0 0-16,-51 0 0,26 0 16,-26 0-16,0 0 0,-26 0 15,0 0-15,-25 0 16,-1 0-16,-25 0 0,26 0 15,-26 0-15,0 0 16,0 0-16,0 0 0,-26 0 16,26 0-16,0 0 0,0 0 15,0 0-15,0 0 16,0-26-16,-26 26 0,26 0 16,-25 0-16,-1 0 15,0 0-15,-25-26 0,0 26 16,-1 0-16,1 0 15,-1 0-15,1-25 0,0 25 16,-1 0-16,1-26 16,0 26-16,-1 0 0,1 0 15,0 0-15,-1 0 16,1-26-16,0 26 16,-1 0-16,1 0 0,0 0 15,-1 0-15,27 0 0,-27 0 16,1 0-16,0 0 15,-26-25-15,25 25 0,1 0 16,0 0-16,-1 0 0,1 0 16,0 0-1,-1 0-15,1 0 16,0 0-16,-1 0 16,1 0-16,-1 0 15,1 0 1,-26-26-1,26 26-15,-1 0 16,1 0 15,0 0-15,-52 0 15</inkml:trace>
+  <inkml:trace contextRef="#ctx0" brushRef="#br0" timeOffset="78167">23424 3053 0,'-25'0'0,"25"26"0,25-26 63,1 25-63,0-25 0,-1 26 15,27-1-15,-1-25 16,-25 26-16,50 0 0,-24-1 15,-1 27-15,-25-27 16,25 1-16,-25 0 0,-26-1 16,25 1-16,-25 0 0,-25-1 15,25 1-15,-52 0 16,27-1-16,-1-25 0,-25 26 16,-1 0-16,27-1 15,-26 1-15,-1 0 0,1-1 16,0 1-16</inkml:trace>
+  <inkml:trace contextRef="#ctx0" brushRef="#br0" timeOffset="80836">8466 5567 0,'26'0'15,"-26"-25"-15,0-1 16,0 0 0,0 1-1,-26 25 1,1 0-16,-1 0 15,-25 0-15,25 0 0,-51 25 16,26 1-16,0-26 16,-26 26-16,25-1 0,1 1 15,0 0-15,25-1 0,0 1 16,1-1-16,25 1 16,25 0-16,1-26 0,0 25 15,25-25-15,0 26 16,26-26-16,0 0 0,0 0 15,26 0-15,-26 0 0,0 0 16,0 0-16,-26 0 16,0 0-16,1 0 0,-27 0 15,1 26-15,-26-1 16,-26 1-16,26 0 16,-51-1-16,25 1 0,-25 0 15,25-1-15,-25 1 16,-26 0-16,26-1 0,0 1 15,-1 0-15,27-26 16,-27 0-16,27 0 0,-27 0 16</inkml:trace>
+  <inkml:trace contextRef="#ctx0" brushRef="#br0" timeOffset="81193">8056 5311 0,'-26'-26'0,"1"26"16,-1 0-16,26 26 31,26-1-15,-1 1-16,1 25 15,25-25-15,-25 25 0,25 1 16,-25 25-16,25-26 0,1 26 16,-27 0-16,27 0 15,-27 0-15,1 0 0,-1 0 16,1 0-16,0-26 16,-1 0-16,-25 1 0,0-27 15,26 1-15,-26 0 0,0-1 16,0-50-1,0-1 1</inkml:trace>
+  <inkml:trace contextRef="#ctx0" brushRef="#br0" timeOffset="81841">9031 4977 0,'0'-26'16,"-26"26"-16,1-25 0,25 50 31,0 1-16,25 25-15,-25 1 16,26-1-16,0 26 0,25 0 16,-25 0-16,25 26 0,0-1 15,-25 1-15,25 25 16,0-25-16,1 25 0,-27-25 16,27-1-16,-27 1 15,1-26-15,0 25 0,-1-25 16,-25 0-16,26-25 0,-26-1 15,26 0-15,-26 1 16,0-27-16,0 1 0,0 0 16,25-26-16,-25 25 15,0-50 32,-25-1-16,-1 26-31,0 0 16,26-26-16,-25 26 16</inkml:trace>
+  <inkml:trace contextRef="#ctx0" brushRef="#br0" timeOffset="82238">9236 6901 0,'0'26'0,"-25"-26"16,25-26 30,25 26-46,26 0 16,1-25-16,25-1 16,25 0-16,52 1 0,52-1 15,25-25-15,51-1 0,26 1 16,25 0-16,26-1 16,1 1-16,-1 0 0,-51 25 15,-26 1-15,-26-1 16,-76 0-16,-26 26 0,-51 0 15,-52 0-15,0 0 0,-25-25 16,-52 25 0,-25 0-1,25 0-15,-25 0 16</inkml:trace>
+  <inkml:trace contextRef="#ctx0" brushRef="#br0" timeOffset="84068">9134 5413 0,'0'-25'16,"-26"-1"-1,26 0 1,-26 26-16,26-25 0,0-1 16,0 0 15,0 1-31,0-1 15,0 0-15,0 1 16,26 25 0,-26-26-16,26 26 31,-26-26-31,25 26 0,1 0 16,0 0-16,-1 0 15,1 26-15,-1-26 16,1 26-16,0-26 0,-1 25 15,27 1-15,-1 0 16,-25-1-16,25 27 0,26-27 16,-26 1-16,26 0 0,-25-1 15,25 1-15,0 0 16,-26-1-16,0-25 0,1 26 16,-27-26-16,1 0 15,-1 0-15,1 0 0,0 0 16,-26-26-16,25 1 15,-25-1-15,26 0 16,-26 1-16,26-1 0,-1 0 16,-25-25-16,26 25 15,0 1-15,-1-27 0,1 52 16,-26-25-16,26-1 0,-1 26 16,1-26-1,0 26-15,-1 0 16,1 0-16,0 0 15,25 26-15,-25-26 0,25 0 16,0 26-16,26-26 0,-25 25 16,-1 1-16,0-26 15,0 26-15,1-1 0,-27 1 16,27 0-16,-27-1 0,1 1 16,0 0-1,-1-1-15,-25 1 16,26-26-16,0 26 15,-1-26 1,1 0-16,0 0 16,-1 0-1,1 0-15,0-26 16,-1 0 0,1 26-16,0-25 0,-26-1 15,25 0-15,-25 1 0,26 25 16,0-26-16,-1 0 15,1 1-15,0 25 16,-1 0-16,1 0 16,-1 0-1,1 0-15,25 25 16,-25 1-16,0-26 0,25 26 16,-25-26-16,-1 25 0,1 1 15,0-26-15,25 26 16,-25-26-16,-1 25 0,1 1 15,0 0-15,-1-26 16,27 25-16,-27 1 0,1 0 16,0-1-16,-1 1 0,1 0 15,0-1-15,-1-25 16,1 26-16,0-1 0,-1-25 16,1 26-16,0-26 0,-1 26 15,-25-1-15,26-25 16,-1 26-16,1-26 0,-26 26 15,26-1-15,-1-25 16,-25 26-16,26-26 0,-26 26 16,26-26-16,-26 25 15,25-25-15,-25 26 16,26-26-16,-26 26 16,26-26-16,-26 25 15,25 1-15,-25 0 16,26-26-16,-26 25 0,26-25 15,-1 26-15,1 0 16,0-1 15,-1-25 16,-50 0 0</inkml:trace>
+  <inkml:trace contextRef="#ctx0" brushRef="#br0" timeOffset="84445">12623 6234 0,'26'0'63,"-1"0"-48,1 0-15,-1 0 0,1 0 16,0 0-16,-1 26 16,1-26-16,0 0 0,25 0 15,-25 0-15,25 0 0,-25 0 16,25 26-16,-25-26 16,-1 0-16,1 0 0,0 0 15,-1 0-15</inkml:trace>
+  <inkml:trace contextRef="#ctx0" brushRef="#br0" timeOffset="84926">13162 5926 0,'-26'-25'16,"26"50"93,0 1-109,0 0 16,0-1-16,0 1 0,0 0 16,0-1-16,0 27 15,0-27-15,0 1 0,0 0 16,0-1-16,0 1 0,0 0 15,26-1-15,-26 1 16,25-26 0,-25 26-16</inkml:trace>
+  <inkml:trace contextRef="#ctx0" brushRef="#br0" timeOffset="139860">14727 4951 0,'0'26'47,"0"0"-31,0-1-1,0 1 1,0 0 0,0-1-1,0 1-15,0 0 0,0 25 16,0-25-16,0 25 0,0 0 15,0 1-15,0-1 16,0 0-16,0 26 0,0-25 16,0-1-16,0 26 0,0-26 15,0 26-15,0-26 16,0 26-16,0 0 0,0 0 16,0-25-16,0 25 15,0 0-15,0 0 0,0-26 16,0 26-16,-26-26 0,26 26 15,0-26-15,0 1 16,0-27-16,0 1 0,0 25 16,0-25-16,0 0 15,0-1 1,26-25 15,-1 0-15,27 0-1,-27 0-15,27 0 0,-27 0 16,27 0-16,-1 0 0,0 0 16,1 0-16,25 0 15,-1 0-15,1 0 0,26 0 16,25 0-16,1 0 0,-1 0 16,26-25-16,25 25 15,-25 0-15,26-26 0,-26 26 16,26 0-16,-27 0 15,1 0-15,0 0 0,-25 0 16,-1 0-16,0 26 0,-25-26 16,-1 0-16,1 25 15,-26-25-15,0 0 16,26 26-16,-52-26 16,-25 0-16,-1 0 0,1 0 15,-26-26-15,-26 1 31,1-1-31,-1 26 16,26-26-16,-26 1 16,1-1-16,25 0 0,-26 1 15,26-27-15,-26 27 0,26-27 16,0-25 0,0 26-16,0-26 0,0 0 0,0 0 15,0-25-15,0 25 16,0-26-16,0 26 0,0-26 15,0 1-15,26 25 0,-26 0 16,0-26-16,26 26 16,-26 0-16,0 26 0,25-26 15,-25 26-15,0-1 16,0 1-16,26 0 0,-26 25 16,0 0-16,0 1 0,0-1 15,0 0-15,0 1 16,0-1-16,26 26 0,-26-26 15,0 1 1,0-1 0,0 1 15,-26 25-31,0 0 16,1 0-1,-27 0-15,27 0 0,-27-26 16,-25 26-16,0 0 15,0 0-15,0 0 0,-25 26 16,-26-26-16,-1 0 0,1 0 16,0 25-16,-26-25 15,0 0-15,0 0 0,0 0 16,0 0-16,0 0 0,0 26 16,26-26-16,-26 0 15,26 0-15,25 0 0,-25 25 16,25-25-16,0 0 15,27 26-15,-27-26 0,52 0 16,-26 0-16,25 26 0,27-26 16,-27 0-16,27 0 15,-1 0-15,0 0 78,1 25-46,-1-25-17,0 0-15,1 0 16,25 26 0,-26-26-16,52 0 93,-26 26-93</inkml:trace>
+  <inkml:trace contextRef="#ctx0" brushRef="#br0" timeOffset="140940">15112 5259 0,'0'-25'15,"0"-1"1,25 52 31,-25-1-32,0 1-15,0 0 0,0-1 16,0 27-16,0-27 0,0 27 16,0-27-16,0 27 15,0-1-15,0-25 0,0-1 16,-25 26-16,25-25 15,0 0-15,0-1 0,-26 1 16,26 0-16,0-1 16,0 1-1,26-26-15,-1 0 16,1 0 0,25 0-16,0 0 15,-25 0-15,25 0 0,1 0 16,-1 0-16,26 0 15,-26 0-15,26 0 0,0 26 16,-25-26-16,25 0 0,0 25 16,0-25-16,-26 26 15,0-26-15,0 26 0,-25-26 16,25 0-16,-51 25 16,26-25-16,0 0 0,-1 0 15,-25-25 1,0-1-1,0 0-15,0 1 16,0-1-16,0 0 16,0 1-16,0-27 0,0 27 15,0-1-15,-25 0 0,25 1 16,0-26-16,0 25 16,0 0-16,0 1 0,0-27 15,0 27-15,0-1 16,0 0-16,0-25 0,0 25 15,0 1-15,0-1 16,0 0-16,0 1 16,-26 25-1,0 0 1,1-26 0,-1 26-1,0 0 1,1 0-16,-1 0 0,-25 0 15,0 0-15,-1 0 0,-25 0 16,26 0-16,-26 0 16,26 26-16,-26-26 15,0 0-15,0 25 0,25-25 16,-25 0-16,26 0 16,-26 0-16,52 26 0,-1-26 15,0 0 1</inkml:trace>
+  <inkml:trace contextRef="#ctx0" brushRef="#br0" timeOffset="141870">16933 5259 0,'-51'0'16,"25"0"-16,26-25 15,0 50 1,26-25 0,-26 26-16,25 0 15,-25-1-15,0 1 0,26 25 16,-26-25-16,0 25 16,0-25-16,0 25 0,0 1 15,-26-27-15,26 26 0,0-25 16,-25 0-16,25-1 15,0 1-15,0 0 0,-26-1 16,26 1-16,26-26 31,-1 0-31,1 0 16,25-26-16,-25 26 16,25 0-16,1 0 0,-1 0 15,0 0-15,1 0 16,25 0-16,-26 0 0,26 0 15,-26 26-15,1-26 16,-1 0-16,0 0 0,1 0 16,-27 26-16,1-26 0,25 0 15,-25 0 1,-1 0-16,1 25 16,-26-50-1,0-1 1,0 0-1,0 1-15,0-1 16,0 0-16,0 1 0,0-1 16,26-25-16,-26 25 0,0-25 15,0 0-15,0-1 16,0 1-16,0 25 0,25-25 16,-25 25-16,0 1 15,0-1-15,26 0 0,-26 1 16,26 25-16,-52 0 47,0 0-32,1 0-15,-1-26 16,0 26-16,-25 0 0,25 0 16,-25 0-16,0 0 15,-26 0-15,26 0 0,-26 0 16,0 0-16,0 0 15,-26 0-15,26 0 0,26 0 16,-26 0-16,25 26 0,1-26 16,25 0-16,1 0 15,-1 0-15,1 0 16</inkml:trace>
+  <inkml:trace contextRef="#ctx0" brushRef="#br0" timeOffset="143107">15291 6234 0,'-26'-25'16,"1"-1"-16,25 0 15,-26 26-15,26 26 16,0 0 0,0-1-16,0 1 15,0 25-15,0-25 0,0 25 16,0 1-16,0-27 0,0 26 16,0 1-16,0-27 15,0 1-15,0 0 16,0-1-16,0 1 0,0 0 15,26-26 1,-1 0 0,1 0-1,25 0-15,-25 0 0,25 0 16,1 0-16,-1 0 0,26 25 16,0-25-16,0 0 15,0 26-15,0-26 0,26 0 16,-27 0-16,1 0 15,0 0-15,0 0 0,0 0 16,-25 0-16,-1 0 0,-25 0 16,25 0-16,-25 0 15,-1 0-15,-25-26 16,-25 1 0,-1-1-1,0 0-15,1 1 16,-1 25-16,0-26 15,26 0-15,-25 1 0,25-1 16,-26 0-16,26 1 16,0-1-16,-26 1 0,26-1 15,0 0-15,0 1 16,0-1 0,0 0-1,0 1 1,-25 25 15,25-26-15,-26 26-16,0 0 0,-25 0 15,25 0-15,1 0 16,-27 0-16,1 0 16,-26-26-16,0 26 0,0 0 15,0 0-15,0 0 16,0 0-16,-25 0 0,25 0 15,25 0-15,1 0 16,0 0-16,-1 0 0,27 0 16</inkml:trace>
+  <inkml:trace contextRef="#ctx0" brushRef="#br0" timeOffset="144110">17087 6286 0,'26'0'16,"-26"-26"-16,0 52 31,0-1-31,0 1 16,0 0-16,0 25 16,0-25-16,0-1 0,-26 26 15,26-25-15,0 25 16,0-25-16,0 25 0,-26-25 15,26 0-15,0-1 0,0 1 16,26-26 0,0 26-16,-1-26 15,1-26 1,0 26 0,25 0-16,-25-26 0,25 26 15,-25 0-15,25-25 16,0 25-16,1 0 0,50 0 15,-50 0 1,-1 0-16,-25 0 0,25 0 16,-26 0-16,1 25 0,0-25 15,-1 0-15,1 0 16,-26 26-16,26-26 16,-26-26 30,25 26-46,1-25 16,-26-1 0,26 26-16,-26-26 0,25 26 15,-25-25-15,26-1 16,-26 0-16,0 1 16,0-1-16,0 0 15,0 1-15,0-26 0,-26 25 16,26-25-16,0-1 0,-25 27 15,25-1-15,0 0 16,0-25-16,-26 25 16,26 1-1,-26 25 1,1-26-16,-1 26 16,0 0-16,1 0 15,-27 0-15,27 0 0,-26 0 16,-1 0-16,1 0 15,0 0-15,-1 0 0,1 0 16,-26 0-16,26 26 0,-1-26 16,-25 0-16,26 25 15,25-25-15,-25 26 0</inkml:trace>
+  <inkml:trace contextRef="#ctx0" brushRef="#br0" timeOffset="144710">15625 5362 0,'0'-26'0,"0"1"32,-26 25-17,0 25 1,1 1-16,-1 0 16,0-26-16,26 25 0,-25 1 15,25 0-15,0-1 16,25 1-16,1 0 15,25-26-15,-25 0 16,51 25-16,-26-25 0,26 0 16</inkml:trace>
+  <inkml:trace contextRef="#ctx0" brushRef="#br0" timeOffset="145130">15830 6260 0,'-26'0'16,"1"0"-16,-1 0 15,0 0-15,1 0 16,-1 0-16,0 0 0,1 0 15,25 26-15,-26-26 0,26 25 16,0 1-16,0 0 16,26-1-16,-1 1 15,1-26-15,25 26 0,26-26 16,0 0-16,26 0 16</inkml:trace>
+  <inkml:trace contextRef="#ctx0" brushRef="#br0" timeOffset="145621">17729 5490 0,'-26'0'16,"26"-25"-16,-26 25 0,1 0 16,-27 0-16,27 0 15,-1 0-15,-25 0 0,25 0 16,-25 25-16,25-25 15,0 26-15,1 0 0,25-1 16,0 1-16,25 0 16,1-1-16,0 1 15,-1-1-15,27-25 0,-1 0 16,26 26-16</inkml:trace>
+  <inkml:trace contextRef="#ctx0" brushRef="#br0" timeOffset="146012">17626 6337 0,'-26'0'15,"1"0"1,-1 0-16,-25 26 0,25-26 15,0 25-15,-25 1 0,25 0 16,1-1 0,25 1-16,25-1 0,1 1 15,25 0-15,1-26 16,25 25-16,0-25 0,0 0 16,25-25-16</inkml:trace>
+  <inkml:trace contextRef="#ctx0" brushRef="#br0" timeOffset="165352">14291 2257 0,'-26'0'15,"52"0"17,-26-25-32,25 25 15,1 0-15,-1 0 16,1-26-16,0 26 0,25 0 16,0 0-16,-25 0 15,25 0-15,1 0 0,-1 0 16,0 0-16,-25 0 15,77 0-15,-52 0 16,0 0-16,-25 0 0,0 0 16,-1-25-16,1 25 15</inkml:trace>
+  <inkml:trace contextRef="#ctx0" brushRef="#br0" timeOffset="165635">14444 2411 0,'0'26'16,"26"-26"15,0 0-15,51 0-16,-52 0 15,27 0-15,-1-26 0,0 26 16,1 0-16,-1 0 16,26 0-16,-26 0 0,-25 0 15,25 0-15,-25 0 0,0 0 16,-1 0-16</inkml:trace>
+  <inkml:trace contextRef="#ctx0" brushRef="#br0" timeOffset="165892">14496 2745 0,'25'0'16,"1"0"-16,0 0 15,25 0-15,-25-26 16,25 26-16,0 0 0,26-25 16,-25 25-16,-1-26 0,26 26 15,-26 0-15,1 0 16,-1-26-16,-25 26 0,-1 0 16</inkml:trace>
+  <inkml:trace contextRef="#ctx0" brushRef="#br0" timeOffset="166127">14598 2899 0,'-25'26'16,"-1"-26"-16,26 25 16,26-25-1,-1 0 1,1-25-16,0 25 15,25 0-15,0-26 0,1 26 16,25 0-16,-26-26 0,26 26 16,-26 0-16,26 0 15,-25 0-15,-1 0 0,-26 0 16,27 0-16</inkml:trace>
+  <inkml:trace contextRef="#ctx0" brushRef="#br0" timeOffset="166367">14547 3181 0,'26'0'16,"-1"0"-1,1 0-15,0 0 16,25-26-16,-25 26 0,25-25 15,26 25-15,-26 0 0,1-26 16,-1 26-16,0 0 16,1 0-16,-1-25 0,-25 25 15,-1 0-15,1 0 16</inkml:trace>
+  <inkml:trace contextRef="#ctx0" brushRef="#br0" timeOffset="167238">14239 2155 0,'0'-26'32,"-25"26"-1,-1 0-15,0 26-16,1-26 15,-1 0-15,0 26 0,1-26 16,-1 0-16,0 25 15,1-25-15,-1 26 0,0-26 16,1 25-16,25 1 31,0 0-31,0-1 16,0 1-16,0 0 16,0-1-16,0 27 0,0-1 15,0 0-15,0 1 0,0-1 16,0 0-16,0 1 15,0 25-15,0-26 0,0 0 16,0 1-16,25-1 16,-25 0-16,0-25 0,0 25 15,26-25-15,-26 25 0,0-25 16,0-1-16,0 1 16,0 0-16,0-1 0,0 1 15,26 0-15,-1-1 16,1 1-16,0-26 15,-1 26-15,1-1 16,0-25-16,25 0 0,-25 26 16,25-26-16,0 0 0,-25 0 15,25-26-15,-25 26 16</inkml:trace>
+  <inkml:trace contextRef="#ctx0" brushRef="#br0" timeOffset="168023">15291 2129 0,'0'-25'32,"26"25"-17,-1 0 1,1 0-1,0 0-15,-1 0 16,1 0-16,0 0 16,-1 25-16,-25 1 15,26-26-15,-26 26 16,0-1-16,0 1 0,0 25 16,0-25-16,0 25 0,0-25 15,-26 25-15,26 0 16,0 1-16,0-1 0,0 0 15,0 1-15,0 25 16,0-26-16,0 0 16,0-25-16,0 25 0,0-25 15,0 25-15,26-25 0,-26 0 16,0-1-16,0 26 16,0-25-16,26 0 15,-26-1-15,0 1 16,0 0-16,25-26 15,-25 25-15,-25 1 32,-1-26-17,0 0-15,1 0 16,-1 26-16,-25-26 16,25 0-16,-25 0 0,-26 0 15</inkml:trace>
+  <inkml:trace contextRef="#ctx0" brushRef="#br0" timeOffset="175251">18934 795 0,'0'-26'15,"26"26"251,-26 26-219,26 0-31,-26-1-1,0 1-15,25 0 16,-25-1-16,26-25 0,-26 26 15,26 0-15,-26-1 16,25 1-16,-25 0 0,26-1 16,-26 1-16,26 0 15,-26-1-15,25 1 16,1 0-16,-26-1 16,0 1-1,0 0-15,26-26 16,-26 25-1,0 1 157,0 0-156,-26-1 0,26 1-1,0-1-15,0 1 16,0 0-1,0-1 1,0 1 0,0 0-1,0-1 17,0 1-17,0 0 79,-26-1-32,1-25-46,-1 0 0,26 26-1,-26-26-15,1 0 16,-1 0 0,26 26-16,-26-26 15,1 0-15,-1 25 16,0-25 15,26 26-31,-25-26 16,25 26-1,-26-26-15,0 25 16,1-25 0,25 26-16,0 0 31,-26-26 16,0 0-16,26 25 0,0 1 47,-25-26-78,25 26 32,-26-26-17,26 25 16,0 1 1,0 0-1,0-1 0,26-25 0,-1 0-15,1 26-16,0-26 16,25 0-16,-25 0 15,-1 0-15,1-26 16,25 26-16,-25 0 0,25 0 16,-25 0-16,25 0 0,1 0 15,-1 0-15,0 0 16,-25 0-16,51 0 0,-26 0 15,0 0-15,-25 0 16,25 0-16,1 0 0,-27 0 16,27 0-16,-27 0 0,27 26 15,-27-26-15,1 0 16,25 0-16,-25 0 0,0 0 16,-1 0-16,1 0 15,0 0-15,-1 0 0,1 0 16,0 0-1,-1 0 32,-25-26 47,0 1-63,0-1 1,0 0-17,-25 26-15,25-25 16,0-1-1,-26 26-15,26-26 0,0 1 16,0-1 0,-26 26-16,26-26 0,-25 1 15,25-1 1,-26 26-16,26-26 16,-26 26-16,1 0 15,25-25-15,-26 25 16,0 0-1,26-26-15,-25 26 0,-1 0 16,0-26 0,1 26-1,-1 0 1,0 0 0,1 0-1,-1 0 79,26-25 47,0-1-110,0 0-16,0 1 1,0-1-16,0 0 16,0 1-1,0-1-15,0 0 16,0 1 0,0-1-16,0 1 15,0-1-15,0 0 0,0 1 16,0-1-16,0 0 15,0 1 1,0-1 15,0 0-15,-26 26 15,52 0 125,-26-25-156,26 25 16,-26-26 0,25 26-16,1 0 0,0-26 15,-1 26-15,-25-25 16,26 25-16,0-26 0,-1 26 16,1-26-16,0 26 0,-1-25 15,1 25-15,0-26 16,-1 26-16,-25-26 0,26 26 15,0-25-15,-1 25 16,-25-26-16,26 0 16,-26 1-1,26 25 1,-26-26-16,25 26 16,-25-26-16,0 1 31,0-1 0,0 0-15,26 26-1,-26-25-15,0-1 32,0 0-1,0 1 63,-26 25-79,1 0 16,-1 0-31,0 0 16,1 0-16,-1 0 16,0 0-16,-25 25 15,25-25-15,1 0 0,-27 0 16,1 0-16,25 0 16,-25 0-16,0 0 0,-26 0 15,25 0-15,1 0 0,0 0 16,-1 0-16,1 0 15,0 0-15,25 0 0,1 0 16,-1 0-16,0 0 16,1 0-16,-1 0 0,0 0 15,1 0-15,-1 0 16,0 0 0,1 0-16,-1 0 0,0 0 15,1 0-15,-1 0 0,0 0 16,1 0-16,-1 0 15,0 0-15,1 0 0,-1 0 16,0 26 0,1-26-16,-1 0 15,26 26-15,-26-26 16,1 0-16,25 25 16,-26-25-1,26 26 1,-26-26-16,26 26 15,0-1 32,26-25-15,-26 26-32,26-26 15,-26 26-15,25-26 16,-25 25-16,26-25 0,-26 26 15,26-26-15,-26 26 0,25-26 16,-25 25 0,26-25-16,-26 26 15,26-26 1,-26 26 0,25-26 30,1 0-30,-26-26-16,26 26 16,-1 0-16,-25-26 15</inkml:trace>
+  <inkml:trace contextRef="#ctx0" brushRef="#br0" timeOffset="176254">20269 641 0,'-26'-26'15,"52"26"63,-1 0-62,1 0-16,25 0 16,-25 0-16,-1 0 15,1 0-15,0 0 0,-1 0 16,1 0-16,-26 26 0,26-26 15,-26 26 1,-26-1 0,26 1-16,-26-26 15,26 26-15,0-1 16,0 1-16,0 0 16,0-1-1,0 1-15,0 0 16,0-1-1,0 1-15,0 0 16,0-1 0,0 1-1,0-52 32,-25 26-47,-1-25 31,0 25-31,-25 0 16,25 0-16,1-26 16,-1 26-16,1 0 0,-27 0 15,27 0-15,-27 0 16</inkml:trace>
+</inkml:ink>
+</file>
+
+<file path=ppt/ink/ink5.xml><?xml version="1.0" encoding="utf-8"?>
+<inkml:ink xmlns:inkml="http://www.w3.org/2003/InkML">
+  <inkml:definitions>
+    <inkml:context xml:id="ctx0">
+      <inkml:inkSource xml:id="inkSrc0">
+        <inkml:traceFormat>
+          <inkml:channel name="X" type="integer" max="1920" units="cm"/>
+          <inkml:channel name="Y" type="integer" max="1080" units="cm"/>
+          <inkml:channel name="T" type="integer" max="2.14748E9" units="dev"/>
+        </inkml:traceFormat>
+        <inkml:channelProperties>
+          <inkml:channelProperty channel="X" name="resolution" value="55.81395" units="1/cm"/>
+          <inkml:channelProperty channel="Y" name="resolution" value="55.6701" units="1/cm"/>
+          <inkml:channelProperty channel="T" name="resolution" value="1" units="1/dev"/>
+        </inkml:channelProperties>
+      </inkml:inkSource>
+      <inkml:timestamp xml:id="ts0" timeString="2021-11-15T04:30:36.698"/>
+    </inkml:context>
+    <inkml:brush xml:id="br0">
+      <inkml:brushProperty name="width" value="0.05" units="cm"/>
+      <inkml:brushProperty name="height" value="0.05" units="cm"/>
+      <inkml:brushProperty name="fitToCurve" value="1"/>
+    </inkml:brush>
+  </inkml:definitions>
+  <inkml:trace contextRef="#ctx0" brushRef="#br0">308 667 0,'-26'-26'0,"0"26"15,-25-25-15,25 25 0,-25-26 16,0 26-16,25-26 15,0 26-15,26-25 0,-25-1 16,25 0 0,25 1-16,1 25 0,0-26 15,-1 26-15,1 0 0,0 0 16,25-26-16,-25 26 0,25 0 16,26 0-16,-26-25 15,1 25-15,24 0 0,1 0 16,-25-26-16,25 26 15,0 0-15,0 0 0,-26 0 16,0 0-16,1 0 16,-27 0-16,1 0 0,-52 26 31,-25-26-31,25 25 0</inkml:trace>
+  <inkml:trace contextRef="#ctx0" brushRef="#br0" timeOffset="264">308 718 0,'-26'0'15,"26"26"1,51-26-1,-25 0-15,0 0 16,25 0-16,26 0 16,-26 0-16,26-26 0,-26 26 15,26 0-15,-25 0 16,25-25-16,-26 25 0,-25-26 16,-1 26-16</inkml:trace>
+  <inkml:trace contextRef="#ctx0" brushRef="#br0" timeOffset="614">462 77 0,'-26'-26'15,"0"26"-15,26-25 0,-25 25 16,25-26-16,25 52 15,1-26 1,0 25-16,25 1 0,0-1 16,0 1-16,26 0 15,0-1-15,0 27 0,0-27 16,0 27-16,0-27 16,-25 27-16,-27-1 0,27 0 15,-52-25-15,0 25 0,0 1 16,0-1-16,-52 0 15,27 1-15,-52-27 0,25 27 16,1-1-16,-26 0 0,26 0 16,-1 1-16,1-1 15,0-25-15,25-1 0</inkml:trace>
+</inkml:ink>
+</file>
+
+<file path=ppt/ink/ink6.xml><?xml version="1.0" encoding="utf-8"?>
+<inkml:ink xmlns:inkml="http://www.w3.org/2003/InkML">
+  <inkml:definitions>
+    <inkml:context xml:id="ctx0">
+      <inkml:inkSource xml:id="inkSrc0">
+        <inkml:traceFormat>
+          <inkml:channel name="X" type="integer" max="1920" units="cm"/>
+          <inkml:channel name="Y" type="integer" max="1080" units="cm"/>
+          <inkml:channel name="T" type="integer" max="2.14748E9" units="dev"/>
+        </inkml:traceFormat>
+        <inkml:channelProperties>
+          <inkml:channelProperty channel="X" name="resolution" value="55.81395" units="1/cm"/>
+          <inkml:channelProperty channel="Y" name="resolution" value="55.6701" units="1/cm"/>
+          <inkml:channelProperty channel="T" name="resolution" value="1" units="1/dev"/>
+        </inkml:channelProperties>
+      </inkml:inkSource>
+      <inkml:timestamp xml:id="ts0" timeString="2021-11-15T04:29:56.794"/>
+    </inkml:context>
+    <inkml:brush xml:id="br0">
+      <inkml:brushProperty name="width" value="0.05" units="cm"/>
+      <inkml:brushProperty name="height" value="0.05" units="cm"/>
+      <inkml:brushProperty name="fitToCurve" value="1"/>
+    </inkml:brush>
+  </inkml:definitions>
+  <inkml:trace contextRef="#ctx0" brushRef="#br0">392 3466 0,'-25'-26'0,"-1"26"16,26-25-1</inkml:trace>
+  <inkml:trace contextRef="#ctx0" brushRef="#br0" timeOffset="720">495 3389 0,'-26'0'0,"1"-26"16,25 1 0,0 50-1,0 1 1,0 0-16,0 25 16,0 0-16,0 1 0,25-1 15,-25 0-15,0 26 16,26-25-16,-26-1 0,0 0 15,26 0-15,-26-25 0</inkml:trace>
+  <inkml:trace contextRef="#ctx0" brushRef="#br0" timeOffset="1238">1162 3517 0,'0'-25'15,"0"-1"1,-26 26-16,26-26 0,-25 26 16,25-25-16,-26-1 0,26 0 15,-26 26-15,1-25 16,-1-1-16,0 0 15,1 26-15,-1 0 16,0 0-16,1 26 16,-1 0-16,26-1 15,-25 27-15,25-27 0,-26 27 16,26-1-16,0-25 0,26-1 16,-26 1-16,25 0 15,1-1-15,-1-25 0,1 0 16,0 0-16,-1 0 15,1-25-15,0-1 0,-1 0 16,1 1-16,0-1 0,-26 0 16,25 1-16,-25-27 15,0 27-15,0-1 0,0 0 16,0 52 15,0 25-31,0-25 0,0 25 16,0 26-16,0-25 15,26 25-15,-26 0 0,26 0 16,-26-1-16,25-24 0</inkml:trace>
+  <inkml:trace contextRef="#ctx0" brushRef="#br0" timeOffset="2035">1701 3646 0,'-26'0'0,"1"0"15,25-26-15,-26 26 16,26 26 0,0-1-1,0 1 1,26 0-1,-26-1-15,25 1 16,1 0-16,-26-1 16,26-25-16,-1 0 15,1 0-15,-1 0 16,1 0-16,0-25 16,-26-1-1,0 0-15,0 1 0,0-27 16,-26 27-16,26-1 15,-26 0-15,1 1 16,-1-1-16,-25 0 0,25 1 16,1-1-16,-1-25 15,0 25-15,1 0 0,-1 1 16,26-1-16,0 0 16,0 1-16,0-1 15,26 26-15,-26-26 0,25 26 16,1 0-16,0 26 15,25 51 17,-25-51-32,-1 51 15,-25-52-15,0 27 0,-25-27 16,25 27-16,-26-27 16</inkml:trace>
+  <inkml:trace contextRef="#ctx0" brushRef="#br0" timeOffset="2407">1932 3286 0,'-26'0'16,"0"-25"-16,1 25 0,-1-26 15,26 0 1,26 1 0,-1 25-16,1 0 15,0-26-15,-1 26 16,1 0-16,0 0 0,-1 26 16,1-26-16,0 25 0,-26 1 15,25 0-15,1 25 16,0-25-16,-26 25 0,25 0 15,1 1-15,0-1 16,-1 0-16,-25 1 0,26-1 16,-26 0-16,26-25 0,-26 25 15,0 1-15,0-27 16,0 1-16,-26-26 0</inkml:trace>
+  <inkml:trace contextRef="#ctx0" brushRef="#br0" timeOffset="2592">2163 3594 0,'-26'0'0,"52"-25"47,-1 25-47,1-26 16,25 26-16,-25-26 15,0 26-15,25-25 0</inkml:trace>
+  <inkml:trace contextRef="#ctx0" brushRef="#br0" timeOffset="2825">2855 3440 0,'-25'0'0,"25"-25"15,25 25 17,1 0-32,-26-26 15,26 26-15,-1 0 0,1 0 16,0-26-16</inkml:trace>
+  <inkml:trace contextRef="#ctx0" brushRef="#br0" timeOffset="3307">3240 3261 0,'-25'-26'16,"-1"26"-16,0-26 0,1 26 16,-1-25-16,0-1 0,26 0 15,0 1-15,0-1 16,0-25-16,26 25 0,0 1 16,-1-1-16,27 0 0,-27 26 15,27 0-15,-1 0 16,-25 26-16,25 0 0,-26-1 15,1 26-15,0 1 0,-1-1 16,-25 0-16,0 1 16,0 25-16,-25-26 0,-1 0 15,0 1-15,1-27 16,-26 27-16,25-27 0,-25 1 16,25 0-16,0-26 0,1 0 15,-1-26-15,26 0 16,0 1-16,0-27 0,26 1 15,-1 25-15,27-25 16,-27 25-16,27 1 0,-1-1 16,26 26-16,-26 0 15,0 26-15,-25-1 0,25 1 16,-25 25-16,0-25 0,-1 25 16,1-25-16,-26 0 15,0 25-15</inkml:trace>
+  <inkml:trace contextRef="#ctx0" brushRef="#br0" timeOffset="3673">4036 3209 0,'-26'0'0,"0"-25"16,1 25-16,-1 0 15,0 0-15,1 0 0,-1 0 16,0 25-16,1 1 16,25 0-16,0-1 15,0 1-15,25 25 0,-25-25 16,26 25-16,0-25 0,-1 0 16,27-1-16,-27 1 15,1 0-15,25-26 0,-25-26 16,0 26-16,25-26 15,-25-25-15,-26 25 0,25-25 16,-25 25-16,0-25 0,-25 0 16,-1 25-16,-25-25 15,25 25-15,-25 26 0,-1 0 16,1 0-16,0 0 16,-26 26-16</inkml:trace>
+  <inkml:trace contextRef="#ctx0" brushRef="#br0" timeOffset="4159">4241 3004 0,'0'-25'16,"-26"-1"-16,26 0 16,26 26 15,-26 26-16,26 0-15,-26 25 16,25-26-16,-25 27 0,26-1 16,-1 0-16,-25 1 15,26 25-15,-26-26 0,26-25 16,-26 25-16,25-25 16</inkml:trace>
+  <inkml:trace contextRef="#ctx0" brushRef="#br0" timeOffset="4585">4549 2902 0,'-26'-26'0,"0"26"15,1-26-15,25 52 31,0 0-31,25-1 16,1 1-16,-26 0 16,26-1-16,-26 1 0,25-1 15,1 1-15,0 0 0,25-1 16,-25 1-16,-1-26 16,27 0-16,-27 0 0,1-26 15,0 26-15,-1-25 16,1-1-16,0 0 0,-26-25 15,0 26-15,0-27 0,0 27 16,0-27-16,-26 27 16,0-1-16,26 0 0,-25 26 15,-1 0 1,26 26-16,0 0 0,0 25 16,0 0-16,0 26 0,0 0 15,26 0-15,-1 26 16,1-26-16,0 25 0,-1 1 15</inkml:trace>
+  <inkml:trace contextRef="#ctx0" brushRef="#br0" timeOffset="5306">418 4646 0,'-26'26'16,"52"-52"15,25 26-31,1-25 16,50 25-16,1-26 15,51 0-15,0 1 0,51-27 16,52 1-16,-1 0 16,52-1-16,51 1 0,0-26 15,26 0-15,26 26 16,-26-26-16,25 25 0,-51 27 15,-51-26-15,0 25 16,-77 26-16,-26-26 0,-51 26 16,-26 0-16,-51 0 0,0 0 15,-25 0-15,-27 0 0,-50 0 32,-27 0-32,1 26 15</inkml:trace>
+  <inkml:trace contextRef="#ctx0" brushRef="#br0" timeOffset="5796">1624 4672 0,'-26'0'16,"26"26"-16,52-26 31,-1-26-31,26 26 16,25-26-16,52 1 0,26-1 16,51-25-16,25-1 15,27 1-15,50 0 0,1-1 16,25 1-16,26 0 15,-26-1-15,0 1 0,0 0 16,-25-1-16,-26 27 16,-26-27-16,-25 27 0,-52-1 15,-26 26-15,-25-25 0,-51 25 16,-26 0-16,-51 0 16,-52 25-16,-51 1 0</inkml:trace>
+  <inkml:trace contextRef="#ctx0" brushRef="#br0" timeOffset="-7520">829 1183 0,'-26'-26'16,"52"0"0,-1 1-16,1-1 15,-1 0-15,1 1 16,0 25-1,-52 0 32,0 0-31,1 0-16,-1 0 0,1 0 16,-1 0-16,-25 0 15,-1 0-15,1 0 0,25 0 16,-25 25-16,25-25 0,1 0 15,-1 0-15,0 26 16,1-26 0,25 26 15,25-26-31,-25 25 0,26-25 16,-26 26-16,26 0 15,-26-1-15,0 1 0,25 25 16,-25-25-16,0 25 0,26-25 15,-26 25-15,0-25 16,0 25-16,0-25 0,0 25 16,0-25-16,0-1 15,26 1-15,-26 0 0,51 25 16,-25-51 0,-1 0-16,27 0 0,-1 0 15,0 0-15,0 0 0,-25-26 16,25 26-16,1-25 15,-1-1-15,-25 0 0,-1 1 16,1-1-16</inkml:trace>
+  <inkml:trace contextRef="#ctx0" brushRef="#br0" timeOffset="-7328">803 1388 0,'-51'0'0,"25"0"0,52-26 31,-1 26-15,27 0-16,-1 0 0,0-25 15,0 25-15,1 0 0,-1-26 16,0 26-16,-25 0 16,25-26-16,-25 26 0</inkml:trace>
+  <inkml:trace contextRef="#ctx0" brushRef="#br0" timeOffset="-6966">1906 1131 0,'0'-25'15,"0"-1"1,-26 0-16,1 26 16,-1-25-16,0 25 15,1 0-15,-1 0 16,1 0-16,-27 25 0,27-25 16,-27 26-16,27 0 15,-1-1-15,0 1 0,1 25 16,-1-25-16,26 25 0,0-25 15,0 25-15,26-25 16,-1 25-16,1-25 0,0-1 16,25 1-16,-25-26 15,25 0-15,0 0 0,0 0 16,1-26-16,-1 1 16</inkml:trace>
+  <inkml:trace contextRef="#ctx0" brushRef="#br0" timeOffset="-6650">2548 1080 0,'0'-26'0,"0"1"15,0-1-15,0 0 0,-26 1 16,0 25-1,1-26-15,-1 26 16,-25 0-16,25 26 0,0-1 16,1 1-16,-1 0 15,0-1-15,26 1 0,0 25 16,0-25-16,0 0 16,0 25-16,26-25 0,0-1 15,25 1-15,-25 0 0,25-26 16,0 0-16,1 0 15,-1 0-15,0 0 0,-25-26 16</inkml:trace>
+  <inkml:trace contextRef="#ctx0" brushRef="#br0" timeOffset="-5295">418 439 0,'-26'-26'15,"26"0"-15,-25 26 16,50 26 0,-25 0-1,0 25-15,26 26 16,0 0-16,-26 0 0,25 25 15,-25 1-15,0 25 16,26-25-16,-26 25 0,0 0 16,0-25-16,0 0 0,0 25 15,0-25-15,0-26 16,-26 25-16,26-25 0,0 26 16,0-52-16,0 26 15,0-26-15,-25-25 0,25 25 16,0-25-16,0 0 15,0-1-15,0 1 0,0 0 16,25-26 15,1 0-15,0 0-16,25 0 16,-25-26-16,25 26 15,0 0-15,26 0 0,0-26 16,0 26-16,26 0 15,25-25-15,0-1 0,26 0 16,26 26-16,-1-25 0,1-1 16,25 0-16,1 1 15,-27-1-15,1 26 0,-1 0 16,-25 0-16,0 0 16,-25 0-16,-27 26 0,1-26 15,-1 0-15,-25 25 0,-25-25 16,-1 26-16,-25-26 15,-1 0-15,1 0 0,0 0 16,-52-26 15,0 1-15,26-1-16,0 0 16,-25 1-16,25-27 0,0 1 15,0 0-15,0 0 16,0-26-16,0 0 0,0 0 15,0-26-15,0 26 0,0-26 16,-26 1-16,26-1 16,0 1-16,-26-1 0,26 26 15,0-26-15,0 1 16,-25-1-16,25 0 0,0 1 16,0-1-16,0 26 0,-26 0 15,26 0-15,-26 26 16,26 25-16,0-25 0,-25 51 15,25-26-15,-26 1 16,26-1 31,-26 26-31,1 0 15,25-26-31,-26 26 0,0 0 15,-25 0-15,0 0 16,-26 0-16,0 0 0,-51 26 16,-1-26-16,-25 26 0,-25-1 15,-1-25-15,-25 26 16,-26 0-16,26-1 0,-52-25 16,52 26-16,-26 0 15,0-26-15,26 0 0,25 0 16,26 0-16,26 0 0,25 0 15,26-26-15,0 26 16,52-26-16,-1 26 0,1-25 16,50 25-1,1 0 1,-1 25 0,-25 1-1,26-26-15,-26 26 16,0-1-16</inkml:trace>
+  <inkml:trace contextRef="#ctx0" brushRef="#br0" timeOffset="-3288">495 105 0,'26'0'31,"-26"26"0,0-1-31,-26 1 16,26 0-16,-26 25 16,26-25-16,0-1 15,-25 27-15,25-27 0,0 27 16,0-1-16,0-26 0,0 27 15</inkml:trace>
+  <inkml:trace contextRef="#ctx0" brushRef="#br0" timeOffset="-2474">1880 1773 0,'-25'0'31,"-1"25"-15,0-25 0,26 26-16,-25 0 15,-1-1-15,1 1 0,-1 0 16,0-1-16,1 27 15,25-27-15,-26 1 0,26 25 16,0-25-16,0 25 0,26-25 16,-1-1-16,1 1 15,25 0-15,0-26 0,1 0 16</inkml:trace>
+  <inkml:trace contextRef="#ctx0" brushRef="#br0" timeOffset="-2291">1752 2132 0,'-25'0'0,"-1"0"16,52 0 0,-26-26-16,25 26 15,1-25-15,-1 25 16,27-26-16,-27 26 0,1-26 15</inkml:trace>
+  <inkml:trace contextRef="#ctx0" brushRef="#br0" timeOffset="-1727">2163 1875 0,'0'26'63,"25"0"-63,-25-1 0,0 1 15,26 0-15,-26-1 16,0 1-16,0 0 0,0 25 16,26-25-16,-26-1 0,0 1 15,0-1 1,-26-50 15,26-1-31,0-25 16,0 25-16,-26-25 0,26 25 15,0-25-15,0 0 16,0-1-16,26 1 0,-26 0 16,0 25-16,26 0 15,-1 26-15,1 0 0,0 0 16,-1 0-16,1 26 15,0-26-15,-26 26 16,0-1-16,0 1 0,0 0 16,0-1-16,0 1 15,-26-26-15,0 26 0,1-1 16,-1-25-16,26 26 0,-26-26 16,1 0-1,50 0 1,1 0-1,0 0-15,-1 0 0,27 0 16,-27 0-16,1 0 0,0 26 16,-1-1-16,1-25 15,-26 26-15,26 0 0,-1-1 16</inkml:trace>
+  <inkml:trace contextRef="#ctx0" brushRef="#br0" timeOffset="-1229">2727 1773 0,'-26'-26'16,"1"0"-16,-1 26 0,26-25 15,0 50 1,26 1-1,-1 0-15,1-1 0,0 27 16,-26-27-16,25 27 16,1-27-16,-26 1 0,26 25 15,-26-25-15,25 0 16,-25-1-16,0 1 16,-25-26-1,25-26-15,-26 26 16,26-25-16,-26-1 0,1 0 15,-1-25-15,26 0 0,-26-1 16,26 1-16,-25 0 16,25-1-16,0 27 0,0-27 15,25 27-15,1-1 16,-26 0-16,26 26 16,-1 0-16,1 0 15,0 0-15,25 0 0,-25 0 16,-1 0-16,27 0 15,-27 0-15,1 0 0,0 26 16,-26 0-16,0-1 16,-26 1-16,-25 0 15,-1 25-15,1-25 16</inkml:trace>
+  <inkml:trace contextRef="#ctx0" brushRef="#br0" timeOffset="27862">3959 1850 0,'-26'0'0,"0"0"16,1 0-1,25 25 32,25-25-47,1 0 16,0 26-1,-1-26 1,27 0-16,-27 0 16,27 0-16,-1 0 0,0-26 15,1 26-15,24 0 16,-24 0-16,25 0 0,0 0 16,-26 0-16,26 0 0,-26 0 15,26 0-15,-25 0 16,-1 26-16,0-26 0,1 0 15,-27 0-15,1 0 16,0 0-16,-1 0 16,1 0-1,-26 26 48,0-1-1,0 1-62,0 0 16,0-1-16,25 1 16,-25 0-16,0 25 15,26-25-15,-26 25 0,26-26 16,-26 1-16,0 25 15,25-25-15,-25 0 0,26 25 16,0-25 0,-26-1-16,0 1 15,25-26 1,-25 26-16</inkml:trace>
+  <inkml:trace contextRef="#ctx0" brushRef="#br0" timeOffset="29153">5447 2619 0,'-26'0'47,"26"26"62,26 0-93,-26-1-1,0 1-15,0 0 0,0-1 16,0 1-16,0 25 16,25-25-16,-25 25 0,0 1 15,0-27-15,26 26 0,-26-25 16,0 0-16,26-1 15,-26 1-15,0 0 0,0-1 16,0 1-16,0-52 31,-26 1-15,26-1-16,0 0 0,-26 1 16,26-27-16,-25 27 15,25-26-15,-26 25 0,26 0 16,0 1-16,0-1 15,-26 0-15,26 1 0,0-1 16,0 0 0,0 1-16,0-1 31,26 26-15,0 0-1,-1 0-15,1 0 16,0-26-16,25 26 0,-25 0 15,25 0-15,0-25 0,1 25 16,-1 0-16,0 0 16,1-26-16,-27 26 0,26 0 15,-25 0-15,0 0 0,-1 0 16,1 0-16,0 0 16,-26 26 15,25-1-16,-25 1 1,0 0 0,0-1-16,26 1 15,-26 0-15,0-1 16,0 1-16,0 0 16,0-1-16,26-25 15,-26 26-15,0 0 16,0-1-1,25-25 1,-50 0 0,-1 0-1,26 26-15,-26-26 16,1 0-16,-27 25 0,27 1 16,-27-26-16,1 0 15,0 26-15,0-26 0,-1 25 16,1-25-16,0 0 0,-1 0 15,1 0-15,25 0 16,1 0-16,-1 0 16,26-25-16,26 25 31</inkml:trace>
+  <inkml:trace contextRef="#ctx0" brushRef="#br0" timeOffset="29841">6037 2773 0,'25'0'63,"1"0"-63,0 0 16,-1 0-16,1 0 0,25-25 15,-25 25-15,0-26 16,25 26-16,-25 0 0,-1 0 15,1-26-15,0 26 0,-1 0 16,1-25 0,-52 25 31,1 0-16,25 25-31,-26-25 15,26 26 1,-26-26-16,26 26 16,0-1-1,0 1 1,26 0-16,0-26 16,-26 25-1,25-25-15,1 0 16,0-25-16,-1 25 0,1 0 15,0-26-15,-26 0 16,25 26-16,-25-25 16,26 25-16,-26-26 0,0 0 0,0 1 15,-26-1 1,1 26 0,-1 0-16,0 0 15,1 0 1,-1 26-16,0-26 15</inkml:trace>
+  <inkml:trace contextRef="#ctx0" brushRef="#br0" timeOffset="30464">4934 3004 0,'25'0'31,"1"0"-15,0 0 0,25 0-16,-25 0 15,-1 0-15,26 0 16,-25-25-16,25 25 0,-25 0 16,0 0-16,-1 0 0,1 0 15,0 0 1,-26-26-1</inkml:trace>
+  <inkml:trace contextRef="#ctx0" brushRef="#br0" timeOffset="30699">5216 2902 0,'0'25'47</inkml:trace>
+  <inkml:trace contextRef="#ctx0" brushRef="#br0" timeOffset="31215">5011 3004 0,'-26'26'78,"0"-1"-46,26 1-17,0 0 1,26-1 0,0-25-1,-1 0-15,1 0 16,0 0-16,-1 0 15,1 0-15,-1-25 16,1 25-16,-26-26 16,0 0-16,0 1 15,-26 25 1,26-26-16,-25 26 0,-1 0 16,1 0-16,-1 0 15,0 0-15,1 0 16,-1 26-16</inkml:trace>
+  <inkml:trace contextRef="#ctx0" brushRef="#br0" timeOffset="31743">5909 3209 0,'0'-25'0,"0"50"78,25 1-62,-25 0-1,0-1-15,26-25 16,-26 26-16,0 0 16</inkml:trace>
+  <inkml:trace contextRef="#ctx0" brushRef="#br0" timeOffset="32177">6011 3466 0,'0'-26'0,"-26"26"16,26 26 30,26-26-30,-26 26-16,0-1 16,26 1 15,-26 0-31,25-26 16,1 0-1,0 0-15,-26-26 0,25 26 16,1-26-16,-26 1 15,26-1-15,-26 0 16,0 1-16,-26-1 0,26 0 16,-26 26-16,1-25 15,-1-1-15,0 26 16,1 0-16,-1 26 0,0-26 16,26 25-16,-25-25 15</inkml:trace>
+  <inkml:trace contextRef="#ctx0" brushRef="#br0" timeOffset="32787">5806 2440 0,'0'25'47,"0"1"-32,26 0 1,-26-1-16,0 1 0,0 0 16,25-1-16,-25 1 15,0 0-15,26-1 16,-26 1-16</inkml:trace>
+  <inkml:trace contextRef="#ctx0" brushRef="#br0" timeOffset="33250">5780 2388 0,'0'-25'16,"-25"25"-1,-1 0 1,0 0 0,26 25-1,-25-25-15,25 26 0,0 0 16,0-1-16,0 1 15,0 0-15,0-1 16,0 1-16,25-26 16,1 26-16,0-26 15,-1 0-15,1 0 0,0 0 16,-1-26-16,1 26 16,-26-26-16,26 26 0,-26-25 15,0-1-15,0 0 16,0 1-16,-26-1 15,0 0-15,1 26 16,25-25-16,-26 25 16,0 0-16,1 0 0</inkml:trace>
+  <inkml:trace contextRef="#ctx0" brushRef="#br0" timeOffset="48050">5883 1952 0,'-26'-25'16,"26"-1"-16,-25 0 15,-1 26-15,0-25 0,1 25 16,25 25 0,0 1-1,-26 0-15,26-1 0,0 27 16,-26-1-16,26 0 16,0 1-16,0-27 0,-25 26 15,25 1-15,0-27 0,0 27 16,-26-52-16,26 25 15,0 1-15,0-52 32,0 1-32,0-1 0,0 0 15,0-25-15,26 0 0,-26-26 16,25 0-16,-25 26 16,26-26-16,0 0 0,-1 0 15,1 25-15,0 1 16,-1 25-16,1 1 0,0 25 15,-1 25-15,1 1 16,-1 25-16,1-25 0,0 51 16,-1-26-16,-25 1 0,26 25 15,-26-26-15,26 0 16,-26 1-16,25-1 0,-25-26 16,0 1-16,0 0 0</inkml:trace>
+  <inkml:trace contextRef="#ctx0" brushRef="#br0" timeOffset="48978">5755 2209 0,'-26'-26'16,"0"1"-16,1-1 0,-1 0 15,52 1 1,-1 25 0,1 0-16,25-26 0,1 26 15,-27-26-15,27 26 16,-27-25-16,26 25 15,-25-26-15,0 26 0,-1-26 16,1 26-16,0-25 16,-1 50 15,-25 1-31,0 0 16,26-1-16,-26 1 15,26 0-15,-26-1 0,0 1 16,25 0-16,-25 25 0,0-26 15,0 1-15,0 0 16,0-1-16,0-50 31,0-1-31,26 0 16,-26 1-16,26-26 0,-26 25 16,25-25-16,-25 25 15,26-25-15,0 25 0,-26 0 16,25 26-16,1 0 15,0 26 1,-26 0-16,25-1 0,-25 1 16,0 0-16,26-1 15,-26 1-15,0 0 0,0-1 16,0-50 15,26 25-31,-26-26 0,0 0 16,25 1-16,-25-1 15,0 0-15,26 1 0,-26-1 16,0 0-16,0 1 0,0-1 16,0 52-1,0-1 1,26-25-16,-26 26 16,0 0-16,0-1 0,25 1 15,-25 0-15,0-1 16,26-25-16,-26 26 15,26-26-15,-1-26 16,1 1 0,0 25-16,-26-26 0,0 0 15,25 1-15,-25-1 16,0 0-16,0 1 0,0-1 16,0 52-1,0-1-15,0 27 16,0-1-16,0 26 0,26 0 15,-26 25-15,0-25 0,0 26 16,0-26-16,0 0 16,0 0-16,-26 0 0,26-51 15,-25 25-15,-1-51 16,0 0-16,-25 0 16,51-26-16,-26-25 0,1 0 0,25-26 15,0-26-15,25 26 16,27 0-16,-27-26 0,27 52 15,-1-26-15,26 52 0,-26-1 16</inkml:trace>
+</inkml:ink>
+</file>
+
+<file path=ppt/ink/ink7.xml><?xml version="1.0" encoding="utf-8"?>
+<inkml:ink xmlns:inkml="http://www.w3.org/2003/InkML">
+  <inkml:definitions>
+    <inkml:context xml:id="ctx0">
+      <inkml:inkSource xml:id="inkSrc0">
+        <inkml:traceFormat>
+          <inkml:channel name="X" type="integer" max="1920" units="cm"/>
+          <inkml:channel name="Y" type="integer" max="1080" units="cm"/>
+          <inkml:channel name="T" type="integer" max="2.14748E9" units="dev"/>
+        </inkml:traceFormat>
+        <inkml:channelProperties>
+          <inkml:channelProperty channel="X" name="resolution" value="55.81395" units="1/cm"/>
+          <inkml:channelProperty channel="Y" name="resolution" value="55.6701" units="1/cm"/>
+          <inkml:channelProperty channel="T" name="resolution" value="1" units="1/dev"/>
+        </inkml:channelProperties>
+      </inkml:inkSource>
+      <inkml:timestamp xml:id="ts0" timeString="2021-11-15T04:30:39.021"/>
+    </inkml:context>
+    <inkml:brush xml:id="br0">
+      <inkml:brushProperty name="width" value="0.05" units="cm"/>
+      <inkml:brushProperty name="height" value="0.05" units="cm"/>
+      <inkml:brushProperty name="fitToCurve" value="1"/>
+    </inkml:brush>
+  </inkml:definitions>
+  <inkml:trace contextRef="#ctx0" brushRef="#br0">155 1976 0,'0'-26'0,"0"0"16,0 1-16,-26 25 15,26 25 1,0 1 0,0 0-16,0 25 15,0 0-15,0 1 0,0-1 16,0 26-16,0 26 0,-26-26 15,26 0-15,0 25 16,0-25-16,-25 26 0,25-26 16,0 0-16,0 25 15,0-25-15,0 0 0,0-25 16,0 25-16,0 0 0,-26-26 16,26 26-16,0-26 15,0 0-15,-26 1 0,26-1 16,0 0-16,-25 1 15,25-1-15,0-25 0,0 25 16,0-25-16,0-1 16,25-25-1,1 0 1,0 0 0,-1-25-16,27 25 0,-27-26 15,27 26-15,25 0 0,-26-26 16,26 26-16,0 0 15,25-25-15,1 25 0,0 0 16,25 0-16,52 0 16,-27 0-16,53 0 0,-1 0 15,26-26-15,0 26 0,0 0 16,25 0-16,-25 26 16,-26-26-16,26 0 0,-51 25 15,0-25-15,-1 0 16,1 26-16,-52-26 0,26 0 15,-26 26-15,-25-26 0,-26 0 16,0 0-16,-26 0 16,0 25-16,-25-25 15,-26-25 1,-26 25 0,1 0-16,25-26 0,-26 26 15,26-26-15,-26 26 16,26-25-16,0-1 15,0 0-15,-25 26 16,25-25-16,0-1 0,0 0 16,0-25-16,0 25 0,0-25 15,0 25-15,25-25 16,-25-26-16,0 0 0,26 0 16,-26 0-16,26-25 0,-26-1 15,0 0-15,25-25 16,-25 25-16,26-25 0,-26 26 15,26-1-15,-1 0 16,-25 1-16,26 25 0,-26 25 16,26 1-16,-26 0 15,0-1-15,0 27 0,0-1 16,0 0-16,0 1 16,0-1-1,0 0 1,-26 1-1,0-1 1,1 26-16,-1 0 16,-25 0-16,-1 0 15,1 0-15,-26 0 0,-25 0 16,-1 0-16,-25 26 0,-26-26 16,0 0-16,-26 25 15,-25-25-15,0 0 0,-1 0 16,1 26-16,26-26 15,-27 26-15,27-26 0,-1 0 16,0 0-16,27 25 0,-1-25 16,25 0-16,1 0 15,0 0-15,25 0 0,1 0 16,-1 0-16,26 0 16,0 0-16,0 0 0,0 0 15,0 0-15,26 0 0,-1 0 16,1 0-16,25 0 15,-25 0-15,25 0 0,1 0 16,-1 0 0,1 26-16,-1-26 0,0 0 15,1 0-15,25 26 16,-26-26-16,52 0 47,-1 0-32,1 0-15,-26 25 0,26-25 16</inkml:trace>
+  <inkml:trace contextRef="#ctx0" brushRef="#br0" timeOffset="653">770 2745 0,'26'0'16,"0"-25"-16,-1-1 15,-25 0-15,0 1 16,0-1-16,0 0 16,0 1-16,-25-1 15,-27 26-15,27 0 16,-27 0-16,27 26 16,-52-1-16,25 1 0,1 0 15,0 25-15,-1-25 0,27-1 16,-1 27-16,26-27 15,26 1-15,-1 0 0,27-1 16,25 27-16,0-52 0,25 25 16,1 1-16,-26 0 15,0-1-15,0-25 0,-26 26 16,1 0-16,-52-1 16,0 1-16,0 0 0,-52-26 15,1 25-15,-26 1 0,0 0 16,-26-1-16,1-25 15,-1 26-15,0-26 0,26 0 16,1 0-16,24 0 16,1-26-16,25 1 0,1-1 15</inkml:trace>
+  <inkml:trace contextRef="#ctx0" brushRef="#br0" timeOffset="899">1181 2643 0,'25'-26'0,"1"26"15,-26 26 17,0-1-32,-26 1 15,26 25-15,0 1 16,0 25-16,-25-26 15,25 26-15,0-26 0,0 26 0,0-25 16,-26 25-16,26-26 16,0-25-16,-25 25 0</inkml:trace>
+  <inkml:trace contextRef="#ctx0" brushRef="#br0" timeOffset="1319">1591 2822 0,'0'26'16,"0"0"0,0-1-1,0 1-15,0 0 0,0 25 16,26-25-16,-26-1 15,26 1-15,-1 0 0,1-26 16,0 25-16,-1-25 0,27 0 16,-27 0-16,1 0 15,25 0-15,-25-25 0,0-1 16,-1 0-16,1-25 0,-1 25 16,1-25-16,-26 25 15,26 1-15,-26-1 0,0 0 16,0 1-16,0 50 15,0 1-15,0 0 16,-26-1-16,26 27 0,-26-1 16,26 26-16,0-26 15,-25 1-15,25-1 0,0 0 16,0 1-16,25-1 16,-25-25-16,26-1 0</inkml:trace>
+  <inkml:trace contextRef="#ctx0" brushRef="#br0" timeOffset="1546">2258 2720 0,'0'-26'0,"0"52"31,0-1-31,0 1 0,0 0 15,0 25-15,26 0 0,-26 1 16,0-1-16,26-25 16,-26 25-16,0 0 0,0-25 15,25 0-15,-25-1 0,0 1 16</inkml:trace>
+  <inkml:trace contextRef="#ctx0" brushRef="#br0" timeOffset="1854">2335 2976 0,'0'-25'16,"26"25"-16,-26-26 16,26 26-16,-1 0 0,1 0 15,0 0 1,25-26-16,0 26 16,-25 0-16,0-25 0,-1 25 15,1-26-15,0 0 16,-26 1-16,0-1 15,0 0 1,0 1-16,0 50 31,0 1-31,0 0 0,-26-1 16,26 27-16,0-1 0,0 0 16,-26 1-16,26-1 15,0 0-15,0 1 0,0-27 16,0 1-16,0 0 15</inkml:trace>
+  <inkml:trace contextRef="#ctx0" brushRef="#br0" timeOffset="2254">2951 2745 0,'0'-25'0,"0"-1"0,0 0 16,0 52-1,-26 0 1,26-1-16,0 27 0,-25-1 16,25 0-16,0 1 15,-26-1-15,26 0 0,0 1 16,0-27-16,0 1 16,0 0-16,26-1 0,-26-50 15,25-1 1,-25 0-16,26-25 15,-26 0-15,26-26 0,-1 0 16,-25 0-16,26 0 16,0 0-16,-1 0 0,1 26 15,0-1-15,-1 27 0,1 25 16,0 25-16,-26 1 16,25 25-16,-25 0 0,0 26 15,26 0-15,-26 0 0,0-25 16,0 25-16,0-26 15,0 0-15,0-25 0,-26 25 16,1-51-16</inkml:trace>
+  <inkml:trace contextRef="#ctx0" brushRef="#br0" timeOffset="2398">2977 2848 0,'-26'-26'15,"26"1"-15,0-1 16,26 26-16,-1-26 15,27 26-15,-27 0 16,1 0-16,25-25 16,1 25-16,-1-26 0</inkml:trace>
+  <inkml:trace contextRef="#ctx0" brushRef="#br0" timeOffset="2921">3490 2489 0,'-26'0'0,"26"-26"0,-25 26 15,25-25 1,0 50-16,0 1 16,0 0-16,0-1 0,0 26 15,0-25-15,0 51 16,-26-26-16,26 1 0,-26 25 16,1-26-16,-1 0 15,26 1-15,-26-27 0,1 1 16,25 0-16,25-52 15,-25 0 1,26 1-16,0-27 0,-1 27 16,1-52-16,0 25 15,-1 1-15,1-26 0,0 26 16,-1 25-16,-25 0 0,26 1 16,0 25-1,-26 25-15,0 1 0,0 25 16,0-25-16,-26 25 15,26 1-15,0-1 0,0 0 16,0-25-16,0 0 16,26-1-16,-1 1 15,1-26-15,0-26 0,-1 26 16,1-25-16,-1-1 16,1-25-16,0-1 0,-1 1 15,1-26-15,-26 26 0,26-26 16,-1 0-16,-25 0 15,0 26-15,26-1 0,-26 27 16,-26 25 0,26 51-16,0-25 15,-25 25-15,25-25 0,0 25 16</inkml:trace>
+  <inkml:trace contextRef="#ctx0" brushRef="#br0" timeOffset="3335">4157 2463 0,'0'-25'15,"0"-1"-15,-26 26 16,1 0 0,25 26-16,-26-1 15,26 27-15,0-1 16,-26 0-16,26 26 0,-25-26 15,25 26-15,-26-25 0,26-1 16,-26 0-16,26-25 16,-25 0-16,25-1 0,25-50 31,-25-1-31,26 0 0,-26-25 16,26 0-16,-1-26 15,1 0-15,0-26 0,-1 26 16,1 0-16,0 0 0,-1 0 15,1 52-15,0-1 16,-1 26-16,1 0 0,0 26 16,-26 25-16,25 26 15,-25 0-15,0 0 0,0 0 16,0 0-16,0-26 0,26 26 16,-26-26-16,0-25 15,0 0-15,-26-1 0</inkml:trace>
+  <inkml:trace contextRef="#ctx0" brushRef="#br0" timeOffset="3473">4106 2694 0,'-26'-51'15,"26"-1"-15,0 27 0,0-26 16,51 25-16,-25 0 0,51 1 16,-26-1-16,52 26 15,-26-26-15,0 26 0,-26 0 16,0 0-16</inkml:trace>
+  <inkml:trace contextRef="#ctx0" brushRef="#br0" timeOffset="8275">2335 3926 0,'0'-26'0,"-25"26"15,25-26-15,0 1 16,0 50 0,0 1-1,0 0-15,0-1 16,0 27-16,0-1 0,0 26 16,0-26-16,0 26 0,0 0 15,0 0-15,0 0 16,0 0-16,25 0 0,-25-26 15,26 26-15,-26-25 16,0-27-16,26 27 0,-26-27 16,0 1-16</inkml:trace>
+  <inkml:trace contextRef="#ctx0" brushRef="#br0" timeOffset="8947">2669 5029 0,'0'-26'15,"-26"26"-15,26-25 16,-51 25-16,25 0 16,-25 0-16,0 0 0,-26 0 15,0 0-15,0 0 0,0 0 16,-26 0-16,26 25 16,-25 1-16,25-26 0,0 26 15,0 25-15,25-26 0,1 1 16,25 25-16,26-25 15,26 25-15,0-25 0,25 25 16,26-25-16,0 0 16,51-1-16,-25 1 0,51 0 15,-26-26-15,26 0 0,-26 0 16,26 0-16,-51-26 16,25 0-16,-25 1 0,-26-1 15,-26 0-15,0 1 16,-25-27-16,-26 27 0,0-27 15,-26 1-15,1 25 0,-27-25 16,-25 0-16,26 25 16,-52 1-16,27-1 0,-27 26 15,0 0-15,1 0 16,-78 26-16,129-1 16,-26 1-16,51-26 0</inkml:trace>
+  <inkml:trace contextRef="#ctx0" brushRef="#br0" timeOffset="10170">1643 5465 0,'0'-26'16,"25"26"0,-25-25-16,0-1 15,0 0 1,0 52 46,0 0-46,0 51 0,0-26-16,0 0 0,0 1 0,0-1 15,0 26-15,0-26 16,0 26-16,0-25 0,0 24 16,0-24-16,0-1 15,0 0-15,0 1 0,0-27 16,0 27-16,0-27 0,0 1 15,0 0-15,0-1 16,0 1-16,0 0 16,0-1-16,0 1 15,26-26 1,0 0 0,-1 0-16,1 0 15,0 0-15,25 0 0,0 0 16,1 0-16,-1 0 15,26 0-15,0 0 0,25 0 16,1 0-16,0-26 0,-1 26 16,1 0-16,25 0 15,-25 0-15,-1 0 0,27 0 16,-52 0-16,0 0 16,0 0-16,-26 26 0,0-26 15,1 0-15,-27 0 0,-25 26 16,26-26-16,-52 0 31,1 0-15,25-26-1,0 0-15</inkml:trace>
+  <inkml:trace contextRef="#ctx0" brushRef="#br0" timeOffset="10466">3413 5542 0,'-26'-26'16,"26"-25"-16,-25 25 0,25 1 16,-26-1-16,0 26 15,26 26 1,0-1-16,0 1 15,0 0-15,0 25 16,0 0-16,0 1 0,0 25 16,0-26-16,0 26 0,0 0 15,0 0-15,0 0 16,0-26-16,0 26 0,0-26 16,0 1-16,-25-1 0,25-25 15,0 25-15,0-25 16</inkml:trace>
+  <inkml:trace contextRef="#ctx0" brushRef="#br0" timeOffset="10873">3798 5799 0,'0'-26'0,"0"0"16,0 1-16,0-1 16,0 52 15,0-1-31,0 1 16,0 25-16,25-25 0,-25 25 15,0 1-15,0 24 0,0-24 16,0-1-16,0 0 15,0-25-15,0 0 0,0-1 16</inkml:trace>
+  <inkml:trace contextRef="#ctx0" brushRef="#br0" timeOffset="11233">3772 6029 0,'26'-25'0,"-26"-1"16,25 1-1,1 25 1,0-26-16,-1 26 16,27-26-16,-27 26 0,27 0 15,-1-25-15,-25 25 16,25-26-16,-25 26 0,-1-26 16,1 1-16,-26-1 15,0 0-15,0 1 16,-26-1-16,26 0 0,-25 1 15,-1-1-15,26 0 16,0 52 0,0 0-1,0-1-15,0 1 16,0 25-16,26 1 0,-26-1 16,0 0-16,0 1 0,0 24 15,0-24-15,25-27 16,-25 27-16,0-27 0,0 1 15</inkml:trace>
+  <inkml:trace contextRef="#ctx0" brushRef="#br0" timeOffset="11454">4567 5670 0,'0'-25'15,"0"50"1,-25-25 0,25 26-16,0 0 15,0 25-15,0 0 0,0-25 16,0 77 0,0-52-16,0 0 0,0-25 15,0 25-15</inkml:trace>
+  <inkml:trace contextRef="#ctx0" brushRef="#br0" timeOffset="11749">4362 5696 0,'0'-26'0,"0"1"15,0-27 1,26 52-16,0-25 0,25 25 15,-25 0-15,25 0 0,0 0 16,26 25-16,-26-25 0,1 26 16,-1 25-16,-25-25 15,-1 25-15,1 1 0,-26-1 16,0 0-16,-51 1 16,25-1-16,-25 0 0,-1-25 15,1 25-15,-26-25 0,26-1 16,0 1-16,-1-26 15,27 0-15,-27 0 0,27 0 16</inkml:trace>
+  <inkml:trace contextRef="#ctx0" brushRef="#br0" timeOffset="12362">5029 5696 0,'0'-26'0,"0"1"16,26 50 15,-26 1-31,26 0 16,-26-1-16,25 1 0,-25 25 15,26-25-15,-26 25 16,0-25-16,26 0 0,-26 25 15,0-26-15,0 1 16,-26-52 15,26 1-15,0-1-16,0-25 0,0 0 16,0-1-16,0-25 15,26-51-15,-1 51 16,1 26-16,0-1 15,-1 27-15,1-27 0,25 52 16,-25 0-16,25 0 0,-25 0 16,25 0-16,-25 26 15,-1 0-15,-25-1 0,0 1 16,0 25-16,0-25 0,-25 0 16,-1 25-16,-25-25 15,25-1-15,1 1 0,-27 0 16,27-26-16,25 25 15,0-50 1,51 25-16,-25 0 16,25 0-16,0 0 15,26 0-15,-26 0 0,26 25 16,-25-25-16,-1 26 16,-25 0-16,-26 25 0,-26-25 15,-25-1-15,-52 27 0,0-27 16,-25 1-16,-26-1 15,-25 1-15</inkml:trace>
+  <inkml:trace contextRef="#ctx0" brushRef="#br0" timeOffset="13232">7107 5362 0,'0'-25'15,"0"-1"1,0 52 0,0-1-1,0 1-15,0 0 0,0-1 16,0 27-16,0-1 16,-25 0-16,25 1 0,0-1 15,0-25-15,0 25 16,0-25-16,0-1 0,25-25 15</inkml:trace>
+  <inkml:trace contextRef="#ctx0" brushRef="#br0" timeOffset="13574">7261 5183 0,'-25'-52'16,"-1"27"-16,-25 25 0,-1 0 15,1 0-15,-26 25 16,0 27-16,0-1 0,0 0 16,26 52-16,-26-26 0,51 0 15,-25 26-15,51-1 16,0-25-16,26 0 0,25 0 16,0-26-16,26 1 0,0-27 15,26 1-15,0-26 16,-1-26-16,26 1 0,-25-27 15,0-24-15,-1-1 16,-25 0-16,-25-52 0,-1 27 16,-51-27-16,-26 27 15,-25-1-15,-26 0 0,-26 52 16,-25-26-16,-26 52 0,0 25 16,-25 25-16,25 1 15</inkml:trace>
+  <inkml:trace contextRef="#ctx0" brushRef="#br0" timeOffset="16657">1027 2309 0,'-26'0'0,"1"0"16,-1 0-16,0 0 31,26-25-31,0-1 16,0 0 0,0 1-16,0-1 15,0-25-15,0 25 16,26-25-16,-26 25 0,26-25 15,25-1-15,-25-25 0,51 0 16,-1 1-16,1 24 16,52-50-16,-1 25 0,52 25 15,-1-25-15,52 0 16,0 26-16,0 25 0,51-25 16,0 25-16,26 1 0,0-1 15,26 26-15,-26-26 16,-1 26-16,27 0 0,-52 0 15,-25 26-15,-1-26 16,-50 26-16,-27-26 16,-25 25-16,-26 1 0,-25 0 0,-26-1 15,-26-25-15,-25 26 16,25-26-16,-51 26 0,26-26 16,0 25-16,-1 1 15,-50-26 48,-1 0-63,0-26 15</inkml:trace>
+  <inkml:trace contextRef="#ctx0" brushRef="#br0" timeOffset="16982">6671 898 0,'-25'0'0,"25"26"31,0-1-15,25-25-1,-25 26-15,26 0 0,0-1 16,-1 1-16,1 0 15,0-1-15,-1 27 0,1-27 16,25 27-16,-25-27 0,0 1 16,-26 25-16,25-25 15,-25 0-15,0-1 0,0 1 16,-25-26 0,-27 26-16,1-1 0,0-25 0,-1 26 15,1 0-15,-26-26 16,26 25-16,-1 1 0,1-26 15</inkml:trace>
+  <inkml:trace contextRef="#ctx0" brushRef="#br0" timeOffset="17904">8519 1026 0,'0'-25'0,"0"-1"15,0 0 1,-26 26-16,0-25 16,1 25-16,-1 0 0,0-26 15,-25 26-15,25 0 16,-25 26-16,-26-26 16,26 25-16,-1 1 0,1 0 15,0-1-15,25 1 16,1 25-16,-1-25 0,26 0 15,0-1-15,26 1 0,-1 0 16,26-1-16,1 27 0,25-27 16,-26-25-16,26 26 15,0 0-15,-26-1 0,1 1 16,-1 0-16,-25-1 0,-26 1 16,0 0-16,-26-1 15,0 1-15,-25 0 0,0-26 16,-26 25-16,25-25 15,-25 26-15,26-26 0,0 0 16,25 0-16,0-26 0,1 1 16,25-1-1</inkml:trace>
+  <inkml:trace contextRef="#ctx0" brushRef="#br0" timeOffset="18133">8673 1283 0,'25'0'16,"1"0"0,-26 26 15,26-1-15,-26 1-16,0 0 15,25-1-15,-25 27 16,26-1-16,-26-25 15,0-1-15,0 1 16,25-26-16</inkml:trace>
+  <inkml:trace contextRef="#ctx0" brushRef="#br0" timeOffset="18275">8775 975 0,'0'26'47</inkml:trace>
+  <inkml:trace contextRef="#ctx0" brushRef="#br0" timeOffset="18844">8955 1206 0,'0'26'0,"0"-52"31,25 26-31,1 0 16,0 0-16,-1 0 16,1 26-16,0-1 15,-26 1-15,25 0 0,1 25 16,-26-25-16,0-1 15,0 1-15,0 0 0,0-1 16,0 1-16,-26-26 16,26-26-1,0 1 1,0-1-16,0 0 0,0-25 16,26 25-16,-26-25 15,26 25-15,-26 1 0,25-27 16,1 27-16,0 25 15,-1-26-15,1 26 0,0 0 16,-26 26-16,25-26 0,1 25 16,-26 1-16,0 0 15,0-1-15,0 1 0,0 0 16,0-1-16,0 1 16,26-52 15,-26 1-31,25-1 15,-25 0-15,26 1 0,0-1 16,-1 0-16,1 1 16,0 25-16,-26-26 0,25 26 15,1 0-15,-1 26 0,1-1 16,-26 27 0,0-27-16,0 1 0,0 25 15,26-25-15,-26 0 16</inkml:trace>
+  <inkml:trace contextRef="#ctx0" brushRef="#br0" timeOffset="19307">9878 770 0,'0'-51'0,"0"25"0,-25 0 16,25 52-1,0 0-15,0 25 16,0 0-16,25 26 0,-25 0 16,26 26-16,-26-1 15,26-25-15,-26 26 0,25 0 16,-25-1-16,26-25 0,-26 0 16,0 0-16,26-26 15,-26-25-15,25 0 0,-25-1 16,0-50-16,0-1 15,-25 0-15,25-25 16,-26 0-16,26-26 0,-26 0 16,26 0-16,0 0 15,0 0-15,0 0 0,0 0 16,26 26-16,0-1 16,-1 27-16,27-1 0,-1 0 15,0 26-15,-25 0 0,25 26 16,1 0-16,-27-1 15,1 1-15,0 0 0,-26-1 16,0 1-16,-26 0 0,0-1 16,-25 1-16,0-26 15,-1 26-15,1-26 0,25 0 16,-25-26-16,25 26 16</inkml:trace>
+  <inkml:trace contextRef="#ctx0" brushRef="#br0" timeOffset="19528">10366 770 0,'26'-26'15,"-1"1"1,1 25 0,-26 25-1,0 1-15,26 25 16,-26 1-16,25-1 0,1 0 15,-26 0-15,0 1 0,25 76 16,-25-102 0,26 25-16,-26-25 0,0-1 15</inkml:trace>
+  <inkml:trace contextRef="#ctx0" brushRef="#br0" timeOffset="19708">10751 1026 0,'0'-25'0,"25"25"32,1 25-17,-26 1 1,26 0-16,-26-1 16,0 1-16,0 0 0,25-26 15,-25 25-15</inkml:trace>
+  <inkml:trace contextRef="#ctx0" brushRef="#br0" timeOffset="20066">11084 488 0,'0'-77'0,"26"25"16,-26-25-16,0 26 0,0 0 15,0-1-15,0 1 16,0 25-16,0 1 0,0-1 16,-26 26-16,1 26 15,25-1 1,0 1-16,0 25 0,25 1 16,-25 25-16,26-26 15,0 52-15,-1-26 0,-25 25 16,26 1-16,0 0 0,-1-1 15,-25 1-15,0-1 16,26 1-16,-26 0 0,0-26 16,0 0-16,0 0 15,0 0-15,0-26 0,-26-25 16,26-1-16,-25 1 0,-1-26 16</inkml:trace>
+  <inkml:trace contextRef="#ctx0" brushRef="#br0" timeOffset="20428">10982 1026 0,'0'-25'0,"25"-1"16,-25 0-16,26 26 0,0-25 15,25 25-15,0-26 16,1 26-16,-27 0 0,27-25 15,-1 25-15,0 0 0,-25 0 16,-1 0-16,1 0 16,-26-26-16,0 0 15,0 1 1,0-1 0,-26 26-16,26-26 0,-25 52 31,25 0-16,0 25-15,0-25 16,0-1-16,0 26 16,0 1-16,25-27 0,-25 27 15,0-27-15,0 1 16,0 0-16</inkml:trace>
+  <inkml:trace contextRef="#ctx0" brushRef="#br0" timeOffset="20585">11520 616 0,'0'-26'16,"0"1"-16,-25 25 0,25-26 16</inkml:trace>
+  <inkml:trace contextRef="#ctx0" brushRef="#br0" timeOffset="20975">11674 848 0,'-25'26'16,"50"-26"15,1 0-31,0-26 16,-1 26-16,27 0 15,-27 0-15,27 0 0,-27-26 16,27 26-16,-27 0 0,1 0 16,0-25-16,-1 25 15,-25-26-15,-25 26 16,-1 0-16,0-26 15,1 26-15,-27 0 0,1 0 16,0 0-16,25 26 16,-25-26-16,25 26 0,0-1 15,1 1-15,25 0 0,0-1 16,0 26-16,25-25 16,1 0-16,25 25 0,-25-25 15,25-1-15,1 1 16,-1-26-16,0 0 0</inkml:trace>
+  <inkml:trace contextRef="#ctx0" brushRef="#br0" timeOffset="21401">12649 898 0,'26'-25'16,"-26"-1"-16,0 0 15,-26 1-15,26-1 0,-25 0 16,-1 1-16,0 25 0,1-26 15,-1 26-15,-25 0 0,-1 26 16,27-26-16,-27 25 16,27 1-16,-1 0 0,0-1 15,1 1-15,25 0 16,0-1-16,0 1 0,0-1 16,25-25-16,27 0 0,-27 0 15,27 0-15,-1 0 16,0-25-16,1-1 0,-1 1 15,0-27-15,1 27 16,-27-27-16,1 1 0,-26-26 16,0 0-16,0 0 15,0 0-15,-26 0 0,26 0 16,-25 26-16,-1-26 0,26 51 16,0 0-16,-26 26 15,26 26-15,-25 25 16,25 26-16,0 0 0,0 26 15,0 0-15,0-1 16,0 27-16,0-1 0,25-26 16,-25 27-16,0-27 15</inkml:trace>
+  <inkml:trace contextRef="#ctx0" brushRef="#br0" timeOffset="22043">7313 2438 0,'25'-52'0,"-25"27"0,0-1 16,26 26 0,-26 51-16,0 1 15,0-1-15,26 26 16,-26 0-16,25 0 0,-25 0 15,0 0-15,26 0 16,-26 0-16,0-26 0,0 0 16,0 1-16,0-27 15,-26 1-15,26 0 0,-25-26 16</inkml:trace>
+  <inkml:trace contextRef="#ctx0" brushRef="#br0" timeOffset="22356">7390 2745 0,'0'-77'0,"25"-25"0,1 25 16,-26 0-16,0 0 0,26 26 16,-26 25-16,-26 52 15,0-1 1,1 27-16,-27 25 0,1-26 16,0 26-16,-1 0 15,-25 0-15,26 0 0,0-26 16,0 0-16,25 1 15,0-27-15,1 1 0,25 0 16,25-26-16,1-26 16,25 26-16,-25-26 15,51 26-15,-26 0 0,26-25 16,26 25-16,-26 0 16,0 0-16,25 0 0,-25 0 15,-25 0-15,25 0 0,-52 0 16,27 0-16,-27 0 15</inkml:trace>
+  <inkml:trace contextRef="#ctx0" brushRef="#br0" timeOffset="22599">8005 2001 0,'0'-25'0,"-25"-1"16,25 0-16,0 52 31,0 0-31,0 25 16,0 0-16,0 1 0,0-1 16,0 26-16,0-26 15,0 1-15,0-1 0,0 0 16,0-25-16,0 0 0</inkml:trace>
+  <inkml:trace contextRef="#ctx0" brushRef="#br0" timeOffset="23062">7903 2309 0,'-26'-25'16,"26"-1"-1,26 26 1,0 0-1,-1 0-15,26 0 16,-25-26-16,25 26 0,1 0 16,-27-25-16,27 25 0,-27-26 15,27 26-15,-52-26 16,25 1-16,-25-1 0,0 0 16,0 1-1,-25-1-15,25 0 0,-26 26 16,26-25-16,-26 25 0,26 25 15,0 1 1,0 0-16,0-1 16,0 27-16,0-27 15,0 1-15,0 0 0,26-26 16,-26 25-16,26 1 16,-1-26-1,1-26-15,0 26 0,-1-25 16,1 25-16,0-26 15,-1 0-15,1 26 16,0 0-16,-26 26 0,25 0 16,-25 25-1,0-25-15,0 25 0,0 0 16,0 1-16,0-27 16,0 27-16</inkml:trace>
+  <inkml:trace contextRef="#ctx0" brushRef="#br0" timeOffset="23531">9109 2361 0,'25'-52'0,"-25"27"0,0-1 16,0 0-16,0 1 15,-25-1-15,-1 26 16,0 0-16,1 26 16,-1-1-16,0 27 0,-25-27 15,25 52-15,1-25 16,-27-1-16,27 26 0,25-26 16,-26 26-16,26-26 0,0 1 15,26-1-15,-1-25 16,27-1-16,-27 1 0,27-26 15,25 0-15,-26 0 0,0 0 16,26-26-16,-25 1 16,-1-1-16,-25-25 0,-1-1 15,1 27-15,0-27 16,-26 27-16,0-27 0,-26 52 16,0 26-1,1 0-15,-1 25 16,0 0-16,26 26 0,-25-25 15,25 25-15,0 0 16,0 51-16,25-77 16,-25-25-16,26 0 0,0-1 15</inkml:trace>
+  <inkml:trace contextRef="#ctx0" brushRef="#br0" timeOffset="23939">9827 2720 0,'-26'0'0,"1"0"15,-1 0-15,26-26 16,26 52 31,-1-1-32,1 1-15,0-26 16,-1 0-16,1 0 0,0 0 16,-1 0-16,1 0 15,-26-26-15,26 26 0,-1-25 16,-25-1-16,0 0 0,0 1 16,-25-1-16,-1 0 15,0 26-15,26-25 0,-25 25 16,-1 0-16,0 0 15,1 25-15,-1 1 0,26 25 16,-26-25-16,26 25 0,0 1 16,26-1-16,-26-25 15,26 25-15,25-25 0,-25-1 16,25 1-16,0-26 16,1 0-16</inkml:trace>
+  <inkml:trace contextRef="#ctx0" brushRef="#br0" timeOffset="25397">10340 2720 0,'0'-52'0,"-25"1"0,-1 0 16,26 0-16,-26 25 0,26 0 15,0 1-15,0 50 32,0 1-32,26 0 0,-26 25 15,0-26-15,26 27 16,-26-27-16,25 27 0,-25-27 15,0 1-15,26-26 0,-26 26 16,26-26 0,-26-26-1,25 0-15,-25 1 16,26-1-16,0-25 0,-26 25 16,25 26-16,1-26 0,-26 1 15,25 25-15,1 25 16,-26 1-16,26 0 15,-26-1 1,0 1-16,0 0 0,25-1 16,-25 1-16,26 0 0,0-26 15,-1 0-15,1 0 16,25 0-16,-25 0 0,25-26 16,1 26-16,-1-26 15,0 1-15,1-1 0,-27 0 16,1 1-16,0-27 0,-1 1 15,-25 26-15,0-27 16,0 27-16,-25-1 0,-1 0 16,0 1-16,1 25 0,-1 25 15,0-25-15,1 52 16,-1-27-16,0 27 0,1-1 16,25 0-16,-26 0 15,26 1-15,0-27 0,26 1 16,-1 0-16,1-1 15,25-25-15,1 0 0,-1 0 16,0 0-16,1-25 0,-1-1 16,0 0-16,0 1 15,-25-1-15,0-25 0,-26 25 16,0-25-16,0 25 16,-26 1-16,0-1 0,1 0 15,-1 1-15,26-1 0,-25 26 16,25-26-16,25 52 31,1-26-31,-1 26 0,27-1 16,-27 27-16,1-27 15,0 26-15,-1-25 0,-25 25 16,0-25-16,0 0 16,0-1-16,-25 1 15,-1-26-15,26-26 16,0 1-16,0-27 15,0 27-15,0-27 0,0 27 16,26-26-16,-26-1 16,25 1-16,1 25 0,25 1 15,-25-1-15,0 26 16,25 0-16,-25 0 0,25 26 16,0-1-16,26 1 15,-25-26-15,-1 26 0,0-1 16,1-25-16,-27 0 0,1 0 15,-1 0-15,-25-25 16,0-1 0,-25 0-16,-1 1 0,1 25 0,-1-26 15,0 0-15,-25 1 16,25-1-16,1 0 0,-1 26 16,0 0-16,1-25 0,-1 25 15,0 25 1,1 1-16,-1 0 0,26-1 15,-26 1-15,26 0 16,0 25-16,0 0 16,0-25-16,26-26 15,0 26-15,-1-1 0,1-25 16,0 0-16,25 0 0,-25 0 16,-1 0-16,27-25 15,-27 25-15,1-26 0,0 26 16,-26-26-16,25 26 0,-25 26 62,0 0-62,26-26 16,-1 25-16,1 1 16,0-26-16,-1 0 15,1 0-15,25 0 0,-25-26 16,0 1-16,-1-1 15,27 0-15,-27 1 0,1-27 16,-26 1-16,26 0 0,-26-1 16,0-25-16,0 26 15,0 0-15,0-1 0,-26 1 16,26 0-16,-26 51 16,26 25-1,0 27-15,0-1 16,26 0-16,-26 26 0,26 0 15,-1 0-15,-25 0 0,26 0 16,0 0-16,-26-26 16,25-25-16,-25 0 0</inkml:trace>
+  <inkml:trace contextRef="#ctx0" brushRef="#br0" timeOffset="25711">12572 2412 0,'0'-51'0,"-25"51"0,25-26 15,0 0-15,25 26 16,1-25 0,0 25-16,-1 0 0,27-26 15,-1 26-15,0-26 0,1 26 16,-1-25-16,0-1 16,-25 26-16,0-26 0,-1 1 15,-25-1 1,-25 0-1,-1 26-15,0 26 16,26 0 0,0 25-16,0-25 15,26 25-15,-26-25 16,0 25-16,26 0 0,-26 1 16,25-27-16,-25 1 0,0 0 15,26-1-15</inkml:trace>
+  <inkml:trace contextRef="#ctx0" brushRef="#br0" timeOffset="25853">12983 1847 0,'0'-25'16,"-26"-27"-16,26 78 31,0 0-31</inkml:trace>
+  <inkml:trace contextRef="#ctx0" brushRef="#br0" timeOffset="26621">13342 2104 0,'-26'0'16,"1"-26"-1,-1 52 1,26 0 0,0 25-16,0-25 15,-26 25-15,26 0 0,0-25 16,26 25-16,0 1 16,-26-27-16,25 27 0,1-27 15,25-25-15,-25 26 0,0-26 16,25 0-16,-25 0 15,25-26-15,-25 1 0,-1-1 16,1 0-16,0 1 0,-26-27 16,0 1-16,-26 0 15,0-1-15,1 1 0,-1 0 16,-25-1-16,25 1 16,0 25-16,-25 1 0,25 25 15,1 0-15,-1 25 16,26 1-16,-26 0 0,26 25 15,0-25-15,26 25 0,-26-25 16,26-1-16,-1 1 16,1 0-16,0-1 15,-1-25-15,1 0 0,-26-25 16,26 25-16,-1-26 16,-25 0-16,26 26 0,0-25 15,-1-1-15,-25 0 16,26 1-16,0-1 0,-1 0 15,1 26-15,0 0 16,-1 0-16,-25 26 16,26 0-16,-26-1 0,26 27 15,-26-27-15,25 1 16,-25 0-16,0-1 0,0 1 16,26 0-16,-26-1 15,25-25 1,-25-25-1,26 25-15,0-26 0,-1 0 16,1 1-16,0-1 0,-1 0 16,1 1-16,0-1 15,-1 0-15,1 1 0,0 25 16,-1 0-16,1 25 0,25-25 16,-25 26-16,0 0 0,-1 25 15,27-25-15,-27-1 16,1 1-16,-26 0 15</inkml:trace>
+</inkml:ink>
+</file>
+
 <file path=ppt/notesMasters/notesMaster1.xml><?xml version="1.0" encoding="utf-8"?>
 <p:notesMaster xmlns:a="http://schemas.openxmlformats.org/drawingml/2006/main" xmlns:r="http://schemas.openxmlformats.org/officeDocument/2006/relationships" xmlns:p="http://schemas.openxmlformats.org/presentationml/2006/main">
   <p:cSld>
@@ -281,7 +576,7 @@
           <a:p>
             <a:fld id="{4AF2A06D-4991-4208-8C88-4E8BAD69A8B8}" type="datetimeFigureOut">
               <a:rPr lang="en-US" smtClean="0"/>
-              <a:t>11/14/2021</a:t>
+              <a:t>11/15/2021</a:t>
             </a:fld>
             <a:endParaRPr lang="en-US"/>
           </a:p>
@@ -905,7 +1200,7 @@
           <a:p>
             <a:fld id="{E26E0DA5-0C76-4851-AA82-0B75261F9EB4}" type="datetimeFigureOut">
               <a:rPr lang="en-US" smtClean="0"/>
-              <a:t>11/14/2021</a:t>
+              <a:t>11/15/2021</a:t>
             </a:fld>
             <a:endParaRPr lang="en-US"/>
           </a:p>
@@ -1073,7 +1368,7 @@
           <a:p>
             <a:fld id="{E26E0DA5-0C76-4851-AA82-0B75261F9EB4}" type="datetimeFigureOut">
               <a:rPr lang="en-US" smtClean="0"/>
-              <a:t>11/14/2021</a:t>
+              <a:t>11/15/2021</a:t>
             </a:fld>
             <a:endParaRPr lang="en-US"/>
           </a:p>
@@ -1251,7 +1546,7 @@
           <a:p>
             <a:fld id="{E26E0DA5-0C76-4851-AA82-0B75261F9EB4}" type="datetimeFigureOut">
               <a:rPr lang="en-US" smtClean="0"/>
-              <a:t>11/14/2021</a:t>
+              <a:t>11/15/2021</a:t>
             </a:fld>
             <a:endParaRPr lang="en-US"/>
           </a:p>
@@ -1578,7 +1873,7 @@
             <a:fld id="{9578D6DB-6798-42D2-B9AD-FC6F1C72FC30}" type="datetimeFigureOut">
               <a:rPr lang="en-US" smtClean="0"/>
               <a:pPr/>
-              <a:t>11/14/2021</a:t>
+              <a:t>11/15/2021</a:t>
             </a:fld>
             <a:endParaRPr lang="en-US"/>
           </a:p>
@@ -1820,7 +2115,7 @@
             <a:fld id="{425404F2-BE9A-4460-8815-8F645183555F}" type="datetimeFigureOut">
               <a:rPr lang="en-US" smtClean="0"/>
               <a:pPr/>
-              <a:t>11/14/2021</a:t>
+              <a:t>11/15/2021</a:t>
             </a:fld>
             <a:endParaRPr lang="en-US"/>
           </a:p>
@@ -1948,7 +2243,7 @@
             <a:fld id="{425404F2-BE9A-4460-8815-8F645183555F}" type="datetimeFigureOut">
               <a:rPr lang="en-US" smtClean="0"/>
               <a:pPr/>
-              <a:t>11/14/2021</a:t>
+              <a:t>11/15/2021</a:t>
             </a:fld>
             <a:endParaRPr lang="en-US"/>
           </a:p>
@@ -2198,7 +2493,7 @@
             <a:fld id="{425404F2-BE9A-4460-8815-8F645183555F}" type="datetimeFigureOut">
               <a:rPr lang="en-US" smtClean="0"/>
               <a:pPr/>
-              <a:t>11/14/2021</a:t>
+              <a:t>11/15/2021</a:t>
             </a:fld>
             <a:endParaRPr lang="en-US"/>
           </a:p>
@@ -2368,7 +2663,7 @@
             <a:fld id="{425404F2-BE9A-4460-8815-8F645183555F}" type="datetimeFigureOut">
               <a:rPr lang="en-US" smtClean="0"/>
               <a:pPr/>
-              <a:t>11/14/2021</a:t>
+              <a:t>11/15/2021</a:t>
             </a:fld>
             <a:endParaRPr lang="en-US"/>
           </a:p>
@@ -2655,7 +2950,7 @@
             <a:fld id="{425404F2-BE9A-4460-8815-8F645183555F}" type="datetimeFigureOut">
               <a:rPr lang="en-US" smtClean="0"/>
               <a:pPr/>
-              <a:t>11/14/2021</a:t>
+              <a:t>11/15/2021</a:t>
             </a:fld>
             <a:endParaRPr lang="en-US"/>
           </a:p>
@@ -3076,7 +3371,7 @@
             <a:fld id="{425404F2-BE9A-4460-8815-8F645183555F}" type="datetimeFigureOut">
               <a:rPr lang="en-US" smtClean="0"/>
               <a:pPr/>
-              <a:t>11/14/2021</a:t>
+              <a:t>11/15/2021</a:t>
             </a:fld>
             <a:endParaRPr lang="en-US"/>
           </a:p>
@@ -3201,7 +3496,7 @@
             <a:fld id="{425404F2-BE9A-4460-8815-8F645183555F}" type="datetimeFigureOut">
               <a:rPr lang="en-US" smtClean="0"/>
               <a:pPr/>
-              <a:t>11/14/2021</a:t>
+              <a:t>11/15/2021</a:t>
             </a:fld>
             <a:endParaRPr lang="en-US"/>
           </a:p>
@@ -3427,7 +3722,7 @@
           <a:p>
             <a:fld id="{E26E0DA5-0C76-4851-AA82-0B75261F9EB4}" type="datetimeFigureOut">
               <a:rPr lang="en-US" smtClean="0"/>
-              <a:t>11/14/2021</a:t>
+              <a:t>11/15/2021</a:t>
             </a:fld>
             <a:endParaRPr lang="en-US"/>
           </a:p>
@@ -3551,7 +3846,7 @@
             <a:fld id="{425404F2-BE9A-4460-8815-8F645183555F}" type="datetimeFigureOut">
               <a:rPr lang="en-US" smtClean="0"/>
               <a:pPr/>
-              <a:t>11/14/2021</a:t>
+              <a:t>11/15/2021</a:t>
             </a:fld>
             <a:endParaRPr lang="en-US"/>
           </a:p>
@@ -4098,7 +4393,7 @@
             <a:fld id="{425404F2-BE9A-4460-8815-8F645183555F}" type="datetimeFigureOut">
               <a:rPr lang="en-US" smtClean="0"/>
               <a:pPr/>
-              <a:t>11/14/2021</a:t>
+              <a:t>11/15/2021</a:t>
             </a:fld>
             <a:endParaRPr lang="en-US"/>
           </a:p>
@@ -4246,7 +4541,7 @@
             <a:fld id="{425404F2-BE9A-4460-8815-8F645183555F}" type="datetimeFigureOut">
               <a:rPr lang="en-US" smtClean="0"/>
               <a:pPr/>
-              <a:t>11/14/2021</a:t>
+              <a:t>11/15/2021</a:t>
             </a:fld>
             <a:endParaRPr lang="en-US"/>
           </a:p>
@@ -4479,7 +4774,7 @@
             <a:fld id="{425404F2-BE9A-4460-8815-8F645183555F}" type="datetimeFigureOut">
               <a:rPr lang="en-US" smtClean="0"/>
               <a:pPr/>
-              <a:t>11/14/2021</a:t>
+              <a:t>11/15/2021</a:t>
             </a:fld>
             <a:endParaRPr lang="en-US"/>
           </a:p>
@@ -4717,7 +5012,7 @@
             <a:fld id="{425404F2-BE9A-4460-8815-8F645183555F}" type="datetimeFigureOut">
               <a:rPr lang="en-US" smtClean="0"/>
               <a:pPr/>
-              <a:t>11/14/2021</a:t>
+              <a:t>11/15/2021</a:t>
             </a:fld>
             <a:endParaRPr lang="en-US"/>
           </a:p>
@@ -4899,7 +5194,7 @@
             <a:fld id="{425404F2-BE9A-4460-8815-8F645183555F}" type="datetimeFigureOut">
               <a:rPr lang="en-US" smtClean="0"/>
               <a:pPr/>
-              <a:t>11/14/2021</a:t>
+              <a:t>11/15/2021</a:t>
             </a:fld>
             <a:endParaRPr lang="en-US"/>
           </a:p>
@@ -5176,7 +5471,7 @@
             <a:fld id="{425404F2-BE9A-4460-8815-8F645183555F}" type="datetimeFigureOut">
               <a:rPr lang="en-US" smtClean="0"/>
               <a:pPr/>
-              <a:t>11/14/2021</a:t>
+              <a:t>11/15/2021</a:t>
             </a:fld>
             <a:endParaRPr lang="en-US"/>
           </a:p>
@@ -5430,7 +5725,7 @@
             <a:fld id="{425404F2-BE9A-4460-8815-8F645183555F}" type="datetimeFigureOut">
               <a:rPr lang="en-US" smtClean="0"/>
               <a:pPr/>
-              <a:t>11/14/2021</a:t>
+              <a:t>11/15/2021</a:t>
             </a:fld>
             <a:endParaRPr lang="en-US"/>
           </a:p>
@@ -5600,7 +5895,7 @@
             <a:fld id="{425404F2-BE9A-4460-8815-8F645183555F}" type="datetimeFigureOut">
               <a:rPr lang="en-US" smtClean="0"/>
               <a:pPr/>
-              <a:t>11/14/2021</a:t>
+              <a:t>11/15/2021</a:t>
             </a:fld>
             <a:endParaRPr lang="en-US"/>
           </a:p>
@@ -5780,7 +6075,7 @@
             <a:fld id="{425404F2-BE9A-4460-8815-8F645183555F}" type="datetimeFigureOut">
               <a:rPr lang="en-US" smtClean="0"/>
               <a:pPr/>
-              <a:t>11/14/2021</a:t>
+              <a:t>11/15/2021</a:t>
             </a:fld>
             <a:endParaRPr lang="en-US"/>
           </a:p>
@@ -6026,7 +6321,7 @@
           <a:p>
             <a:fld id="{E26E0DA5-0C76-4851-AA82-0B75261F9EB4}" type="datetimeFigureOut">
               <a:rPr lang="en-US" smtClean="0"/>
-              <a:t>11/14/2021</a:t>
+              <a:t>11/15/2021</a:t>
             </a:fld>
             <a:endParaRPr lang="en-US"/>
           </a:p>
@@ -6255,7 +6550,7 @@
           <a:p>
             <a:fld id="{E26E0DA5-0C76-4851-AA82-0B75261F9EB4}" type="datetimeFigureOut">
               <a:rPr lang="en-US" smtClean="0"/>
-              <a:t>11/14/2021</a:t>
+              <a:t>11/15/2021</a:t>
             </a:fld>
             <a:endParaRPr lang="en-US"/>
           </a:p>
@@ -6619,7 +6914,7 @@
           <a:p>
             <a:fld id="{E26E0DA5-0C76-4851-AA82-0B75261F9EB4}" type="datetimeFigureOut">
               <a:rPr lang="en-US" smtClean="0"/>
-              <a:t>11/14/2021</a:t>
+              <a:t>11/15/2021</a:t>
             </a:fld>
             <a:endParaRPr lang="en-US"/>
           </a:p>
@@ -6736,7 +7031,7 @@
           <a:p>
             <a:fld id="{E26E0DA5-0C76-4851-AA82-0B75261F9EB4}" type="datetimeFigureOut">
               <a:rPr lang="en-US" smtClean="0"/>
-              <a:t>11/14/2021</a:t>
+              <a:t>11/15/2021</a:t>
             </a:fld>
             <a:endParaRPr lang="en-US"/>
           </a:p>
@@ -6831,7 +7126,7 @@
           <a:p>
             <a:fld id="{E26E0DA5-0C76-4851-AA82-0B75261F9EB4}" type="datetimeFigureOut">
               <a:rPr lang="en-US" smtClean="0"/>
-              <a:t>11/14/2021</a:t>
+              <a:t>11/15/2021</a:t>
             </a:fld>
             <a:endParaRPr lang="en-US"/>
           </a:p>
@@ -7106,7 +7401,7 @@
           <a:p>
             <a:fld id="{E26E0DA5-0C76-4851-AA82-0B75261F9EB4}" type="datetimeFigureOut">
               <a:rPr lang="en-US" smtClean="0"/>
-              <a:t>11/14/2021</a:t>
+              <a:t>11/15/2021</a:t>
             </a:fld>
             <a:endParaRPr lang="en-US"/>
           </a:p>
@@ -7358,7 +7653,7 @@
           <a:p>
             <a:fld id="{E26E0DA5-0C76-4851-AA82-0B75261F9EB4}" type="datetimeFigureOut">
               <a:rPr lang="en-US" smtClean="0"/>
-              <a:t>11/14/2021</a:t>
+              <a:t>11/15/2021</a:t>
             </a:fld>
             <a:endParaRPr lang="en-US"/>
           </a:p>
@@ -7569,7 +7864,7 @@
           <a:p>
             <a:fld id="{E26E0DA5-0C76-4851-AA82-0B75261F9EB4}" type="datetimeFigureOut">
               <a:rPr lang="en-US" smtClean="0"/>
-              <a:t>11/14/2021</a:t>
+              <a:t>11/15/2021</a:t>
             </a:fld>
             <a:endParaRPr lang="en-US"/>
           </a:p>
@@ -8126,7 +8421,7 @@
             <a:fld id="{425404F2-BE9A-4460-8815-8F645183555F}" type="datetimeFigureOut">
               <a:rPr lang="en-US" smtClean="0"/>
               <a:pPr/>
-              <a:t>11/14/2021</a:t>
+              <a:t>11/15/2021</a:t>
             </a:fld>
             <a:endParaRPr lang="en-US"/>
           </a:p>
@@ -9215,6 +9510,584 @@
           </a:fontRef>
         </p:style>
       </p:cxnSp>
+      <p:sp>
+        <p:nvSpPr>
+          <p:cNvPr id="2" name="Oval 1">
+            <a:extLst>
+              <a:ext uri="{FF2B5EF4-FFF2-40B4-BE49-F238E27FC236}">
+                <a16:creationId xmlns:a16="http://schemas.microsoft.com/office/drawing/2014/main" id="{A57835C3-39FE-47D3-A255-B8F01F6FAC82}"/>
+              </a:ext>
+            </a:extLst>
+          </p:cNvPr>
+          <p:cNvSpPr/>
+          <p:nvPr/>
+        </p:nvSpPr>
+        <p:spPr>
+          <a:xfrm>
+            <a:off x="1454726" y="974703"/>
+            <a:ext cx="775855" cy="692039"/>
+          </a:xfrm>
+          <a:prstGeom prst="ellipse">
+            <a:avLst/>
+          </a:prstGeom>
+        </p:spPr>
+        <p:style>
+          <a:lnRef idx="2">
+            <a:schemeClr val="accent1">
+              <a:shade val="50000"/>
+            </a:schemeClr>
+          </a:lnRef>
+          <a:fillRef idx="1">
+            <a:schemeClr val="accent1"/>
+          </a:fillRef>
+          <a:effectRef idx="0">
+            <a:schemeClr val="accent1"/>
+          </a:effectRef>
+          <a:fontRef idx="minor">
+            <a:schemeClr val="lt1"/>
+          </a:fontRef>
+        </p:style>
+        <p:txBody>
+          <a:bodyPr rtlCol="0" anchor="ctr"/>
+          <a:lstStyle/>
+          <a:p>
+            <a:pPr algn="ctr"/>
+            <a:endParaRPr lang="en-US"/>
+          </a:p>
+        </p:txBody>
+      </p:sp>
+      <p:sp>
+        <p:nvSpPr>
+          <p:cNvPr id="3" name="TextBox 2">
+            <a:extLst>
+              <a:ext uri="{FF2B5EF4-FFF2-40B4-BE49-F238E27FC236}">
+                <a16:creationId xmlns:a16="http://schemas.microsoft.com/office/drawing/2014/main" id="{A65CBBB1-45F4-4517-8A3D-CC54FBE5DDCB}"/>
+              </a:ext>
+            </a:extLst>
+          </p:cNvPr>
+          <p:cNvSpPr txBox="1"/>
+          <p:nvPr/>
+        </p:nvSpPr>
+        <p:spPr>
+          <a:xfrm>
+            <a:off x="2336800" y="1089891"/>
+            <a:ext cx="5246255" cy="461665"/>
+          </a:xfrm>
+          <a:prstGeom prst="rect">
+            <a:avLst/>
+          </a:prstGeom>
+          <a:noFill/>
+        </p:spPr>
+        <p:txBody>
+          <a:bodyPr wrap="square" rtlCol="0">
+            <a:spAutoFit/>
+          </a:bodyPr>
+          <a:lstStyle/>
+          <a:p>
+            <a:r>
+              <a:rPr lang="en-US" sz="2400" dirty="0"/>
+              <a:t>Mid 2013 – Project Orca</a:t>
+            </a:r>
+          </a:p>
+        </p:txBody>
+      </p:sp>
+      <p:sp>
+        <p:nvSpPr>
+          <p:cNvPr id="4" name="Oval 3">
+            <a:extLst>
+              <a:ext uri="{FF2B5EF4-FFF2-40B4-BE49-F238E27FC236}">
+                <a16:creationId xmlns:a16="http://schemas.microsoft.com/office/drawing/2014/main" id="{D143AFF5-057B-45FE-A5BC-72D81E2D9D10}"/>
+              </a:ext>
+            </a:extLst>
+          </p:cNvPr>
+          <p:cNvSpPr/>
+          <p:nvPr/>
+        </p:nvSpPr>
+        <p:spPr>
+          <a:xfrm>
+            <a:off x="1454726" y="2068945"/>
+            <a:ext cx="775855" cy="692039"/>
+          </a:xfrm>
+          <a:prstGeom prst="ellipse">
+            <a:avLst/>
+          </a:prstGeom>
+        </p:spPr>
+        <p:style>
+          <a:lnRef idx="2">
+            <a:schemeClr val="accent1">
+              <a:shade val="50000"/>
+            </a:schemeClr>
+          </a:lnRef>
+          <a:fillRef idx="1">
+            <a:schemeClr val="accent1"/>
+          </a:fillRef>
+          <a:effectRef idx="0">
+            <a:schemeClr val="accent1"/>
+          </a:effectRef>
+          <a:fontRef idx="minor">
+            <a:schemeClr val="lt1"/>
+          </a:fontRef>
+        </p:style>
+        <p:txBody>
+          <a:bodyPr rtlCol="0" anchor="ctr"/>
+          <a:lstStyle/>
+          <a:p>
+            <a:pPr algn="ctr"/>
+            <a:endParaRPr lang="en-US"/>
+          </a:p>
+        </p:txBody>
+      </p:sp>
+      <p:sp>
+        <p:nvSpPr>
+          <p:cNvPr id="9" name="TextBox 8">
+            <a:extLst>
+              <a:ext uri="{FF2B5EF4-FFF2-40B4-BE49-F238E27FC236}">
+                <a16:creationId xmlns:a16="http://schemas.microsoft.com/office/drawing/2014/main" id="{1E8C0417-70FF-46DE-8556-34CD4E2533E9}"/>
+              </a:ext>
+            </a:extLst>
+          </p:cNvPr>
+          <p:cNvSpPr txBox="1"/>
+          <p:nvPr/>
+        </p:nvSpPr>
+        <p:spPr>
+          <a:xfrm>
+            <a:off x="2336800" y="2184131"/>
+            <a:ext cx="5246255" cy="461665"/>
+          </a:xfrm>
+          <a:prstGeom prst="rect">
+            <a:avLst/>
+          </a:prstGeom>
+          <a:noFill/>
+        </p:spPr>
+        <p:txBody>
+          <a:bodyPr wrap="square" rtlCol="0">
+            <a:spAutoFit/>
+          </a:bodyPr>
+          <a:lstStyle/>
+          <a:p>
+            <a:r>
+              <a:rPr lang="en-US" sz="2400" dirty="0"/>
+              <a:t>2014 – SAP Cloud for planning</a:t>
+            </a:r>
+          </a:p>
+        </p:txBody>
+      </p:sp>
+      <p:cxnSp>
+        <p:nvCxnSpPr>
+          <p:cNvPr id="6" name="Straight Arrow Connector 5">
+            <a:extLst>
+              <a:ext uri="{FF2B5EF4-FFF2-40B4-BE49-F238E27FC236}">
+                <a16:creationId xmlns:a16="http://schemas.microsoft.com/office/drawing/2014/main" id="{B443B8DD-0317-4AE3-8022-4720B1430F07}"/>
+              </a:ext>
+            </a:extLst>
+          </p:cNvPr>
+          <p:cNvCxnSpPr>
+            <a:stCxn id="2" idx="4"/>
+            <a:endCxn id="4" idx="0"/>
+          </p:cNvCxnSpPr>
+          <p:nvPr/>
+        </p:nvCxnSpPr>
+        <p:spPr>
+          <a:xfrm>
+            <a:off x="1842654" y="1666742"/>
+            <a:ext cx="0" cy="402203"/>
+          </a:xfrm>
+          <a:prstGeom prst="straightConnector1">
+            <a:avLst/>
+          </a:prstGeom>
+          <a:ln>
+            <a:tailEnd type="triangle"/>
+          </a:ln>
+        </p:spPr>
+        <p:style>
+          <a:lnRef idx="1">
+            <a:schemeClr val="accent1"/>
+          </a:lnRef>
+          <a:fillRef idx="0">
+            <a:schemeClr val="accent1"/>
+          </a:fillRef>
+          <a:effectRef idx="0">
+            <a:schemeClr val="accent1"/>
+          </a:effectRef>
+          <a:fontRef idx="minor">
+            <a:schemeClr val="tx1"/>
+          </a:fontRef>
+        </p:style>
+      </p:cxnSp>
+      <p:sp>
+        <p:nvSpPr>
+          <p:cNvPr id="12" name="Oval 11">
+            <a:extLst>
+              <a:ext uri="{FF2B5EF4-FFF2-40B4-BE49-F238E27FC236}">
+                <a16:creationId xmlns:a16="http://schemas.microsoft.com/office/drawing/2014/main" id="{D858AF73-D8D8-4974-BE55-9B63D9F1A74F}"/>
+              </a:ext>
+            </a:extLst>
+          </p:cNvPr>
+          <p:cNvSpPr/>
+          <p:nvPr/>
+        </p:nvSpPr>
+        <p:spPr>
+          <a:xfrm>
+            <a:off x="1454726" y="3082980"/>
+            <a:ext cx="775855" cy="692039"/>
+          </a:xfrm>
+          <a:prstGeom prst="ellipse">
+            <a:avLst/>
+          </a:prstGeom>
+        </p:spPr>
+        <p:style>
+          <a:lnRef idx="2">
+            <a:schemeClr val="accent1">
+              <a:shade val="50000"/>
+            </a:schemeClr>
+          </a:lnRef>
+          <a:fillRef idx="1">
+            <a:schemeClr val="accent1"/>
+          </a:fillRef>
+          <a:effectRef idx="0">
+            <a:schemeClr val="accent1"/>
+          </a:effectRef>
+          <a:fontRef idx="minor">
+            <a:schemeClr val="lt1"/>
+          </a:fontRef>
+        </p:style>
+        <p:txBody>
+          <a:bodyPr rtlCol="0" anchor="ctr"/>
+          <a:lstStyle/>
+          <a:p>
+            <a:pPr algn="ctr"/>
+            <a:endParaRPr lang="en-US"/>
+          </a:p>
+        </p:txBody>
+      </p:sp>
+      <p:sp>
+        <p:nvSpPr>
+          <p:cNvPr id="13" name="TextBox 12">
+            <a:extLst>
+              <a:ext uri="{FF2B5EF4-FFF2-40B4-BE49-F238E27FC236}">
+                <a16:creationId xmlns:a16="http://schemas.microsoft.com/office/drawing/2014/main" id="{16BB157E-9D1A-4645-9F69-A6A06601259A}"/>
+              </a:ext>
+            </a:extLst>
+          </p:cNvPr>
+          <p:cNvSpPr txBox="1"/>
+          <p:nvPr/>
+        </p:nvSpPr>
+        <p:spPr>
+          <a:xfrm>
+            <a:off x="2320744" y="3189664"/>
+            <a:ext cx="5246255" cy="461665"/>
+          </a:xfrm>
+          <a:prstGeom prst="rect">
+            <a:avLst/>
+          </a:prstGeom>
+          <a:noFill/>
+        </p:spPr>
+        <p:txBody>
+          <a:bodyPr wrap="square" rtlCol="0">
+            <a:spAutoFit/>
+          </a:bodyPr>
+          <a:lstStyle/>
+          <a:p>
+            <a:r>
+              <a:rPr lang="en-US" sz="2400" dirty="0"/>
+              <a:t>2015 – SAP BOBJ Cloud</a:t>
+            </a:r>
+          </a:p>
+        </p:txBody>
+      </p:sp>
+      <p:cxnSp>
+        <p:nvCxnSpPr>
+          <p:cNvPr id="8" name="Straight Arrow Connector 7">
+            <a:extLst>
+              <a:ext uri="{FF2B5EF4-FFF2-40B4-BE49-F238E27FC236}">
+                <a16:creationId xmlns:a16="http://schemas.microsoft.com/office/drawing/2014/main" id="{F88479B3-5BEB-4121-82CF-BDDAC6BF1AA7}"/>
+              </a:ext>
+            </a:extLst>
+          </p:cNvPr>
+          <p:cNvCxnSpPr>
+            <a:stCxn id="4" idx="4"/>
+            <a:endCxn id="12" idx="0"/>
+          </p:cNvCxnSpPr>
+          <p:nvPr/>
+        </p:nvCxnSpPr>
+        <p:spPr>
+          <a:xfrm>
+            <a:off x="1842654" y="2760984"/>
+            <a:ext cx="0" cy="321996"/>
+          </a:xfrm>
+          <a:prstGeom prst="straightConnector1">
+            <a:avLst/>
+          </a:prstGeom>
+          <a:ln>
+            <a:tailEnd type="triangle"/>
+          </a:ln>
+        </p:spPr>
+        <p:style>
+          <a:lnRef idx="1">
+            <a:schemeClr val="accent1"/>
+          </a:lnRef>
+          <a:fillRef idx="0">
+            <a:schemeClr val="accent1"/>
+          </a:fillRef>
+          <a:effectRef idx="0">
+            <a:schemeClr val="accent1"/>
+          </a:effectRef>
+          <a:fontRef idx="minor">
+            <a:schemeClr val="tx1"/>
+          </a:fontRef>
+        </p:style>
+      </p:cxnSp>
+      <p:sp>
+        <p:nvSpPr>
+          <p:cNvPr id="16" name="Oval 15">
+            <a:extLst>
+              <a:ext uri="{FF2B5EF4-FFF2-40B4-BE49-F238E27FC236}">
+                <a16:creationId xmlns:a16="http://schemas.microsoft.com/office/drawing/2014/main" id="{0BC897FC-3B6A-4E3A-AFC4-B0B45F54ED96}"/>
+              </a:ext>
+            </a:extLst>
+          </p:cNvPr>
+          <p:cNvSpPr/>
+          <p:nvPr/>
+        </p:nvSpPr>
+        <p:spPr>
+          <a:xfrm>
+            <a:off x="1454726" y="4097015"/>
+            <a:ext cx="775855" cy="692039"/>
+          </a:xfrm>
+          <a:prstGeom prst="ellipse">
+            <a:avLst/>
+          </a:prstGeom>
+        </p:spPr>
+        <p:style>
+          <a:lnRef idx="2">
+            <a:schemeClr val="accent1">
+              <a:shade val="50000"/>
+            </a:schemeClr>
+          </a:lnRef>
+          <a:fillRef idx="1">
+            <a:schemeClr val="accent1"/>
+          </a:fillRef>
+          <a:effectRef idx="0">
+            <a:schemeClr val="accent1"/>
+          </a:effectRef>
+          <a:fontRef idx="minor">
+            <a:schemeClr val="lt1"/>
+          </a:fontRef>
+        </p:style>
+        <p:txBody>
+          <a:bodyPr rtlCol="0" anchor="ctr"/>
+          <a:lstStyle/>
+          <a:p>
+            <a:pPr algn="ctr"/>
+            <a:endParaRPr lang="en-US"/>
+          </a:p>
+        </p:txBody>
+      </p:sp>
+      <p:cxnSp>
+        <p:nvCxnSpPr>
+          <p:cNvPr id="14" name="Straight Arrow Connector 13">
+            <a:extLst>
+              <a:ext uri="{FF2B5EF4-FFF2-40B4-BE49-F238E27FC236}">
+                <a16:creationId xmlns:a16="http://schemas.microsoft.com/office/drawing/2014/main" id="{BE9A5F3F-16F7-477F-9653-809097D52268}"/>
+              </a:ext>
+            </a:extLst>
+          </p:cNvPr>
+          <p:cNvCxnSpPr>
+            <a:stCxn id="12" idx="4"/>
+            <a:endCxn id="16" idx="0"/>
+          </p:cNvCxnSpPr>
+          <p:nvPr/>
+        </p:nvCxnSpPr>
+        <p:spPr>
+          <a:xfrm>
+            <a:off x="1842654" y="3775019"/>
+            <a:ext cx="0" cy="321996"/>
+          </a:xfrm>
+          <a:prstGeom prst="straightConnector1">
+            <a:avLst/>
+          </a:prstGeom>
+          <a:ln>
+            <a:tailEnd type="triangle"/>
+          </a:ln>
+        </p:spPr>
+        <p:style>
+          <a:lnRef idx="1">
+            <a:schemeClr val="accent1"/>
+          </a:lnRef>
+          <a:fillRef idx="0">
+            <a:schemeClr val="accent1"/>
+          </a:fillRef>
+          <a:effectRef idx="0">
+            <a:schemeClr val="accent1"/>
+          </a:effectRef>
+          <a:fontRef idx="minor">
+            <a:schemeClr val="tx1"/>
+          </a:fontRef>
+        </p:style>
+      </p:cxnSp>
+      <p:sp>
+        <p:nvSpPr>
+          <p:cNvPr id="15" name="TextBox 14">
+            <a:extLst>
+              <a:ext uri="{FF2B5EF4-FFF2-40B4-BE49-F238E27FC236}">
+                <a16:creationId xmlns:a16="http://schemas.microsoft.com/office/drawing/2014/main" id="{CA91C2AE-8DB9-4BBE-9B7B-FCD995550766}"/>
+              </a:ext>
+            </a:extLst>
+          </p:cNvPr>
+          <p:cNvSpPr txBox="1"/>
+          <p:nvPr/>
+        </p:nvSpPr>
+        <p:spPr>
+          <a:xfrm>
+            <a:off x="2401455" y="4193309"/>
+            <a:ext cx="6567054" cy="369332"/>
+          </a:xfrm>
+          <a:prstGeom prst="rect">
+            <a:avLst/>
+          </a:prstGeom>
+          <a:noFill/>
+        </p:spPr>
+        <p:txBody>
+          <a:bodyPr wrap="square" rtlCol="0">
+            <a:spAutoFit/>
+          </a:bodyPr>
+          <a:lstStyle/>
+          <a:p>
+            <a:r>
+              <a:rPr lang="en-US" dirty="0"/>
+              <a:t>2017 – SAP Cloud for Analytics</a:t>
+            </a:r>
+          </a:p>
+        </p:txBody>
+      </p:sp>
+      <p:sp>
+        <p:nvSpPr>
+          <p:cNvPr id="20" name="Oval 19">
+            <a:extLst>
+              <a:ext uri="{FF2B5EF4-FFF2-40B4-BE49-F238E27FC236}">
+                <a16:creationId xmlns:a16="http://schemas.microsoft.com/office/drawing/2014/main" id="{369153AB-0C9F-4176-85CF-824C95496248}"/>
+              </a:ext>
+            </a:extLst>
+          </p:cNvPr>
+          <p:cNvSpPr/>
+          <p:nvPr/>
+        </p:nvSpPr>
+        <p:spPr>
+          <a:xfrm>
+            <a:off x="1454725" y="5089649"/>
+            <a:ext cx="775855" cy="692039"/>
+          </a:xfrm>
+          <a:prstGeom prst="ellipse">
+            <a:avLst/>
+          </a:prstGeom>
+        </p:spPr>
+        <p:style>
+          <a:lnRef idx="2">
+            <a:schemeClr val="accent1">
+              <a:shade val="50000"/>
+            </a:schemeClr>
+          </a:lnRef>
+          <a:fillRef idx="1">
+            <a:schemeClr val="accent1"/>
+          </a:fillRef>
+          <a:effectRef idx="0">
+            <a:schemeClr val="accent1"/>
+          </a:effectRef>
+          <a:fontRef idx="minor">
+            <a:schemeClr val="lt1"/>
+          </a:fontRef>
+        </p:style>
+        <p:txBody>
+          <a:bodyPr rtlCol="0" anchor="ctr"/>
+          <a:lstStyle/>
+          <a:p>
+            <a:pPr algn="ctr"/>
+            <a:endParaRPr lang="en-US"/>
+          </a:p>
+        </p:txBody>
+      </p:sp>
+      <p:cxnSp>
+        <p:nvCxnSpPr>
+          <p:cNvPr id="21" name="Straight Arrow Connector 20">
+            <a:extLst>
+              <a:ext uri="{FF2B5EF4-FFF2-40B4-BE49-F238E27FC236}">
+                <a16:creationId xmlns:a16="http://schemas.microsoft.com/office/drawing/2014/main" id="{DF93C999-B2A7-4CB9-A81F-508DBE46E606}"/>
+              </a:ext>
+            </a:extLst>
+          </p:cNvPr>
+          <p:cNvCxnSpPr/>
+          <p:nvPr/>
+        </p:nvCxnSpPr>
+        <p:spPr>
+          <a:xfrm>
+            <a:off x="1842652" y="4767653"/>
+            <a:ext cx="0" cy="321996"/>
+          </a:xfrm>
+          <a:prstGeom prst="straightConnector1">
+            <a:avLst/>
+          </a:prstGeom>
+          <a:ln>
+            <a:tailEnd type="triangle"/>
+          </a:ln>
+        </p:spPr>
+        <p:style>
+          <a:lnRef idx="1">
+            <a:schemeClr val="accent1"/>
+          </a:lnRef>
+          <a:fillRef idx="0">
+            <a:schemeClr val="accent1"/>
+          </a:fillRef>
+          <a:effectRef idx="0">
+            <a:schemeClr val="accent1"/>
+          </a:effectRef>
+          <a:fontRef idx="minor">
+            <a:schemeClr val="tx1"/>
+          </a:fontRef>
+        </p:style>
+      </p:cxnSp>
+      <p:sp>
+        <p:nvSpPr>
+          <p:cNvPr id="22" name="TextBox 21">
+            <a:extLst>
+              <a:ext uri="{FF2B5EF4-FFF2-40B4-BE49-F238E27FC236}">
+                <a16:creationId xmlns:a16="http://schemas.microsoft.com/office/drawing/2014/main" id="{06E42A1E-A8CF-45D6-A9FA-8CC15DBC415D}"/>
+              </a:ext>
+            </a:extLst>
+          </p:cNvPr>
+          <p:cNvSpPr txBox="1"/>
+          <p:nvPr/>
+        </p:nvSpPr>
+        <p:spPr>
+          <a:xfrm>
+            <a:off x="2401455" y="5115469"/>
+            <a:ext cx="5246255" cy="461665"/>
+          </a:xfrm>
+          <a:prstGeom prst="rect">
+            <a:avLst/>
+          </a:prstGeom>
+          <a:noFill/>
+        </p:spPr>
+        <p:txBody>
+          <a:bodyPr wrap="square" rtlCol="0">
+            <a:spAutoFit/>
+          </a:bodyPr>
+          <a:lstStyle/>
+          <a:p>
+            <a:r>
+              <a:rPr lang="en-US" sz="2400" dirty="0"/>
+              <a:t>2019 – </a:t>
+            </a:r>
+            <a:r>
+              <a:rPr lang="en-US" sz="2400"/>
+              <a:t>SAP Analytics </a:t>
+            </a:r>
+            <a:r>
+              <a:rPr lang="en-US" sz="2400" dirty="0"/>
+              <a:t>Cloud</a:t>
+            </a:r>
+          </a:p>
+        </p:txBody>
+      </p:sp>
     </p:spTree>
     <p:extLst>
       <p:ext uri="{BB962C8B-B14F-4D97-AF65-F5344CB8AC3E}">
@@ -31782,6 +32655,261 @@
           </p:pic>
         </mc:Fallback>
       </mc:AlternateContent>
+      <mc:AlternateContent xmlns:mc="http://schemas.openxmlformats.org/markup-compatibility/2006">
+        <mc:Choice xmlns:p14="http://schemas.microsoft.com/office/powerpoint/2010/main" Requires="p14">
+          <p:contentPart p14:bwMode="auto" r:id="rId41">
+            <p14:nvContentPartPr>
+              <p14:cNvPr id="39" name="Ink 38">
+                <a:extLst>
+                  <a:ext uri="{FF2B5EF4-FFF2-40B4-BE49-F238E27FC236}">
+                    <a16:creationId xmlns:a16="http://schemas.microsoft.com/office/drawing/2014/main" id="{0ADE18FD-CCA8-412B-9E32-F1D1780B232B}"/>
+                  </a:ext>
+                </a:extLst>
+              </p14:cNvPr>
+              <p14:cNvContentPartPr/>
+              <p14:nvPr/>
+            </p14:nvContentPartPr>
+            <p14:xfrm>
+              <a:off x="10665840" y="1209047"/>
+              <a:ext cx="1240200" cy="317880"/>
+            </p14:xfrm>
+          </p:contentPart>
+        </mc:Choice>
+        <mc:Fallback>
+          <p:pic>
+            <p:nvPicPr>
+              <p:cNvPr id="39" name="Ink 38">
+                <a:extLst>
+                  <a:ext uri="{FF2B5EF4-FFF2-40B4-BE49-F238E27FC236}">
+                    <a16:creationId xmlns:a16="http://schemas.microsoft.com/office/drawing/2014/main" id="{0ADE18FD-CCA8-412B-9E32-F1D1780B232B}"/>
+                  </a:ext>
+                </a:extLst>
+              </p:cNvPr>
+              <p:cNvPicPr/>
+              <p:nvPr/>
+            </p:nvPicPr>
+            <p:blipFill>
+              <a:blip r:embed="rId42"/>
+              <a:stretch>
+                <a:fillRect/>
+              </a:stretch>
+            </p:blipFill>
+            <p:spPr>
+              <a:xfrm>
+                <a:off x="10656840" y="1200047"/>
+                <a:ext cx="1257840" cy="335520"/>
+              </a:xfrm>
+              <a:prstGeom prst="rect">
+                <a:avLst/>
+              </a:prstGeom>
+            </p:spPr>
+          </p:pic>
+        </mc:Fallback>
+      </mc:AlternateContent>
+      <mc:AlternateContent xmlns:mc="http://schemas.openxmlformats.org/markup-compatibility/2006">
+        <mc:Choice xmlns:p14="http://schemas.microsoft.com/office/powerpoint/2010/main" Requires="p14">
+          <p:contentPart p14:bwMode="auto" r:id="rId43">
+            <p14:nvContentPartPr>
+              <p14:cNvPr id="174" name="Ink 173">
+                <a:extLst>
+                  <a:ext uri="{FF2B5EF4-FFF2-40B4-BE49-F238E27FC236}">
+                    <a16:creationId xmlns:a16="http://schemas.microsoft.com/office/drawing/2014/main" id="{2E1B385B-BDBB-4D35-A679-1045BA8A4973}"/>
+                  </a:ext>
+                </a:extLst>
+              </p14:cNvPr>
+              <p14:cNvContentPartPr/>
+              <p14:nvPr/>
+            </p14:nvContentPartPr>
+            <p14:xfrm>
+              <a:off x="775920" y="1662647"/>
+              <a:ext cx="10729080" cy="2521800"/>
+            </p14:xfrm>
+          </p:contentPart>
+        </mc:Choice>
+        <mc:Fallback>
+          <p:pic>
+            <p:nvPicPr>
+              <p:cNvPr id="174" name="Ink 173">
+                <a:extLst>
+                  <a:ext uri="{FF2B5EF4-FFF2-40B4-BE49-F238E27FC236}">
+                    <a16:creationId xmlns:a16="http://schemas.microsoft.com/office/drawing/2014/main" id="{2E1B385B-BDBB-4D35-A679-1045BA8A4973}"/>
+                  </a:ext>
+                </a:extLst>
+              </p:cNvPr>
+              <p:cNvPicPr/>
+              <p:nvPr/>
+            </p:nvPicPr>
+            <p:blipFill>
+              <a:blip r:embed="rId44"/>
+              <a:stretch>
+                <a:fillRect/>
+              </a:stretch>
+            </p:blipFill>
+            <p:spPr>
+              <a:xfrm>
+                <a:off x="766920" y="1653647"/>
+                <a:ext cx="10746720" cy="2539440"/>
+              </a:xfrm>
+              <a:prstGeom prst="rect">
+                <a:avLst/>
+              </a:prstGeom>
+            </p:spPr>
+          </p:pic>
+        </mc:Fallback>
+      </mc:AlternateContent>
+      <mc:AlternateContent xmlns:mc="http://schemas.openxmlformats.org/markup-compatibility/2006">
+        <mc:Choice xmlns:p14="http://schemas.microsoft.com/office/powerpoint/2010/main" Requires="p14">
+          <p:contentPart p14:bwMode="auto" r:id="rId45">
+            <p14:nvContentPartPr>
+              <p14:cNvPr id="220" name="Ink 219">
+                <a:extLst>
+                  <a:ext uri="{FF2B5EF4-FFF2-40B4-BE49-F238E27FC236}">
+                    <a16:creationId xmlns:a16="http://schemas.microsoft.com/office/drawing/2014/main" id="{5B2575DF-81D4-43EC-80F1-FFB55FA491F9}"/>
+                  </a:ext>
+                </a:extLst>
+              </p14:cNvPr>
+              <p14:cNvContentPartPr/>
+              <p14:nvPr/>
+            </p14:nvContentPartPr>
+            <p14:xfrm>
+              <a:off x="3925560" y="5181647"/>
+              <a:ext cx="438120" cy="415800"/>
+            </p14:xfrm>
+          </p:contentPart>
+        </mc:Choice>
+        <mc:Fallback>
+          <p:pic>
+            <p:nvPicPr>
+              <p:cNvPr id="220" name="Ink 219">
+                <a:extLst>
+                  <a:ext uri="{FF2B5EF4-FFF2-40B4-BE49-F238E27FC236}">
+                    <a16:creationId xmlns:a16="http://schemas.microsoft.com/office/drawing/2014/main" id="{5B2575DF-81D4-43EC-80F1-FFB55FA491F9}"/>
+                  </a:ext>
+                </a:extLst>
+              </p:cNvPr>
+              <p:cNvPicPr/>
+              <p:nvPr/>
+            </p:nvPicPr>
+            <p:blipFill>
+              <a:blip r:embed="rId46"/>
+              <a:stretch>
+                <a:fillRect/>
+              </a:stretch>
+            </p:blipFill>
+            <p:spPr>
+              <a:xfrm>
+                <a:off x="3916560" y="5172647"/>
+                <a:ext cx="455760" cy="433440"/>
+              </a:xfrm>
+              <a:prstGeom prst="rect">
+                <a:avLst/>
+              </a:prstGeom>
+            </p:spPr>
+          </p:pic>
+        </mc:Fallback>
+      </mc:AlternateContent>
+      <mc:AlternateContent xmlns:mc="http://schemas.openxmlformats.org/markup-compatibility/2006">
+        <mc:Choice xmlns:p14="http://schemas.microsoft.com/office/powerpoint/2010/main" Requires="p14">
+          <p:contentPart p14:bwMode="auto" r:id="rId47">
+            <p14:nvContentPartPr>
+              <p14:cNvPr id="235" name="Ink 234">
+                <a:extLst>
+                  <a:ext uri="{FF2B5EF4-FFF2-40B4-BE49-F238E27FC236}">
+                    <a16:creationId xmlns:a16="http://schemas.microsoft.com/office/drawing/2014/main" id="{26EF9B34-BC82-412E-9C49-2106B091B8F4}"/>
+                  </a:ext>
+                </a:extLst>
+              </p14:cNvPr>
+              <p14:cNvContentPartPr/>
+              <p14:nvPr/>
+            </p14:nvContentPartPr>
+            <p14:xfrm>
+              <a:off x="1050240" y="5032967"/>
+              <a:ext cx="2654280" cy="1685160"/>
+            </p14:xfrm>
+          </p:contentPart>
+        </mc:Choice>
+        <mc:Fallback>
+          <p:pic>
+            <p:nvPicPr>
+              <p:cNvPr id="235" name="Ink 234">
+                <a:extLst>
+                  <a:ext uri="{FF2B5EF4-FFF2-40B4-BE49-F238E27FC236}">
+                    <a16:creationId xmlns:a16="http://schemas.microsoft.com/office/drawing/2014/main" id="{26EF9B34-BC82-412E-9C49-2106B091B8F4}"/>
+                  </a:ext>
+                </a:extLst>
+              </p:cNvPr>
+              <p:cNvPicPr/>
+              <p:nvPr/>
+            </p:nvPicPr>
+            <p:blipFill>
+              <a:blip r:embed="rId48"/>
+              <a:stretch>
+                <a:fillRect/>
+              </a:stretch>
+            </p:blipFill>
+            <p:spPr>
+              <a:xfrm>
+                <a:off x="1041240" y="5023967"/>
+                <a:ext cx="2671920" cy="1702800"/>
+              </a:xfrm>
+              <a:prstGeom prst="rect">
+                <a:avLst/>
+              </a:prstGeom>
+            </p:spPr>
+          </p:pic>
+        </mc:Fallback>
+      </mc:AlternateContent>
+      <mc:AlternateContent xmlns:mc="http://schemas.openxmlformats.org/markup-compatibility/2006">
+        <mc:Choice xmlns:p14="http://schemas.microsoft.com/office/powerpoint/2010/main" Requires="p14">
+          <p:contentPart p14:bwMode="auto" r:id="rId49">
+            <p14:nvContentPartPr>
+              <p14:cNvPr id="277" name="Ink 276">
+                <a:extLst>
+                  <a:ext uri="{FF2B5EF4-FFF2-40B4-BE49-F238E27FC236}">
+                    <a16:creationId xmlns:a16="http://schemas.microsoft.com/office/drawing/2014/main" id="{8A056180-BF95-46FF-81BC-0DCD0479BC03}"/>
+                  </a:ext>
+                </a:extLst>
+              </p14:cNvPr>
+              <p14:cNvContentPartPr/>
+              <p14:nvPr/>
+            </p14:nvContentPartPr>
+            <p14:xfrm>
+              <a:off x="5218320" y="4285607"/>
+              <a:ext cx="5210640" cy="2359080"/>
+            </p14:xfrm>
+          </p:contentPart>
+        </mc:Choice>
+        <mc:Fallback>
+          <p:pic>
+            <p:nvPicPr>
+              <p:cNvPr id="277" name="Ink 276">
+                <a:extLst>
+                  <a:ext uri="{FF2B5EF4-FFF2-40B4-BE49-F238E27FC236}">
+                    <a16:creationId xmlns:a16="http://schemas.microsoft.com/office/drawing/2014/main" id="{8A056180-BF95-46FF-81BC-0DCD0479BC03}"/>
+                  </a:ext>
+                </a:extLst>
+              </p:cNvPr>
+              <p:cNvPicPr/>
+              <p:nvPr/>
+            </p:nvPicPr>
+            <p:blipFill>
+              <a:blip r:embed="rId50"/>
+              <a:stretch>
+                <a:fillRect/>
+              </a:stretch>
+            </p:blipFill>
+            <p:spPr>
+              <a:xfrm>
+                <a:off x="5209320" y="4276607"/>
+                <a:ext cx="5228280" cy="2376720"/>
+              </a:xfrm>
+              <a:prstGeom prst="rect">
+                <a:avLst/>
+              </a:prstGeom>
+            </p:spPr>
+          </p:pic>
+        </mc:Fallback>
+      </mc:AlternateContent>
     </p:spTree>
     <p:extLst>
       <p:ext uri="{BB962C8B-B14F-4D97-AF65-F5344CB8AC3E}">
@@ -31924,6 +33052,1157 @@
           </a:fontRef>
         </p:style>
       </p:cxnSp>
+      <p:sp>
+        <p:nvSpPr>
+          <p:cNvPr id="2" name="Rectangle 1">
+            <a:extLst>
+              <a:ext uri="{FF2B5EF4-FFF2-40B4-BE49-F238E27FC236}">
+                <a16:creationId xmlns:a16="http://schemas.microsoft.com/office/drawing/2014/main" id="{84C835B8-47DD-4E05-B232-87486EB0181C}"/>
+              </a:ext>
+            </a:extLst>
+          </p:cNvPr>
+          <p:cNvSpPr/>
+          <p:nvPr/>
+        </p:nvSpPr>
+        <p:spPr>
+          <a:xfrm>
+            <a:off x="1459345" y="1108364"/>
+            <a:ext cx="1782619" cy="628049"/>
+          </a:xfrm>
+          <a:prstGeom prst="rect">
+            <a:avLst/>
+          </a:prstGeom>
+        </p:spPr>
+        <p:style>
+          <a:lnRef idx="2">
+            <a:schemeClr val="accent1">
+              <a:shade val="50000"/>
+            </a:schemeClr>
+          </a:lnRef>
+          <a:fillRef idx="1">
+            <a:schemeClr val="accent1"/>
+          </a:fillRef>
+          <a:effectRef idx="0">
+            <a:schemeClr val="accent1"/>
+          </a:effectRef>
+          <a:fontRef idx="minor">
+            <a:schemeClr val="lt1"/>
+          </a:fontRef>
+        </p:style>
+        <p:txBody>
+          <a:bodyPr rtlCol="0" anchor="ctr"/>
+          <a:lstStyle/>
+          <a:p>
+            <a:pPr algn="ctr"/>
+            <a:r>
+              <a:rPr lang="en-US" dirty="0"/>
+              <a:t>Miami</a:t>
+            </a:r>
+          </a:p>
+        </p:txBody>
+      </p:sp>
+      <p:sp>
+        <p:nvSpPr>
+          <p:cNvPr id="6" name="Rectangle 5">
+            <a:extLst>
+              <a:ext uri="{FF2B5EF4-FFF2-40B4-BE49-F238E27FC236}">
+                <a16:creationId xmlns:a16="http://schemas.microsoft.com/office/drawing/2014/main" id="{A4073E14-81EA-4777-A1DB-DF88D6B50D79}"/>
+              </a:ext>
+            </a:extLst>
+          </p:cNvPr>
+          <p:cNvSpPr/>
+          <p:nvPr/>
+        </p:nvSpPr>
+        <p:spPr>
+          <a:xfrm>
+            <a:off x="1459345" y="1918447"/>
+            <a:ext cx="1782619" cy="628049"/>
+          </a:xfrm>
+          <a:prstGeom prst="rect">
+            <a:avLst/>
+          </a:prstGeom>
+        </p:spPr>
+        <p:style>
+          <a:lnRef idx="2">
+            <a:schemeClr val="accent1">
+              <a:shade val="50000"/>
+            </a:schemeClr>
+          </a:lnRef>
+          <a:fillRef idx="1">
+            <a:schemeClr val="accent1"/>
+          </a:fillRef>
+          <a:effectRef idx="0">
+            <a:schemeClr val="accent1"/>
+          </a:effectRef>
+          <a:fontRef idx="minor">
+            <a:schemeClr val="lt1"/>
+          </a:fontRef>
+        </p:style>
+        <p:txBody>
+          <a:bodyPr rtlCol="0" anchor="ctr"/>
+          <a:lstStyle/>
+          <a:p>
+            <a:pPr algn="ctr"/>
+            <a:r>
+              <a:rPr lang="en-US" dirty="0"/>
+              <a:t>Santa Clara</a:t>
+            </a:r>
+          </a:p>
+        </p:txBody>
+      </p:sp>
+      <p:sp>
+        <p:nvSpPr>
+          <p:cNvPr id="7" name="Rectangle 6">
+            <a:extLst>
+              <a:ext uri="{FF2B5EF4-FFF2-40B4-BE49-F238E27FC236}">
+                <a16:creationId xmlns:a16="http://schemas.microsoft.com/office/drawing/2014/main" id="{B294394B-6D3C-40C9-815C-93F27413CD44}"/>
+              </a:ext>
+            </a:extLst>
+          </p:cNvPr>
+          <p:cNvSpPr/>
+          <p:nvPr/>
+        </p:nvSpPr>
+        <p:spPr>
+          <a:xfrm>
+            <a:off x="5814291" y="1108364"/>
+            <a:ext cx="1782619" cy="628049"/>
+          </a:xfrm>
+          <a:prstGeom prst="rect">
+            <a:avLst/>
+          </a:prstGeom>
+        </p:spPr>
+        <p:style>
+          <a:lnRef idx="2">
+            <a:schemeClr val="accent1">
+              <a:shade val="50000"/>
+            </a:schemeClr>
+          </a:lnRef>
+          <a:fillRef idx="1">
+            <a:schemeClr val="accent1"/>
+          </a:fillRef>
+          <a:effectRef idx="0">
+            <a:schemeClr val="accent1"/>
+          </a:effectRef>
+          <a:fontRef idx="minor">
+            <a:schemeClr val="lt1"/>
+          </a:fontRef>
+        </p:style>
+        <p:txBody>
+          <a:bodyPr rtlCol="0" anchor="ctr"/>
+          <a:lstStyle/>
+          <a:p>
+            <a:pPr algn="ctr"/>
+            <a:r>
+              <a:rPr lang="en-US" dirty="0"/>
+              <a:t>Kings County</a:t>
+            </a:r>
+          </a:p>
+        </p:txBody>
+      </p:sp>
+      <p:sp>
+        <p:nvSpPr>
+          <p:cNvPr id="8" name="Rectangle 7">
+            <a:extLst>
+              <a:ext uri="{FF2B5EF4-FFF2-40B4-BE49-F238E27FC236}">
+                <a16:creationId xmlns:a16="http://schemas.microsoft.com/office/drawing/2014/main" id="{50E16350-8FA4-471C-9718-8689F32A69E4}"/>
+              </a:ext>
+            </a:extLst>
+          </p:cNvPr>
+          <p:cNvSpPr/>
+          <p:nvPr/>
+        </p:nvSpPr>
+        <p:spPr>
+          <a:xfrm>
+            <a:off x="5814291" y="1918447"/>
+            <a:ext cx="1782619" cy="628049"/>
+          </a:xfrm>
+          <a:prstGeom prst="rect">
+            <a:avLst/>
+          </a:prstGeom>
+        </p:spPr>
+        <p:style>
+          <a:lnRef idx="2">
+            <a:schemeClr val="accent1">
+              <a:shade val="50000"/>
+            </a:schemeClr>
+          </a:lnRef>
+          <a:fillRef idx="1">
+            <a:schemeClr val="accent1"/>
+          </a:fillRef>
+          <a:effectRef idx="0">
+            <a:schemeClr val="accent1"/>
+          </a:effectRef>
+          <a:fontRef idx="minor">
+            <a:schemeClr val="lt1"/>
+          </a:fontRef>
+        </p:style>
+        <p:txBody>
+          <a:bodyPr rtlCol="0" anchor="ctr"/>
+          <a:lstStyle/>
+          <a:p>
+            <a:pPr algn="ctr"/>
+            <a:r>
+              <a:rPr lang="en-US" dirty="0"/>
+              <a:t>NYC</a:t>
+            </a:r>
+          </a:p>
+        </p:txBody>
+      </p:sp>
+      <p:sp>
+        <p:nvSpPr>
+          <p:cNvPr id="3" name="Rectangle 2">
+            <a:extLst>
+              <a:ext uri="{FF2B5EF4-FFF2-40B4-BE49-F238E27FC236}">
+                <a16:creationId xmlns:a16="http://schemas.microsoft.com/office/drawing/2014/main" id="{F4775652-827C-407C-B950-F17B55D77C76}"/>
+              </a:ext>
+            </a:extLst>
+          </p:cNvPr>
+          <p:cNvSpPr/>
+          <p:nvPr/>
+        </p:nvSpPr>
+        <p:spPr>
+          <a:xfrm>
+            <a:off x="3842327" y="1810327"/>
+            <a:ext cx="1283855" cy="1071415"/>
+          </a:xfrm>
+          <a:prstGeom prst="rect">
+            <a:avLst/>
+          </a:prstGeom>
+        </p:spPr>
+        <p:style>
+          <a:lnRef idx="2">
+            <a:schemeClr val="accent1">
+              <a:shade val="50000"/>
+            </a:schemeClr>
+          </a:lnRef>
+          <a:fillRef idx="1">
+            <a:schemeClr val="accent1"/>
+          </a:fillRef>
+          <a:effectRef idx="0">
+            <a:schemeClr val="accent1"/>
+          </a:effectRef>
+          <a:fontRef idx="minor">
+            <a:schemeClr val="lt1"/>
+          </a:fontRef>
+        </p:style>
+        <p:txBody>
+          <a:bodyPr rtlCol="0" anchor="ctr"/>
+          <a:lstStyle/>
+          <a:p>
+            <a:pPr algn="ctr"/>
+            <a:r>
+              <a:rPr lang="en-US" dirty="0"/>
+              <a:t>ERP</a:t>
+            </a:r>
+          </a:p>
+        </p:txBody>
+      </p:sp>
+      <p:cxnSp>
+        <p:nvCxnSpPr>
+          <p:cNvPr id="5" name="Connector: Elbow 4">
+            <a:extLst>
+              <a:ext uri="{FF2B5EF4-FFF2-40B4-BE49-F238E27FC236}">
+                <a16:creationId xmlns:a16="http://schemas.microsoft.com/office/drawing/2014/main" id="{2A115784-08D8-4E0D-BB7D-4F7D3D208133}"/>
+              </a:ext>
+            </a:extLst>
+          </p:cNvPr>
+          <p:cNvCxnSpPr>
+            <a:stCxn id="2" idx="3"/>
+          </p:cNvCxnSpPr>
+          <p:nvPr/>
+        </p:nvCxnSpPr>
+        <p:spPr>
+          <a:xfrm>
+            <a:off x="3241964" y="1422389"/>
+            <a:ext cx="600363" cy="496058"/>
+          </a:xfrm>
+          <a:prstGeom prst="bentConnector3">
+            <a:avLst/>
+          </a:prstGeom>
+          <a:ln>
+            <a:tailEnd type="triangle"/>
+          </a:ln>
+        </p:spPr>
+        <p:style>
+          <a:lnRef idx="1">
+            <a:schemeClr val="accent1"/>
+          </a:lnRef>
+          <a:fillRef idx="0">
+            <a:schemeClr val="accent1"/>
+          </a:fillRef>
+          <a:effectRef idx="0">
+            <a:schemeClr val="accent1"/>
+          </a:effectRef>
+          <a:fontRef idx="minor">
+            <a:schemeClr val="tx1"/>
+          </a:fontRef>
+        </p:style>
+      </p:cxnSp>
+      <p:cxnSp>
+        <p:nvCxnSpPr>
+          <p:cNvPr id="10" name="Connector: Elbow 9">
+            <a:extLst>
+              <a:ext uri="{FF2B5EF4-FFF2-40B4-BE49-F238E27FC236}">
+                <a16:creationId xmlns:a16="http://schemas.microsoft.com/office/drawing/2014/main" id="{73313701-0486-4E2A-B474-B2BC0A34E008}"/>
+              </a:ext>
+            </a:extLst>
+          </p:cNvPr>
+          <p:cNvCxnSpPr>
+            <a:stCxn id="6" idx="3"/>
+            <a:endCxn id="3" idx="1"/>
+          </p:cNvCxnSpPr>
+          <p:nvPr/>
+        </p:nvCxnSpPr>
+        <p:spPr>
+          <a:xfrm>
+            <a:off x="3241964" y="2232472"/>
+            <a:ext cx="600363" cy="113563"/>
+          </a:xfrm>
+          <a:prstGeom prst="bentConnector3">
+            <a:avLst/>
+          </a:prstGeom>
+          <a:ln>
+            <a:tailEnd type="triangle"/>
+          </a:ln>
+        </p:spPr>
+        <p:style>
+          <a:lnRef idx="1">
+            <a:schemeClr val="accent1"/>
+          </a:lnRef>
+          <a:fillRef idx="0">
+            <a:schemeClr val="accent1"/>
+          </a:fillRef>
+          <a:effectRef idx="0">
+            <a:schemeClr val="accent1"/>
+          </a:effectRef>
+          <a:fontRef idx="minor">
+            <a:schemeClr val="tx1"/>
+          </a:fontRef>
+        </p:style>
+      </p:cxnSp>
+      <p:cxnSp>
+        <p:nvCxnSpPr>
+          <p:cNvPr id="13" name="Connector: Elbow 12">
+            <a:extLst>
+              <a:ext uri="{FF2B5EF4-FFF2-40B4-BE49-F238E27FC236}">
+                <a16:creationId xmlns:a16="http://schemas.microsoft.com/office/drawing/2014/main" id="{5650CE07-B7C8-4462-83D9-E888AB1B5482}"/>
+              </a:ext>
+            </a:extLst>
+          </p:cNvPr>
+          <p:cNvCxnSpPr>
+            <a:stCxn id="7" idx="1"/>
+          </p:cNvCxnSpPr>
+          <p:nvPr/>
+        </p:nvCxnSpPr>
+        <p:spPr>
+          <a:xfrm rot="10800000" flipV="1">
+            <a:off x="5126183" y="1422389"/>
+            <a:ext cx="688109" cy="496058"/>
+          </a:xfrm>
+          <a:prstGeom prst="bentConnector3">
+            <a:avLst/>
+          </a:prstGeom>
+          <a:ln>
+            <a:tailEnd type="triangle"/>
+          </a:ln>
+        </p:spPr>
+        <p:style>
+          <a:lnRef idx="1">
+            <a:schemeClr val="accent1"/>
+          </a:lnRef>
+          <a:fillRef idx="0">
+            <a:schemeClr val="accent1"/>
+          </a:fillRef>
+          <a:effectRef idx="0">
+            <a:schemeClr val="accent1"/>
+          </a:effectRef>
+          <a:fontRef idx="minor">
+            <a:schemeClr val="tx1"/>
+          </a:fontRef>
+        </p:style>
+      </p:cxnSp>
+      <p:cxnSp>
+        <p:nvCxnSpPr>
+          <p:cNvPr id="15" name="Connector: Elbow 14">
+            <a:extLst>
+              <a:ext uri="{FF2B5EF4-FFF2-40B4-BE49-F238E27FC236}">
+                <a16:creationId xmlns:a16="http://schemas.microsoft.com/office/drawing/2014/main" id="{18CD72DD-9583-4071-9DAB-3AB07CA3E236}"/>
+              </a:ext>
+            </a:extLst>
+          </p:cNvPr>
+          <p:cNvCxnSpPr>
+            <a:stCxn id="8" idx="1"/>
+            <a:endCxn id="3" idx="3"/>
+          </p:cNvCxnSpPr>
+          <p:nvPr/>
+        </p:nvCxnSpPr>
+        <p:spPr>
+          <a:xfrm rot="10800000" flipV="1">
+            <a:off x="5126183" y="2232471"/>
+            <a:ext cx="688109" cy="113563"/>
+          </a:xfrm>
+          <a:prstGeom prst="bentConnector3">
+            <a:avLst/>
+          </a:prstGeom>
+          <a:ln>
+            <a:tailEnd type="triangle"/>
+          </a:ln>
+        </p:spPr>
+        <p:style>
+          <a:lnRef idx="1">
+            <a:schemeClr val="accent1"/>
+          </a:lnRef>
+          <a:fillRef idx="0">
+            <a:schemeClr val="accent1"/>
+          </a:fillRef>
+          <a:effectRef idx="0">
+            <a:schemeClr val="accent1"/>
+          </a:effectRef>
+          <a:fontRef idx="minor">
+            <a:schemeClr val="tx1"/>
+          </a:fontRef>
+        </p:style>
+      </p:cxnSp>
+      <p:sp>
+        <p:nvSpPr>
+          <p:cNvPr id="16" name="Rectangle: Rounded Corners 15">
+            <a:extLst>
+              <a:ext uri="{FF2B5EF4-FFF2-40B4-BE49-F238E27FC236}">
+                <a16:creationId xmlns:a16="http://schemas.microsoft.com/office/drawing/2014/main" id="{BBD5885B-F2F7-4C0F-9D25-D4CD78E768D9}"/>
+              </a:ext>
+            </a:extLst>
+          </p:cNvPr>
+          <p:cNvSpPr/>
+          <p:nvPr/>
+        </p:nvSpPr>
+        <p:spPr>
+          <a:xfrm>
+            <a:off x="9448800" y="2004810"/>
+            <a:ext cx="1976582" cy="455322"/>
+          </a:xfrm>
+          <a:prstGeom prst="roundRect">
+            <a:avLst/>
+          </a:prstGeom>
+        </p:spPr>
+        <p:style>
+          <a:lnRef idx="2">
+            <a:schemeClr val="accent1">
+              <a:shade val="50000"/>
+            </a:schemeClr>
+          </a:lnRef>
+          <a:fillRef idx="1">
+            <a:schemeClr val="accent1"/>
+          </a:fillRef>
+          <a:effectRef idx="0">
+            <a:schemeClr val="accent1"/>
+          </a:effectRef>
+          <a:fontRef idx="minor">
+            <a:schemeClr val="lt1"/>
+          </a:fontRef>
+        </p:style>
+        <p:txBody>
+          <a:bodyPr rtlCol="0" anchor="ctr"/>
+          <a:lstStyle/>
+          <a:p>
+            <a:pPr algn="ctr"/>
+            <a:r>
+              <a:rPr lang="en-US" dirty="0"/>
+              <a:t>ORAFIN</a:t>
+            </a:r>
+          </a:p>
+        </p:txBody>
+      </p:sp>
+      <p:sp>
+        <p:nvSpPr>
+          <p:cNvPr id="19" name="Rectangle: Rounded Corners 18">
+            <a:extLst>
+              <a:ext uri="{FF2B5EF4-FFF2-40B4-BE49-F238E27FC236}">
+                <a16:creationId xmlns:a16="http://schemas.microsoft.com/office/drawing/2014/main" id="{78C03BFE-B648-460E-A13B-86B4CC69E328}"/>
+              </a:ext>
+            </a:extLst>
+          </p:cNvPr>
+          <p:cNvSpPr/>
+          <p:nvPr/>
+        </p:nvSpPr>
+        <p:spPr>
+          <a:xfrm>
+            <a:off x="9448800" y="2553003"/>
+            <a:ext cx="1976582" cy="455322"/>
+          </a:xfrm>
+          <a:prstGeom prst="roundRect">
+            <a:avLst/>
+          </a:prstGeom>
+        </p:spPr>
+        <p:style>
+          <a:lnRef idx="2">
+            <a:schemeClr val="accent1">
+              <a:shade val="50000"/>
+            </a:schemeClr>
+          </a:lnRef>
+          <a:fillRef idx="1">
+            <a:schemeClr val="accent1"/>
+          </a:fillRef>
+          <a:effectRef idx="0">
+            <a:schemeClr val="accent1"/>
+          </a:effectRef>
+          <a:fontRef idx="minor">
+            <a:schemeClr val="lt1"/>
+          </a:fontRef>
+        </p:style>
+        <p:txBody>
+          <a:bodyPr rtlCol="0" anchor="ctr"/>
+          <a:lstStyle/>
+          <a:p>
+            <a:pPr algn="ctr"/>
+            <a:r>
+              <a:rPr lang="en-US" dirty="0"/>
+              <a:t>BAAN</a:t>
+            </a:r>
+          </a:p>
+        </p:txBody>
+      </p:sp>
+      <p:sp>
+        <p:nvSpPr>
+          <p:cNvPr id="20" name="Rectangle: Rounded Corners 19">
+            <a:extLst>
+              <a:ext uri="{FF2B5EF4-FFF2-40B4-BE49-F238E27FC236}">
+                <a16:creationId xmlns:a16="http://schemas.microsoft.com/office/drawing/2014/main" id="{54DC6554-1DA0-4908-A460-DBD68FAF29A2}"/>
+              </a:ext>
+            </a:extLst>
+          </p:cNvPr>
+          <p:cNvSpPr/>
+          <p:nvPr/>
+        </p:nvSpPr>
+        <p:spPr>
+          <a:xfrm>
+            <a:off x="9448800" y="2546496"/>
+            <a:ext cx="1976582" cy="455322"/>
+          </a:xfrm>
+          <a:prstGeom prst="roundRect">
+            <a:avLst/>
+          </a:prstGeom>
+        </p:spPr>
+        <p:style>
+          <a:lnRef idx="2">
+            <a:schemeClr val="accent1">
+              <a:shade val="50000"/>
+            </a:schemeClr>
+          </a:lnRef>
+          <a:fillRef idx="1">
+            <a:schemeClr val="accent1"/>
+          </a:fillRef>
+          <a:effectRef idx="0">
+            <a:schemeClr val="accent1"/>
+          </a:effectRef>
+          <a:fontRef idx="minor">
+            <a:schemeClr val="lt1"/>
+          </a:fontRef>
+        </p:style>
+        <p:txBody>
+          <a:bodyPr rtlCol="0" anchor="ctr"/>
+          <a:lstStyle/>
+          <a:p>
+            <a:pPr algn="ctr"/>
+            <a:r>
+              <a:rPr lang="en-US" dirty="0"/>
+              <a:t>BAAN</a:t>
+            </a:r>
+          </a:p>
+        </p:txBody>
+      </p:sp>
+      <p:sp>
+        <p:nvSpPr>
+          <p:cNvPr id="21" name="Rectangle: Rounded Corners 20">
+            <a:extLst>
+              <a:ext uri="{FF2B5EF4-FFF2-40B4-BE49-F238E27FC236}">
+                <a16:creationId xmlns:a16="http://schemas.microsoft.com/office/drawing/2014/main" id="{8136CCA3-89F3-42CE-B092-52F1C339B2A2}"/>
+              </a:ext>
+            </a:extLst>
+          </p:cNvPr>
+          <p:cNvSpPr/>
+          <p:nvPr/>
+        </p:nvSpPr>
+        <p:spPr>
+          <a:xfrm>
+            <a:off x="9448800" y="3091430"/>
+            <a:ext cx="1976582" cy="455322"/>
+          </a:xfrm>
+          <a:prstGeom prst="roundRect">
+            <a:avLst/>
+          </a:prstGeom>
+        </p:spPr>
+        <p:style>
+          <a:lnRef idx="2">
+            <a:schemeClr val="accent1">
+              <a:shade val="50000"/>
+            </a:schemeClr>
+          </a:lnRef>
+          <a:fillRef idx="1">
+            <a:schemeClr val="accent1"/>
+          </a:fillRef>
+          <a:effectRef idx="0">
+            <a:schemeClr val="accent1"/>
+          </a:effectRef>
+          <a:fontRef idx="minor">
+            <a:schemeClr val="lt1"/>
+          </a:fontRef>
+        </p:style>
+        <p:txBody>
+          <a:bodyPr rtlCol="0" anchor="ctr"/>
+          <a:lstStyle/>
+          <a:p>
+            <a:pPr algn="ctr"/>
+            <a:r>
+              <a:rPr lang="en-US" dirty="0"/>
+              <a:t>Salesforce</a:t>
+            </a:r>
+          </a:p>
+        </p:txBody>
+      </p:sp>
+      <p:sp>
+        <p:nvSpPr>
+          <p:cNvPr id="17" name="Rectangle 16">
+            <a:extLst>
+              <a:ext uri="{FF2B5EF4-FFF2-40B4-BE49-F238E27FC236}">
+                <a16:creationId xmlns:a16="http://schemas.microsoft.com/office/drawing/2014/main" id="{0F8CA4C0-CD78-4E7F-AA54-83A21AFEBDCA}"/>
+              </a:ext>
+            </a:extLst>
+          </p:cNvPr>
+          <p:cNvSpPr/>
+          <p:nvPr/>
+        </p:nvSpPr>
+        <p:spPr>
+          <a:xfrm>
+            <a:off x="4484254" y="3600879"/>
+            <a:ext cx="2830946" cy="1283400"/>
+          </a:xfrm>
+          <a:prstGeom prst="rect">
+            <a:avLst/>
+          </a:prstGeom>
+        </p:spPr>
+        <p:style>
+          <a:lnRef idx="2">
+            <a:schemeClr val="accent1">
+              <a:shade val="50000"/>
+            </a:schemeClr>
+          </a:lnRef>
+          <a:fillRef idx="1">
+            <a:schemeClr val="accent1"/>
+          </a:fillRef>
+          <a:effectRef idx="0">
+            <a:schemeClr val="accent1"/>
+          </a:effectRef>
+          <a:fontRef idx="minor">
+            <a:schemeClr val="lt1"/>
+          </a:fontRef>
+        </p:style>
+        <p:txBody>
+          <a:bodyPr rtlCol="0" anchor="ctr"/>
+          <a:lstStyle/>
+          <a:p>
+            <a:pPr algn="ctr"/>
+            <a:r>
+              <a:rPr lang="en-US" dirty="0"/>
+              <a:t>SAP BW</a:t>
+            </a:r>
+          </a:p>
+        </p:txBody>
+      </p:sp>
+      <p:sp>
+        <p:nvSpPr>
+          <p:cNvPr id="18" name="Arrow: Down 17">
+            <a:extLst>
+              <a:ext uri="{FF2B5EF4-FFF2-40B4-BE49-F238E27FC236}">
+                <a16:creationId xmlns:a16="http://schemas.microsoft.com/office/drawing/2014/main" id="{D1DFC70C-ED54-41AA-ABB9-7A78E93153B5}"/>
+              </a:ext>
+            </a:extLst>
+          </p:cNvPr>
+          <p:cNvSpPr/>
+          <p:nvPr/>
+        </p:nvSpPr>
+        <p:spPr>
+          <a:xfrm>
+            <a:off x="4645891" y="2881742"/>
+            <a:ext cx="147782" cy="706867"/>
+          </a:xfrm>
+          <a:prstGeom prst="downArrow">
+            <a:avLst/>
+          </a:prstGeom>
+        </p:spPr>
+        <p:style>
+          <a:lnRef idx="2">
+            <a:schemeClr val="accent1">
+              <a:shade val="50000"/>
+            </a:schemeClr>
+          </a:lnRef>
+          <a:fillRef idx="1">
+            <a:schemeClr val="accent1"/>
+          </a:fillRef>
+          <a:effectRef idx="0">
+            <a:schemeClr val="accent1"/>
+          </a:effectRef>
+          <a:fontRef idx="minor">
+            <a:schemeClr val="lt1"/>
+          </a:fontRef>
+        </p:style>
+        <p:txBody>
+          <a:bodyPr rtlCol="0" anchor="ctr"/>
+          <a:lstStyle/>
+          <a:p>
+            <a:pPr algn="ctr"/>
+            <a:endParaRPr lang="en-US"/>
+          </a:p>
+        </p:txBody>
+      </p:sp>
+      <p:sp>
+        <p:nvSpPr>
+          <p:cNvPr id="22" name="Arrow: Right 21">
+            <a:extLst>
+              <a:ext uri="{FF2B5EF4-FFF2-40B4-BE49-F238E27FC236}">
+                <a16:creationId xmlns:a16="http://schemas.microsoft.com/office/drawing/2014/main" id="{85AD6273-9DA6-40BE-B9AA-37CAF49FBE54}"/>
+              </a:ext>
+            </a:extLst>
+          </p:cNvPr>
+          <p:cNvSpPr/>
+          <p:nvPr/>
+        </p:nvSpPr>
+        <p:spPr>
+          <a:xfrm rot="9151038">
+            <a:off x="7036355" y="3192040"/>
+            <a:ext cx="2349780" cy="245758"/>
+          </a:xfrm>
+          <a:prstGeom prst="rightArrow">
+            <a:avLst/>
+          </a:prstGeom>
+        </p:spPr>
+        <p:style>
+          <a:lnRef idx="2">
+            <a:schemeClr val="accent1">
+              <a:shade val="50000"/>
+            </a:schemeClr>
+          </a:lnRef>
+          <a:fillRef idx="1">
+            <a:schemeClr val="accent1"/>
+          </a:fillRef>
+          <a:effectRef idx="0">
+            <a:schemeClr val="accent1"/>
+          </a:effectRef>
+          <a:fontRef idx="minor">
+            <a:schemeClr val="lt1"/>
+          </a:fontRef>
+        </p:style>
+        <p:txBody>
+          <a:bodyPr rtlCol="0" anchor="ctr"/>
+          <a:lstStyle/>
+          <a:p>
+            <a:pPr algn="ctr"/>
+            <a:endParaRPr lang="en-US"/>
+          </a:p>
+        </p:txBody>
+      </p:sp>
+      <p:sp>
+        <p:nvSpPr>
+          <p:cNvPr id="23" name="TextBox 22">
+            <a:extLst>
+              <a:ext uri="{FF2B5EF4-FFF2-40B4-BE49-F238E27FC236}">
+                <a16:creationId xmlns:a16="http://schemas.microsoft.com/office/drawing/2014/main" id="{28F28B14-8320-470C-9AC8-AE5DFE107E23}"/>
+              </a:ext>
+            </a:extLst>
+          </p:cNvPr>
+          <p:cNvSpPr txBox="1"/>
+          <p:nvPr/>
+        </p:nvSpPr>
+        <p:spPr>
+          <a:xfrm>
+            <a:off x="5347854" y="3083519"/>
+            <a:ext cx="2207725" cy="369332"/>
+          </a:xfrm>
+          <a:prstGeom prst="rect">
+            <a:avLst/>
+          </a:prstGeom>
+          <a:noFill/>
+        </p:spPr>
+        <p:txBody>
+          <a:bodyPr wrap="square" rtlCol="0">
+            <a:spAutoFit/>
+          </a:bodyPr>
+          <a:lstStyle/>
+          <a:p>
+            <a:r>
+              <a:rPr lang="en-US" dirty="0"/>
+              <a:t>ETL</a:t>
+            </a:r>
+          </a:p>
+        </p:txBody>
+      </p:sp>
+      <p:sp>
+        <p:nvSpPr>
+          <p:cNvPr id="24" name="Rectangle 23">
+            <a:extLst>
+              <a:ext uri="{FF2B5EF4-FFF2-40B4-BE49-F238E27FC236}">
+                <a16:creationId xmlns:a16="http://schemas.microsoft.com/office/drawing/2014/main" id="{F5509230-0BAE-4759-AB2D-5C0AC53F2493}"/>
+              </a:ext>
+            </a:extLst>
+          </p:cNvPr>
+          <p:cNvSpPr/>
+          <p:nvPr/>
+        </p:nvSpPr>
+        <p:spPr>
+          <a:xfrm>
+            <a:off x="110835" y="3195766"/>
+            <a:ext cx="2054857" cy="405108"/>
+          </a:xfrm>
+          <a:prstGeom prst="rect">
+            <a:avLst/>
+          </a:prstGeom>
+        </p:spPr>
+        <p:style>
+          <a:lnRef idx="2">
+            <a:schemeClr val="accent1">
+              <a:shade val="50000"/>
+            </a:schemeClr>
+          </a:lnRef>
+          <a:fillRef idx="1">
+            <a:schemeClr val="accent1"/>
+          </a:fillRef>
+          <a:effectRef idx="0">
+            <a:schemeClr val="accent1"/>
+          </a:effectRef>
+          <a:fontRef idx="minor">
+            <a:schemeClr val="lt1"/>
+          </a:fontRef>
+        </p:style>
+        <p:txBody>
+          <a:bodyPr rtlCol="0" anchor="ctr"/>
+          <a:lstStyle/>
+          <a:p>
+            <a:pPr algn="ctr"/>
+            <a:r>
+              <a:rPr lang="en-US" dirty="0"/>
+              <a:t>SAPBI</a:t>
+            </a:r>
+          </a:p>
+        </p:txBody>
+      </p:sp>
+      <p:sp>
+        <p:nvSpPr>
+          <p:cNvPr id="27" name="Rectangle 26">
+            <a:extLst>
+              <a:ext uri="{FF2B5EF4-FFF2-40B4-BE49-F238E27FC236}">
+                <a16:creationId xmlns:a16="http://schemas.microsoft.com/office/drawing/2014/main" id="{DB2A2633-406B-4A89-9F81-AB675932FCBF}"/>
+              </a:ext>
+            </a:extLst>
+          </p:cNvPr>
+          <p:cNvSpPr/>
+          <p:nvPr/>
+        </p:nvSpPr>
+        <p:spPr>
+          <a:xfrm>
+            <a:off x="110835" y="3762366"/>
+            <a:ext cx="2054857" cy="405108"/>
+          </a:xfrm>
+          <a:prstGeom prst="rect">
+            <a:avLst/>
+          </a:prstGeom>
+        </p:spPr>
+        <p:style>
+          <a:lnRef idx="2">
+            <a:schemeClr val="accent1">
+              <a:shade val="50000"/>
+            </a:schemeClr>
+          </a:lnRef>
+          <a:fillRef idx="1">
+            <a:schemeClr val="accent1"/>
+          </a:fillRef>
+          <a:effectRef idx="0">
+            <a:schemeClr val="accent1"/>
+          </a:effectRef>
+          <a:fontRef idx="minor">
+            <a:schemeClr val="lt1"/>
+          </a:fontRef>
+        </p:style>
+        <p:txBody>
+          <a:bodyPr rtlCol="0" anchor="ctr"/>
+          <a:lstStyle/>
+          <a:p>
+            <a:pPr algn="ctr"/>
+            <a:r>
+              <a:rPr lang="en-US" dirty="0"/>
+              <a:t>SAP BOBJ</a:t>
+            </a:r>
+          </a:p>
+        </p:txBody>
+      </p:sp>
+      <p:sp>
+        <p:nvSpPr>
+          <p:cNvPr id="28" name="Rectangle 27">
+            <a:extLst>
+              <a:ext uri="{FF2B5EF4-FFF2-40B4-BE49-F238E27FC236}">
+                <a16:creationId xmlns:a16="http://schemas.microsoft.com/office/drawing/2014/main" id="{716A88CC-7A21-41F0-B016-739315F07021}"/>
+              </a:ext>
+            </a:extLst>
+          </p:cNvPr>
+          <p:cNvSpPr/>
+          <p:nvPr/>
+        </p:nvSpPr>
+        <p:spPr>
+          <a:xfrm>
+            <a:off x="110834" y="4328966"/>
+            <a:ext cx="2054857" cy="405108"/>
+          </a:xfrm>
+          <a:prstGeom prst="rect">
+            <a:avLst/>
+          </a:prstGeom>
+        </p:spPr>
+        <p:style>
+          <a:lnRef idx="2">
+            <a:schemeClr val="accent1">
+              <a:shade val="50000"/>
+            </a:schemeClr>
+          </a:lnRef>
+          <a:fillRef idx="1">
+            <a:schemeClr val="accent1"/>
+          </a:fillRef>
+          <a:effectRef idx="0">
+            <a:schemeClr val="accent1"/>
+          </a:effectRef>
+          <a:fontRef idx="minor">
+            <a:schemeClr val="lt1"/>
+          </a:fontRef>
+        </p:style>
+        <p:txBody>
+          <a:bodyPr rtlCol="0" anchor="ctr"/>
+          <a:lstStyle/>
+          <a:p>
+            <a:pPr algn="ctr"/>
+            <a:r>
+              <a:rPr lang="en-US" dirty="0"/>
+              <a:t>SAP Lumira</a:t>
+            </a:r>
+          </a:p>
+        </p:txBody>
+      </p:sp>
+      <p:sp>
+        <p:nvSpPr>
+          <p:cNvPr id="29" name="Rectangle 28">
+            <a:extLst>
+              <a:ext uri="{FF2B5EF4-FFF2-40B4-BE49-F238E27FC236}">
+                <a16:creationId xmlns:a16="http://schemas.microsoft.com/office/drawing/2014/main" id="{A1988BC0-7A74-4E68-A8FE-2A32902A2189}"/>
+              </a:ext>
+            </a:extLst>
+          </p:cNvPr>
+          <p:cNvSpPr/>
+          <p:nvPr/>
+        </p:nvSpPr>
+        <p:spPr>
+          <a:xfrm>
+            <a:off x="110834" y="4976008"/>
+            <a:ext cx="2054857" cy="405108"/>
+          </a:xfrm>
+          <a:prstGeom prst="rect">
+            <a:avLst/>
+          </a:prstGeom>
+        </p:spPr>
+        <p:style>
+          <a:lnRef idx="2">
+            <a:schemeClr val="accent1">
+              <a:shade val="50000"/>
+            </a:schemeClr>
+          </a:lnRef>
+          <a:fillRef idx="1">
+            <a:schemeClr val="accent1"/>
+          </a:fillRef>
+          <a:effectRef idx="0">
+            <a:schemeClr val="accent1"/>
+          </a:effectRef>
+          <a:fontRef idx="minor">
+            <a:schemeClr val="lt1"/>
+          </a:fontRef>
+        </p:style>
+        <p:txBody>
+          <a:bodyPr rtlCol="0" anchor="ctr"/>
+          <a:lstStyle/>
+          <a:p>
+            <a:pPr algn="ctr"/>
+            <a:r>
+              <a:rPr lang="en-US" dirty="0"/>
+              <a:t>Power BI/ Tableau</a:t>
+            </a:r>
+          </a:p>
+        </p:txBody>
+      </p:sp>
+      <p:sp>
+        <p:nvSpPr>
+          <p:cNvPr id="30" name="Rectangle 29">
+            <a:extLst>
+              <a:ext uri="{FF2B5EF4-FFF2-40B4-BE49-F238E27FC236}">
+                <a16:creationId xmlns:a16="http://schemas.microsoft.com/office/drawing/2014/main" id="{6768CD7F-B074-4727-B4A1-81444A171C77}"/>
+              </a:ext>
+            </a:extLst>
+          </p:cNvPr>
+          <p:cNvSpPr/>
+          <p:nvPr/>
+        </p:nvSpPr>
+        <p:spPr>
+          <a:xfrm>
+            <a:off x="110834" y="5547082"/>
+            <a:ext cx="2054857" cy="405108"/>
+          </a:xfrm>
+          <a:prstGeom prst="rect">
+            <a:avLst/>
+          </a:prstGeom>
+        </p:spPr>
+        <p:style>
+          <a:lnRef idx="2">
+            <a:schemeClr val="accent1">
+              <a:shade val="50000"/>
+            </a:schemeClr>
+          </a:lnRef>
+          <a:fillRef idx="1">
+            <a:schemeClr val="accent1"/>
+          </a:fillRef>
+          <a:effectRef idx="0">
+            <a:schemeClr val="accent1"/>
+          </a:effectRef>
+          <a:fontRef idx="minor">
+            <a:schemeClr val="lt1"/>
+          </a:fontRef>
+        </p:style>
+        <p:txBody>
+          <a:bodyPr rtlCol="0" anchor="ctr"/>
+          <a:lstStyle/>
+          <a:p>
+            <a:pPr algn="ctr"/>
+            <a:r>
+              <a:rPr lang="en-US" dirty="0"/>
+              <a:t>SAP Analytics Cloud</a:t>
+            </a:r>
+          </a:p>
+        </p:txBody>
+      </p:sp>
+      <p:cxnSp>
+        <p:nvCxnSpPr>
+          <p:cNvPr id="26" name="Connector: Elbow 25">
+            <a:extLst>
+              <a:ext uri="{FF2B5EF4-FFF2-40B4-BE49-F238E27FC236}">
+                <a16:creationId xmlns:a16="http://schemas.microsoft.com/office/drawing/2014/main" id="{95543374-D664-462E-8121-84976AF5E976}"/>
+              </a:ext>
+            </a:extLst>
+          </p:cNvPr>
+          <p:cNvCxnSpPr>
+            <a:endCxn id="30" idx="3"/>
+          </p:cNvCxnSpPr>
+          <p:nvPr/>
+        </p:nvCxnSpPr>
+        <p:spPr>
+          <a:xfrm rot="5400000">
+            <a:off x="1648097" y="3306024"/>
+            <a:ext cx="2961206" cy="1926018"/>
+          </a:xfrm>
+          <a:prstGeom prst="bentConnector2">
+            <a:avLst/>
+          </a:prstGeom>
+          <a:ln>
+            <a:tailEnd type="triangle"/>
+          </a:ln>
+        </p:spPr>
+        <p:style>
+          <a:lnRef idx="1">
+            <a:schemeClr val="accent1"/>
+          </a:lnRef>
+          <a:fillRef idx="0">
+            <a:schemeClr val="accent1"/>
+          </a:fillRef>
+          <a:effectRef idx="0">
+            <a:schemeClr val="accent1"/>
+          </a:effectRef>
+          <a:fontRef idx="minor">
+            <a:schemeClr val="tx1"/>
+          </a:fontRef>
+        </p:style>
+      </p:cxnSp>
+      <p:cxnSp>
+        <p:nvCxnSpPr>
+          <p:cNvPr id="32" name="Connector: Elbow 31">
+            <a:extLst>
+              <a:ext uri="{FF2B5EF4-FFF2-40B4-BE49-F238E27FC236}">
+                <a16:creationId xmlns:a16="http://schemas.microsoft.com/office/drawing/2014/main" id="{04DEFC7E-7031-41EB-B811-823A3E9D6C37}"/>
+              </a:ext>
+            </a:extLst>
+          </p:cNvPr>
+          <p:cNvCxnSpPr>
+            <a:stCxn id="17" idx="2"/>
+          </p:cNvCxnSpPr>
+          <p:nvPr/>
+        </p:nvCxnSpPr>
+        <p:spPr>
+          <a:xfrm rot="5400000">
+            <a:off x="3536147" y="3513823"/>
+            <a:ext cx="993124" cy="3734037"/>
+          </a:xfrm>
+          <a:prstGeom prst="bentConnector2">
+            <a:avLst/>
+          </a:prstGeom>
+          <a:ln>
+            <a:tailEnd type="triangle"/>
+          </a:ln>
+        </p:spPr>
+        <p:style>
+          <a:lnRef idx="1">
+            <a:schemeClr val="accent1"/>
+          </a:lnRef>
+          <a:fillRef idx="0">
+            <a:schemeClr val="accent1"/>
+          </a:fillRef>
+          <a:effectRef idx="0">
+            <a:schemeClr val="accent1"/>
+          </a:effectRef>
+          <a:fontRef idx="minor">
+            <a:schemeClr val="tx1"/>
+          </a:fontRef>
+        </p:style>
+      </p:cxnSp>
+      <p:sp>
+        <p:nvSpPr>
+          <p:cNvPr id="33" name="TextBox 32">
+            <a:extLst>
+              <a:ext uri="{FF2B5EF4-FFF2-40B4-BE49-F238E27FC236}">
+                <a16:creationId xmlns:a16="http://schemas.microsoft.com/office/drawing/2014/main" id="{C5426886-B732-44AA-B724-9950740F026A}"/>
+              </a:ext>
+            </a:extLst>
+          </p:cNvPr>
+          <p:cNvSpPr txBox="1"/>
+          <p:nvPr/>
+        </p:nvSpPr>
+        <p:spPr>
+          <a:xfrm>
+            <a:off x="6096000" y="5060227"/>
+            <a:ext cx="5680364" cy="646331"/>
+          </a:xfrm>
+          <a:prstGeom prst="rect">
+            <a:avLst/>
+          </a:prstGeom>
+          <a:noFill/>
+        </p:spPr>
+        <p:txBody>
+          <a:bodyPr wrap="square" rtlCol="0">
+            <a:spAutoFit/>
+          </a:bodyPr>
+          <a:lstStyle/>
+          <a:p>
+            <a:r>
+              <a:rPr lang="en-US" dirty="0"/>
+              <a:t>OLAP</a:t>
+            </a:r>
+          </a:p>
+          <a:p>
+            <a:r>
+              <a:rPr lang="en-US" dirty="0"/>
+              <a:t>Online Analytical processing</a:t>
+            </a:r>
+          </a:p>
+        </p:txBody>
+      </p:sp>
     </p:spTree>
     <p:extLst>
       <p:ext uri="{BB962C8B-B14F-4D97-AF65-F5344CB8AC3E}">
